--- a/Deliverable1Presentation.pptx
+++ b/Deliverable1Presentation.pptx
@@ -1,35 +1,26 @@
 
 <file path=ppt/presentation.xml><?xml version="1.0" encoding="utf-8"?>
-<p:presentation xmlns:a="http://schemas.openxmlformats.org/drawingml/2006/main" xmlns:r="http://schemas.openxmlformats.org/officeDocument/2006/relationships" xmlns:mc="http://schemas.openxmlformats.org/markup-compatibility/2006" xmlns:mv="urn:schemas-microsoft-com:mac:vml" xmlns:p="http://schemas.openxmlformats.org/presentationml/2006/main" xmlns:c="http://schemas.openxmlformats.org/drawingml/2006/chart" xmlns:dgm="http://schemas.openxmlformats.org/drawingml/2006/diagram" xmlns:o="urn:schemas-microsoft-com:office:office" xmlns:v="urn:schemas-microsoft-com:vml" xmlns:pvml="urn:schemas-microsoft-com:office:powerpoint" xmlns:com="http://schemas.openxmlformats.org/drawingml/2006/compatibility" xmlns:p14="http://schemas.microsoft.com/office/powerpoint/2010/main" autoCompressPictures="0" embedTrueTypeFonts="1" strictFirstAndLastChars="0" saveSubsetFonts="1">
+<p:presentation xmlns:a="http://schemas.openxmlformats.org/drawingml/2006/main" xmlns:r="http://schemas.openxmlformats.org/officeDocument/2006/relationships" xmlns:p="http://schemas.openxmlformats.org/presentationml/2006/main" strictFirstAndLastChars="0" embedTrueTypeFonts="1" saveSubsetFonts="1" autoCompressPictures="0">
   <p:sldMasterIdLst>
-    <p:sldMasterId id="2147483659" r:id="rId4"/>
+    <p:sldMasterId id="2147483659" r:id="rId1"/>
   </p:sldMasterIdLst>
   <p:notesMasterIdLst>
-    <p:notesMasterId r:id="rId5"/>
+    <p:notesMasterId r:id="rId10"/>
   </p:notesMasterIdLst>
   <p:sldIdLst>
-    <p:sldId id="256" r:id="rId6"/>
-    <p:sldId id="257" r:id="rId7"/>
-    <p:sldId id="258" r:id="rId8"/>
-    <p:sldId id="259" r:id="rId9"/>
-    <p:sldId id="260" r:id="rId10"/>
-    <p:sldId id="261" r:id="rId11"/>
-    <p:sldId id="262" r:id="rId12"/>
-    <p:sldId id="263" r:id="rId13"/>
+    <p:sldId id="256" r:id="rId2"/>
+    <p:sldId id="257" r:id="rId3"/>
+    <p:sldId id="258" r:id="rId4"/>
+    <p:sldId id="259" r:id="rId5"/>
+    <p:sldId id="260" r:id="rId6"/>
+    <p:sldId id="261" r:id="rId7"/>
+    <p:sldId id="262" r:id="rId8"/>
+    <p:sldId id="263" r:id="rId9"/>
   </p:sldIdLst>
-  <p:sldSz cy="5143500" cx="9144000"/>
+  <p:sldSz cx="9144000" cy="5143500" type="screen16x9"/>
   <p:notesSz cx="6858000" cy="9144000"/>
-  <p:embeddedFontLst>
-    <p:embeddedFont>
-      <p:font typeface="Roboto"/>
-      <p:regular r:id="rId14"/>
-      <p:bold r:id="rId15"/>
-      <p:italic r:id="rId16"/>
-      <p:boldItalic r:id="rId17"/>
-    </p:embeddedFont>
-  </p:embeddedFontLst>
   <p:defaultTextStyle>
-    <a:defPPr marR="0" rtl="0" algn="l">
+    <a:defPPr marR="0" algn="l" rtl="0">
       <a:lnSpc>
         <a:spcPct val="100000"/>
       </a:lnSpc>
@@ -40,7 +31,7 @@
         <a:spcPts val="0"/>
       </a:spcAft>
     </a:defPPr>
-    <a:lvl1pPr marR="0" rtl="0" algn="l">
+    <a:lvl1pPr marR="0" algn="l" rtl="0">
       <a:lnSpc>
         <a:spcPct val="100000"/>
       </a:lnSpc>
@@ -51,7 +42,7 @@
         <a:spcPts val="0"/>
       </a:spcAft>
       <a:buNone/>
-      <a:defRPr b="0" baseline="0" i="0" sz="1400" u="none" cap="none" strike="noStrike">
+      <a:defRPr sz="1400" b="0" i="0" u="none" strike="noStrike" cap="none" baseline="0">
         <a:solidFill>
           <a:srgbClr val="000000"/>
         </a:solidFill>
@@ -62,7 +53,7 @@
         <a:rtl val="0"/>
       </a:defRPr>
     </a:lvl1pPr>
-    <a:lvl2pPr marR="0" rtl="0" algn="l">
+    <a:lvl2pPr marR="0" algn="l" rtl="0">
       <a:lnSpc>
         <a:spcPct val="100000"/>
       </a:lnSpc>
@@ -73,7 +64,7 @@
         <a:spcPts val="0"/>
       </a:spcAft>
       <a:buNone/>
-      <a:defRPr b="0" baseline="0" i="0" sz="1400" u="none" cap="none" strike="noStrike">
+      <a:defRPr sz="1400" b="0" i="0" u="none" strike="noStrike" cap="none" baseline="0">
         <a:solidFill>
           <a:srgbClr val="000000"/>
         </a:solidFill>
@@ -84,7 +75,7 @@
         <a:rtl val="0"/>
       </a:defRPr>
     </a:lvl2pPr>
-    <a:lvl3pPr marR="0" rtl="0" algn="l">
+    <a:lvl3pPr marR="0" algn="l" rtl="0">
       <a:lnSpc>
         <a:spcPct val="100000"/>
       </a:lnSpc>
@@ -95,7 +86,7 @@
         <a:spcPts val="0"/>
       </a:spcAft>
       <a:buNone/>
-      <a:defRPr b="0" baseline="0" i="0" sz="1400" u="none" cap="none" strike="noStrike">
+      <a:defRPr sz="1400" b="0" i="0" u="none" strike="noStrike" cap="none" baseline="0">
         <a:solidFill>
           <a:srgbClr val="000000"/>
         </a:solidFill>
@@ -106,7 +97,7 @@
         <a:rtl val="0"/>
       </a:defRPr>
     </a:lvl3pPr>
-    <a:lvl4pPr marR="0" rtl="0" algn="l">
+    <a:lvl4pPr marR="0" algn="l" rtl="0">
       <a:lnSpc>
         <a:spcPct val="100000"/>
       </a:lnSpc>
@@ -117,7 +108,7 @@
         <a:spcPts val="0"/>
       </a:spcAft>
       <a:buNone/>
-      <a:defRPr b="0" baseline="0" i="0" sz="1400" u="none" cap="none" strike="noStrike">
+      <a:defRPr sz="1400" b="0" i="0" u="none" strike="noStrike" cap="none" baseline="0">
         <a:solidFill>
           <a:srgbClr val="000000"/>
         </a:solidFill>
@@ -128,7 +119,7 @@
         <a:rtl val="0"/>
       </a:defRPr>
     </a:lvl4pPr>
-    <a:lvl5pPr marR="0" rtl="0" algn="l">
+    <a:lvl5pPr marR="0" algn="l" rtl="0">
       <a:lnSpc>
         <a:spcPct val="100000"/>
       </a:lnSpc>
@@ -139,7 +130,7 @@
         <a:spcPts val="0"/>
       </a:spcAft>
       <a:buNone/>
-      <a:defRPr b="0" baseline="0" i="0" sz="1400" u="none" cap="none" strike="noStrike">
+      <a:defRPr sz="1400" b="0" i="0" u="none" strike="noStrike" cap="none" baseline="0">
         <a:solidFill>
           <a:srgbClr val="000000"/>
         </a:solidFill>
@@ -150,7 +141,7 @@
         <a:rtl val="0"/>
       </a:defRPr>
     </a:lvl5pPr>
-    <a:lvl6pPr marR="0" rtl="0" algn="l">
+    <a:lvl6pPr marR="0" algn="l" rtl="0">
       <a:lnSpc>
         <a:spcPct val="100000"/>
       </a:lnSpc>
@@ -161,7 +152,7 @@
         <a:spcPts val="0"/>
       </a:spcAft>
       <a:buNone/>
-      <a:defRPr b="0" baseline="0" i="0" sz="1400" u="none" cap="none" strike="noStrike">
+      <a:defRPr sz="1400" b="0" i="0" u="none" strike="noStrike" cap="none" baseline="0">
         <a:solidFill>
           <a:srgbClr val="000000"/>
         </a:solidFill>
@@ -172,7 +163,7 @@
         <a:rtl val="0"/>
       </a:defRPr>
     </a:lvl6pPr>
-    <a:lvl7pPr marR="0" rtl="0" algn="l">
+    <a:lvl7pPr marR="0" algn="l" rtl="0">
       <a:lnSpc>
         <a:spcPct val="100000"/>
       </a:lnSpc>
@@ -183,7 +174,7 @@
         <a:spcPts val="0"/>
       </a:spcAft>
       <a:buNone/>
-      <a:defRPr b="0" baseline="0" i="0" sz="1400" u="none" cap="none" strike="noStrike">
+      <a:defRPr sz="1400" b="0" i="0" u="none" strike="noStrike" cap="none" baseline="0">
         <a:solidFill>
           <a:srgbClr val="000000"/>
         </a:solidFill>
@@ -194,7 +185,7 @@
         <a:rtl val="0"/>
       </a:defRPr>
     </a:lvl7pPr>
-    <a:lvl8pPr marR="0" rtl="0" algn="l">
+    <a:lvl8pPr marR="0" algn="l" rtl="0">
       <a:lnSpc>
         <a:spcPct val="100000"/>
       </a:lnSpc>
@@ -205,7 +196,7 @@
         <a:spcPts val="0"/>
       </a:spcAft>
       <a:buNone/>
-      <a:defRPr b="0" baseline="0" i="0" sz="1400" u="none" cap="none" strike="noStrike">
+      <a:defRPr sz="1400" b="0" i="0" u="none" strike="noStrike" cap="none" baseline="0">
         <a:solidFill>
           <a:srgbClr val="000000"/>
         </a:solidFill>
@@ -216,7 +207,7 @@
         <a:rtl val="0"/>
       </a:defRPr>
     </a:lvl8pPr>
-    <a:lvl9pPr marR="0" rtl="0" algn="l">
+    <a:lvl9pPr marR="0" algn="l" rtl="0">
       <a:lnSpc>
         <a:spcPct val="100000"/>
       </a:lnSpc>
@@ -227,7 +218,7 @@
         <a:spcPts val="0"/>
       </a:spcAft>
       <a:buNone/>
-      <a:defRPr b="0" baseline="0" i="0" sz="1400" u="none" cap="none" strike="noStrike">
+      <a:defRPr sz="1400" b="0" i="0" u="none" strike="noStrike" cap="none" baseline="0">
         <a:solidFill>
           <a:srgbClr val="000000"/>
         </a:solidFill>
@@ -243,8 +234,13 @@
 </file>
 
 <file path=ppt/notesMasters/notesMaster1.xml><?xml version="1.0" encoding="utf-8"?>
-<p:notesMaster xmlns:a="http://schemas.openxmlformats.org/drawingml/2006/main" xmlns:r="http://schemas.openxmlformats.org/officeDocument/2006/relationships" xmlns:mc="http://schemas.openxmlformats.org/markup-compatibility/2006" xmlns:mv="urn:schemas-microsoft-com:mac:vml" xmlns:p="http://schemas.openxmlformats.org/presentationml/2006/main" xmlns:c="http://schemas.openxmlformats.org/drawingml/2006/chart" xmlns:dgm="http://schemas.openxmlformats.org/drawingml/2006/diagram" xmlns:o="urn:schemas-microsoft-com:office:office" xmlns:v="urn:schemas-microsoft-com:vml" xmlns:pvml="urn:schemas-microsoft-com:office:powerpoint" xmlns:com="http://schemas.openxmlformats.org/drawingml/2006/compatibility" xmlns:p14="http://schemas.microsoft.com/office/powerpoint/2010/main">
+<p:notesMaster xmlns:a="http://schemas.openxmlformats.org/drawingml/2006/main" xmlns:r="http://schemas.openxmlformats.org/officeDocument/2006/relationships" xmlns:p="http://schemas.openxmlformats.org/presentationml/2006/main">
   <p:cSld>
+    <p:bg>
+      <p:bgRef idx="1001">
+        <a:schemeClr val="bg1"/>
+      </p:bgRef>
+    </p:bg>
     <p:spTree>
       <p:nvGrpSpPr>
         <p:cNvPr id="1" name="Shape 1"/>
@@ -262,9 +258,11 @@
       <p:sp>
         <p:nvSpPr>
           <p:cNvPr id="2" name="Shape 2"/>
-          <p:cNvSpPr/>
+          <p:cNvSpPr>
+            <a:spLocks noGrp="1" noRot="1" noChangeAspect="1"/>
+          </p:cNvSpPr>
           <p:nvPr>
-            <p:ph idx="2" type="sldImg"/>
+            <p:ph type="sldImg" idx="2"/>
           </p:nvPr>
         </p:nvSpPr>
         <p:spPr>
@@ -273,8 +271,13 @@
             <a:ext cx="6096075" cy="3429000"/>
           </a:xfrm>
           <a:custGeom>
+            <a:avLst/>
+            <a:gdLst/>
+            <a:ahLst/>
+            <a:cxnLst/>
+            <a:rect l="0" t="0" r="0" b="0"/>
             <a:pathLst>
-              <a:path extrusionOk="0" h="120000" w="120000">
+              <a:path w="120000" h="120000" extrusionOk="0">
                 <a:moveTo>
                   <a:pt x="0" y="0"/>
                 </a:moveTo>
@@ -292,23 +295,25 @@
             </a:pathLst>
           </a:custGeom>
           <a:noFill/>
-          <a:ln cap="flat" cmpd="sng" w="9525">
+          <a:ln w="9525" cap="flat" cmpd="sng">
             <a:solidFill>
               <a:srgbClr val="000000"/>
             </a:solidFill>
             <a:prstDash val="solid"/>
             <a:round/>
-            <a:headEnd len="med" w="med" type="none"/>
-            <a:tailEnd len="med" w="med" type="none"/>
+            <a:headEnd type="none" w="med" len="med"/>
+            <a:tailEnd type="none" w="med" len="med"/>
           </a:ln>
         </p:spPr>
       </p:sp>
       <p:sp>
         <p:nvSpPr>
           <p:cNvPr id="3" name="Shape 3"/>
-          <p:cNvSpPr txBox="1"/>
+          <p:cNvSpPr txBox="1">
+            <a:spLocks noGrp="1"/>
+          </p:cNvSpPr>
           <p:nvPr>
-            <p:ph idx="1" type="body"/>
+            <p:ph type="body" idx="1"/>
           </p:nvPr>
         </p:nvSpPr>
         <p:spPr>
@@ -325,7 +330,7 @@
           </a:ln>
         </p:spPr>
         <p:txBody>
-          <a:bodyPr anchorCtr="0" anchor="t" bIns="91425" lIns="91425" rIns="91425" tIns="91425"/>
+          <a:bodyPr lIns="91425" tIns="91425" rIns="91425" bIns="91425" anchor="t" anchorCtr="0"/>
           <a:lstStyle>
             <a:lvl1pPr>
               <a:spcBef>
@@ -382,21 +387,120 @@
               <a:defRPr sz="1100"/>
             </a:lvl9pPr>
           </a:lstStyle>
-          <a:p/>
+          <a:p>
+            <a:endParaRPr/>
+          </a:p>
         </p:txBody>
       </p:sp>
     </p:spTree>
+    <p:extLst>
+      <p:ext uri="{BB962C8B-B14F-4D97-AF65-F5344CB8AC3E}">
+        <p14:creationId xmlns:p14="http://schemas.microsoft.com/office/powerpoint/2010/main" val="3460059547"/>
+      </p:ext>
+    </p:extLst>
   </p:cSld>
-  <p:clrMap accent1="accent1" accent2="accent2" accent3="accent3" accent4="accent4" accent5="accent5" accent6="accent6" bg1="lt1" bg2="dk2" tx1="dk1" tx2="lt2" folHlink="folHlink" hlink="hlink"/>
+  <p:clrMap bg1="lt1" tx1="dk1" bg2="dk2" tx2="lt2" accent1="accent1" accent2="accent2" accent3="accent3" accent4="accent4" accent5="accent5" accent6="accent6" hlink="hlink" folHlink="folHlink"/>
+  <p:notesStyle>
+    <a:lvl1pPr marL="0" algn="l" defTabSz="457200" rtl="0" eaLnBrk="1" latinLnBrk="0" hangingPunct="1">
+      <a:defRPr sz="1200" kern="1200">
+        <a:solidFill>
+          <a:schemeClr val="tx1"/>
+        </a:solidFill>
+        <a:latin typeface="+mn-lt"/>
+        <a:ea typeface="+mn-ea"/>
+        <a:cs typeface="+mn-cs"/>
+      </a:defRPr>
+    </a:lvl1pPr>
+    <a:lvl2pPr marL="457200" algn="l" defTabSz="457200" rtl="0" eaLnBrk="1" latinLnBrk="0" hangingPunct="1">
+      <a:defRPr sz="1200" kern="1200">
+        <a:solidFill>
+          <a:schemeClr val="tx1"/>
+        </a:solidFill>
+        <a:latin typeface="+mn-lt"/>
+        <a:ea typeface="+mn-ea"/>
+        <a:cs typeface="+mn-cs"/>
+      </a:defRPr>
+    </a:lvl2pPr>
+    <a:lvl3pPr marL="914400" algn="l" defTabSz="457200" rtl="0" eaLnBrk="1" latinLnBrk="0" hangingPunct="1">
+      <a:defRPr sz="1200" kern="1200">
+        <a:solidFill>
+          <a:schemeClr val="tx1"/>
+        </a:solidFill>
+        <a:latin typeface="+mn-lt"/>
+        <a:ea typeface="+mn-ea"/>
+        <a:cs typeface="+mn-cs"/>
+      </a:defRPr>
+    </a:lvl3pPr>
+    <a:lvl4pPr marL="1371600" algn="l" defTabSz="457200" rtl="0" eaLnBrk="1" latinLnBrk="0" hangingPunct="1">
+      <a:defRPr sz="1200" kern="1200">
+        <a:solidFill>
+          <a:schemeClr val="tx1"/>
+        </a:solidFill>
+        <a:latin typeface="+mn-lt"/>
+        <a:ea typeface="+mn-ea"/>
+        <a:cs typeface="+mn-cs"/>
+      </a:defRPr>
+    </a:lvl4pPr>
+    <a:lvl5pPr marL="1828800" algn="l" defTabSz="457200" rtl="0" eaLnBrk="1" latinLnBrk="0" hangingPunct="1">
+      <a:defRPr sz="1200" kern="1200">
+        <a:solidFill>
+          <a:schemeClr val="tx1"/>
+        </a:solidFill>
+        <a:latin typeface="+mn-lt"/>
+        <a:ea typeface="+mn-ea"/>
+        <a:cs typeface="+mn-cs"/>
+      </a:defRPr>
+    </a:lvl5pPr>
+    <a:lvl6pPr marL="2286000" algn="l" defTabSz="457200" rtl="0" eaLnBrk="1" latinLnBrk="0" hangingPunct="1">
+      <a:defRPr sz="1200" kern="1200">
+        <a:solidFill>
+          <a:schemeClr val="tx1"/>
+        </a:solidFill>
+        <a:latin typeface="+mn-lt"/>
+        <a:ea typeface="+mn-ea"/>
+        <a:cs typeface="+mn-cs"/>
+      </a:defRPr>
+    </a:lvl6pPr>
+    <a:lvl7pPr marL="2743200" algn="l" defTabSz="457200" rtl="0" eaLnBrk="1" latinLnBrk="0" hangingPunct="1">
+      <a:defRPr sz="1200" kern="1200">
+        <a:solidFill>
+          <a:schemeClr val="tx1"/>
+        </a:solidFill>
+        <a:latin typeface="+mn-lt"/>
+        <a:ea typeface="+mn-ea"/>
+        <a:cs typeface="+mn-cs"/>
+      </a:defRPr>
+    </a:lvl7pPr>
+    <a:lvl8pPr marL="3200400" algn="l" defTabSz="457200" rtl="0" eaLnBrk="1" latinLnBrk="0" hangingPunct="1">
+      <a:defRPr sz="1200" kern="1200">
+        <a:solidFill>
+          <a:schemeClr val="tx1"/>
+        </a:solidFill>
+        <a:latin typeface="+mn-lt"/>
+        <a:ea typeface="+mn-ea"/>
+        <a:cs typeface="+mn-cs"/>
+      </a:defRPr>
+    </a:lvl8pPr>
+    <a:lvl9pPr marL="3657600" algn="l" defTabSz="457200" rtl="0" eaLnBrk="1" latinLnBrk="0" hangingPunct="1">
+      <a:defRPr sz="1200" kern="1200">
+        <a:solidFill>
+          <a:schemeClr val="tx1"/>
+        </a:solidFill>
+        <a:latin typeface="+mn-lt"/>
+        <a:ea typeface="+mn-ea"/>
+        <a:cs typeface="+mn-cs"/>
+      </a:defRPr>
+    </a:lvl9pPr>
+  </p:notesStyle>
 </p:notesMaster>
 </file>
 
 <file path=ppt/notesSlides/notesSlide1.xml><?xml version="1.0" encoding="utf-8"?>
-<p:notes xmlns:a="http://schemas.openxmlformats.org/drawingml/2006/main" xmlns:r="http://schemas.openxmlformats.org/officeDocument/2006/relationships" xmlns:mc="http://schemas.openxmlformats.org/markup-compatibility/2006" xmlns:mv="urn:schemas-microsoft-com:mac:vml" xmlns:p="http://schemas.openxmlformats.org/presentationml/2006/main" xmlns:c="http://schemas.openxmlformats.org/drawingml/2006/chart" xmlns:dgm="http://schemas.openxmlformats.org/drawingml/2006/diagram" xmlns:o="urn:schemas-microsoft-com:office:office" xmlns:v="urn:schemas-microsoft-com:vml" xmlns:pvml="urn:schemas-microsoft-com:office:powerpoint" xmlns:com="http://schemas.openxmlformats.org/drawingml/2006/compatibility" xmlns:p14="http://schemas.microsoft.com/office/powerpoint/2010/main" showMasterPhAnim="0" showMasterSp="0">
+<p:notes xmlns:a="http://schemas.openxmlformats.org/drawingml/2006/main" xmlns:r="http://schemas.openxmlformats.org/officeDocument/2006/relationships" xmlns:p="http://schemas.openxmlformats.org/presentationml/2006/main" showMasterSp="0" showMasterPhAnim="0">
   <p:cSld>
     <p:spTree>
       <p:nvGrpSpPr>
-        <p:cNvPr id="83" name="Shape 83"/>
+        <p:cNvPr id="1" name="Shape 83"/>
         <p:cNvGrpSpPr/>
         <p:nvPr/>
       </p:nvGrpSpPr>
@@ -411,9 +515,11 @@
       <p:sp>
         <p:nvSpPr>
           <p:cNvPr id="84" name="Shape 84"/>
-          <p:cNvSpPr/>
+          <p:cNvSpPr>
+            <a:spLocks noGrp="1" noRot="1" noChangeAspect="1"/>
+          </p:cNvSpPr>
           <p:nvPr>
-            <p:ph idx="2" type="sldImg"/>
+            <p:ph type="sldImg" idx="2"/>
           </p:nvPr>
         </p:nvSpPr>
         <p:spPr>
@@ -422,8 +528,13 @@
             <a:ext cx="6096075" cy="3429000"/>
           </a:xfrm>
           <a:custGeom>
+            <a:avLst/>
+            <a:gdLst/>
+            <a:ahLst/>
+            <a:cxnLst/>
+            <a:rect l="0" t="0" r="0" b="0"/>
             <a:pathLst>
-              <a:path extrusionOk="0" h="120000" w="120000">
+              <a:path w="120000" h="120000" extrusionOk="0">
                 <a:moveTo>
                   <a:pt x="0" y="0"/>
                 </a:moveTo>
@@ -441,23 +552,25 @@
             </a:pathLst>
           </a:custGeom>
           <a:noFill/>
-          <a:ln cap="flat" cmpd="sng" w="9525">
+          <a:ln w="9525" cap="flat" cmpd="sng">
             <a:solidFill>
               <a:srgbClr val="000000"/>
             </a:solidFill>
             <a:prstDash val="solid"/>
             <a:round/>
-            <a:headEnd len="med" w="med" type="none"/>
-            <a:tailEnd len="med" w="med" type="none"/>
+            <a:headEnd type="none" w="med" len="med"/>
+            <a:tailEnd type="none" w="med" len="med"/>
           </a:ln>
         </p:spPr>
       </p:sp>
       <p:sp>
         <p:nvSpPr>
           <p:cNvPr id="85" name="Shape 85"/>
-          <p:cNvSpPr txBox="1"/>
+          <p:cNvSpPr txBox="1">
+            <a:spLocks noGrp="1"/>
+          </p:cNvSpPr>
           <p:nvPr>
-            <p:ph idx="1" type="body"/>
+            <p:ph type="body" idx="1"/>
           </p:nvPr>
         </p:nvSpPr>
         <p:spPr>
@@ -470,7 +583,7 @@
           </a:prstGeom>
         </p:spPr>
         <p:txBody>
-          <a:bodyPr anchorCtr="0" anchor="t" bIns="91425" lIns="91425" rIns="91425" tIns="91425">
+          <a:bodyPr lIns="91425" tIns="91425" rIns="91425" bIns="91425" anchor="t" anchorCtr="0">
             <a:noAutofit/>
           </a:bodyPr>
           <a:lstStyle/>
@@ -481,9 +594,6 @@
               </a:spcBef>
               <a:buNone/>
             </a:pPr>
-            <a:r>
-              <a:t/>
-            </a:r>
             <a:endParaRPr/>
           </a:p>
         </p:txBody>
@@ -497,11 +607,11 @@
 </file>
 
 <file path=ppt/notesSlides/notesSlide2.xml><?xml version="1.0" encoding="utf-8"?>
-<p:notes xmlns:a="http://schemas.openxmlformats.org/drawingml/2006/main" xmlns:r="http://schemas.openxmlformats.org/officeDocument/2006/relationships" xmlns:mc="http://schemas.openxmlformats.org/markup-compatibility/2006" xmlns:mv="urn:schemas-microsoft-com:mac:vml" xmlns:p="http://schemas.openxmlformats.org/presentationml/2006/main" xmlns:c="http://schemas.openxmlformats.org/drawingml/2006/chart" xmlns:dgm="http://schemas.openxmlformats.org/drawingml/2006/diagram" xmlns:o="urn:schemas-microsoft-com:office:office" xmlns:v="urn:schemas-microsoft-com:vml" xmlns:pvml="urn:schemas-microsoft-com:office:powerpoint" xmlns:com="http://schemas.openxmlformats.org/drawingml/2006/compatibility" xmlns:p14="http://schemas.microsoft.com/office/powerpoint/2010/main" showMasterPhAnim="0" showMasterSp="0">
+<p:notes xmlns:a="http://schemas.openxmlformats.org/drawingml/2006/main" xmlns:r="http://schemas.openxmlformats.org/officeDocument/2006/relationships" xmlns:p="http://schemas.openxmlformats.org/presentationml/2006/main" showMasterSp="0" showMasterPhAnim="0">
   <p:cSld>
     <p:spTree>
       <p:nvGrpSpPr>
-        <p:cNvPr id="89" name="Shape 89"/>
+        <p:cNvPr id="1" name="Shape 89"/>
         <p:cNvGrpSpPr/>
         <p:nvPr/>
       </p:nvGrpSpPr>
@@ -516,19 +626,26 @@
       <p:sp>
         <p:nvSpPr>
           <p:cNvPr id="90" name="Shape 90"/>
-          <p:cNvSpPr/>
+          <p:cNvSpPr>
+            <a:spLocks noGrp="1" noRot="1" noChangeAspect="1"/>
+          </p:cNvSpPr>
           <p:nvPr>
-            <p:ph idx="2" type="sldImg"/>
+            <p:ph type="sldImg" idx="2"/>
           </p:nvPr>
         </p:nvSpPr>
         <p:spPr>
           <a:xfrm>
-            <a:off x="381300" y="685800"/>
+            <a:off x="381000" y="685800"/>
             <a:ext cx="6096000" cy="3429000"/>
           </a:xfrm>
           <a:custGeom>
+            <a:avLst/>
+            <a:gdLst/>
+            <a:ahLst/>
+            <a:cxnLst/>
+            <a:rect l="0" t="0" r="0" b="0"/>
             <a:pathLst>
-              <a:path extrusionOk="0" h="120000" w="120000">
+              <a:path w="120000" h="120000" extrusionOk="0">
                 <a:moveTo>
                   <a:pt x="0" y="0"/>
                 </a:moveTo>
@@ -546,23 +663,25 @@
             </a:pathLst>
           </a:custGeom>
           <a:noFill/>
-          <a:ln cap="flat" cmpd="sng" w="9525">
+          <a:ln w="9525" cap="flat" cmpd="sng">
             <a:solidFill>
               <a:srgbClr val="000000"/>
             </a:solidFill>
             <a:prstDash val="solid"/>
             <a:round/>
-            <a:headEnd len="med" w="med" type="none"/>
-            <a:tailEnd len="med" w="med" type="none"/>
+            <a:headEnd type="none" w="med" len="med"/>
+            <a:tailEnd type="none" w="med" len="med"/>
           </a:ln>
         </p:spPr>
       </p:sp>
       <p:sp>
         <p:nvSpPr>
           <p:cNvPr id="91" name="Shape 91"/>
-          <p:cNvSpPr txBox="1"/>
+          <p:cNvSpPr txBox="1">
+            <a:spLocks noGrp="1"/>
+          </p:cNvSpPr>
           <p:nvPr>
-            <p:ph idx="1" type="body"/>
+            <p:ph type="body" idx="1"/>
           </p:nvPr>
         </p:nvSpPr>
         <p:spPr>
@@ -575,7 +694,7 @@
           </a:prstGeom>
         </p:spPr>
         <p:txBody>
-          <a:bodyPr anchorCtr="0" anchor="t" bIns="91425" lIns="91425" rIns="91425" tIns="91425">
+          <a:bodyPr lIns="91425" tIns="91425" rIns="91425" bIns="91425" anchor="t" anchorCtr="0">
             <a:noAutofit/>
           </a:bodyPr>
           <a:lstStyle/>
@@ -586,9 +705,6 @@
               </a:spcBef>
               <a:buNone/>
             </a:pPr>
-            <a:r>
-              <a:t/>
-            </a:r>
             <a:endParaRPr/>
           </a:p>
         </p:txBody>
@@ -602,11 +718,11 @@
 </file>
 
 <file path=ppt/notesSlides/notesSlide3.xml><?xml version="1.0" encoding="utf-8"?>
-<p:notes xmlns:a="http://schemas.openxmlformats.org/drawingml/2006/main" xmlns:r="http://schemas.openxmlformats.org/officeDocument/2006/relationships" xmlns:mc="http://schemas.openxmlformats.org/markup-compatibility/2006" xmlns:mv="urn:schemas-microsoft-com:mac:vml" xmlns:p="http://schemas.openxmlformats.org/presentationml/2006/main" xmlns:c="http://schemas.openxmlformats.org/drawingml/2006/chart" xmlns:dgm="http://schemas.openxmlformats.org/drawingml/2006/diagram" xmlns:o="urn:schemas-microsoft-com:office:office" xmlns:v="urn:schemas-microsoft-com:vml" xmlns:pvml="urn:schemas-microsoft-com:office:powerpoint" xmlns:com="http://schemas.openxmlformats.org/drawingml/2006/compatibility" xmlns:p14="http://schemas.microsoft.com/office/powerpoint/2010/main" showMasterPhAnim="0" showMasterSp="0">
+<p:notes xmlns:a="http://schemas.openxmlformats.org/drawingml/2006/main" xmlns:r="http://schemas.openxmlformats.org/officeDocument/2006/relationships" xmlns:p="http://schemas.openxmlformats.org/presentationml/2006/main" showMasterSp="0" showMasterPhAnim="0">
   <p:cSld>
     <p:spTree>
       <p:nvGrpSpPr>
-        <p:cNvPr id="95" name="Shape 95"/>
+        <p:cNvPr id="1" name="Shape 95"/>
         <p:cNvGrpSpPr/>
         <p:nvPr/>
       </p:nvGrpSpPr>
@@ -621,9 +737,11 @@
       <p:sp>
         <p:nvSpPr>
           <p:cNvPr id="96" name="Shape 96"/>
-          <p:cNvSpPr/>
+          <p:cNvSpPr>
+            <a:spLocks noGrp="1" noRot="1" noChangeAspect="1"/>
+          </p:cNvSpPr>
           <p:nvPr>
-            <p:ph idx="2" type="sldImg"/>
+            <p:ph type="sldImg" idx="2"/>
           </p:nvPr>
         </p:nvSpPr>
         <p:spPr>
@@ -632,8 +750,13 @@
             <a:ext cx="6096000" cy="3429000"/>
           </a:xfrm>
           <a:custGeom>
+            <a:avLst/>
+            <a:gdLst/>
+            <a:ahLst/>
+            <a:cxnLst/>
+            <a:rect l="0" t="0" r="0" b="0"/>
             <a:pathLst>
-              <a:path extrusionOk="0" h="120000" w="120000">
+              <a:path w="120000" h="120000" extrusionOk="0">
                 <a:moveTo>
                   <a:pt x="0" y="0"/>
                 </a:moveTo>
@@ -651,23 +774,25 @@
             </a:pathLst>
           </a:custGeom>
           <a:noFill/>
-          <a:ln cap="flat" cmpd="sng" w="9525">
+          <a:ln w="9525" cap="flat" cmpd="sng">
             <a:solidFill>
               <a:srgbClr val="000000"/>
             </a:solidFill>
             <a:prstDash val="solid"/>
             <a:round/>
-            <a:headEnd len="med" w="med" type="none"/>
-            <a:tailEnd len="med" w="med" type="none"/>
+            <a:headEnd type="none" w="med" len="med"/>
+            <a:tailEnd type="none" w="med" len="med"/>
           </a:ln>
         </p:spPr>
       </p:sp>
       <p:sp>
         <p:nvSpPr>
           <p:cNvPr id="97" name="Shape 97"/>
-          <p:cNvSpPr txBox="1"/>
+          <p:cNvSpPr txBox="1">
+            <a:spLocks noGrp="1"/>
+          </p:cNvSpPr>
           <p:nvPr>
-            <p:ph idx="1" type="body"/>
+            <p:ph type="body" idx="1"/>
           </p:nvPr>
         </p:nvSpPr>
         <p:spPr>
@@ -680,7 +805,7 @@
           </a:prstGeom>
         </p:spPr>
         <p:txBody>
-          <a:bodyPr anchorCtr="0" anchor="t" bIns="91425" lIns="91425" rIns="91425" tIns="91425">
+          <a:bodyPr lIns="91425" tIns="91425" rIns="91425" bIns="91425" anchor="t" anchorCtr="0">
             <a:noAutofit/>
           </a:bodyPr>
           <a:lstStyle/>
@@ -691,9 +816,6 @@
               </a:spcBef>
               <a:buNone/>
             </a:pPr>
-            <a:r>
-              <a:t/>
-            </a:r>
             <a:endParaRPr/>
           </a:p>
         </p:txBody>
@@ -707,11 +829,11 @@
 </file>
 
 <file path=ppt/notesSlides/notesSlide4.xml><?xml version="1.0" encoding="utf-8"?>
-<p:notes xmlns:a="http://schemas.openxmlformats.org/drawingml/2006/main" xmlns:r="http://schemas.openxmlformats.org/officeDocument/2006/relationships" xmlns:mc="http://schemas.openxmlformats.org/markup-compatibility/2006" xmlns:mv="urn:schemas-microsoft-com:mac:vml" xmlns:p="http://schemas.openxmlformats.org/presentationml/2006/main" xmlns:c="http://schemas.openxmlformats.org/drawingml/2006/chart" xmlns:dgm="http://schemas.openxmlformats.org/drawingml/2006/diagram" xmlns:o="urn:schemas-microsoft-com:office:office" xmlns:v="urn:schemas-microsoft-com:vml" xmlns:pvml="urn:schemas-microsoft-com:office:powerpoint" xmlns:com="http://schemas.openxmlformats.org/drawingml/2006/compatibility" xmlns:p14="http://schemas.microsoft.com/office/powerpoint/2010/main" showMasterPhAnim="0" showMasterSp="0">
+<p:notes xmlns:a="http://schemas.openxmlformats.org/drawingml/2006/main" xmlns:r="http://schemas.openxmlformats.org/officeDocument/2006/relationships" xmlns:p="http://schemas.openxmlformats.org/presentationml/2006/main" showMasterSp="0" showMasterPhAnim="0">
   <p:cSld>
     <p:spTree>
       <p:nvGrpSpPr>
-        <p:cNvPr id="101" name="Shape 101"/>
+        <p:cNvPr id="1" name="Shape 101"/>
         <p:cNvGrpSpPr/>
         <p:nvPr/>
       </p:nvGrpSpPr>
@@ -726,9 +848,11 @@
       <p:sp>
         <p:nvSpPr>
           <p:cNvPr id="102" name="Shape 102"/>
-          <p:cNvSpPr/>
+          <p:cNvSpPr>
+            <a:spLocks noGrp="1" noRot="1" noChangeAspect="1"/>
+          </p:cNvSpPr>
           <p:nvPr>
-            <p:ph idx="2" type="sldImg"/>
+            <p:ph type="sldImg" idx="2"/>
           </p:nvPr>
         </p:nvSpPr>
         <p:spPr>
@@ -737,8 +861,13 @@
             <a:ext cx="6096000" cy="3429000"/>
           </a:xfrm>
           <a:custGeom>
+            <a:avLst/>
+            <a:gdLst/>
+            <a:ahLst/>
+            <a:cxnLst/>
+            <a:rect l="0" t="0" r="0" b="0"/>
             <a:pathLst>
-              <a:path extrusionOk="0" h="120000" w="120000">
+              <a:path w="120000" h="120000" extrusionOk="0">
                 <a:moveTo>
                   <a:pt x="0" y="0"/>
                 </a:moveTo>
@@ -756,23 +885,25 @@
             </a:pathLst>
           </a:custGeom>
           <a:noFill/>
-          <a:ln cap="flat" cmpd="sng" w="9525">
+          <a:ln w="9525" cap="flat" cmpd="sng">
             <a:solidFill>
               <a:srgbClr val="000000"/>
             </a:solidFill>
             <a:prstDash val="solid"/>
             <a:round/>
-            <a:headEnd len="med" w="med" type="none"/>
-            <a:tailEnd len="med" w="med" type="none"/>
+            <a:headEnd type="none" w="med" len="med"/>
+            <a:tailEnd type="none" w="med" len="med"/>
           </a:ln>
         </p:spPr>
       </p:sp>
       <p:sp>
         <p:nvSpPr>
           <p:cNvPr id="103" name="Shape 103"/>
-          <p:cNvSpPr txBox="1"/>
+          <p:cNvSpPr txBox="1">
+            <a:spLocks noGrp="1"/>
+          </p:cNvSpPr>
           <p:nvPr>
-            <p:ph idx="1" type="body"/>
+            <p:ph type="body" idx="1"/>
           </p:nvPr>
         </p:nvSpPr>
         <p:spPr>
@@ -785,7 +916,7 @@
           </a:prstGeom>
         </p:spPr>
         <p:txBody>
-          <a:bodyPr anchorCtr="0" anchor="t" bIns="91425" lIns="91425" rIns="91425" tIns="91425">
+          <a:bodyPr lIns="91425" tIns="91425" rIns="91425" bIns="91425" anchor="t" anchorCtr="0">
             <a:noAutofit/>
           </a:bodyPr>
           <a:lstStyle/>
@@ -796,9 +927,6 @@
               </a:spcBef>
               <a:buNone/>
             </a:pPr>
-            <a:r>
-              <a:t/>
-            </a:r>
             <a:endParaRPr/>
           </a:p>
         </p:txBody>
@@ -812,11 +940,11 @@
 </file>
 
 <file path=ppt/notesSlides/notesSlide5.xml><?xml version="1.0" encoding="utf-8"?>
-<p:notes xmlns:a="http://schemas.openxmlformats.org/drawingml/2006/main" xmlns:r="http://schemas.openxmlformats.org/officeDocument/2006/relationships" xmlns:mc="http://schemas.openxmlformats.org/markup-compatibility/2006" xmlns:mv="urn:schemas-microsoft-com:mac:vml" xmlns:p="http://schemas.openxmlformats.org/presentationml/2006/main" xmlns:c="http://schemas.openxmlformats.org/drawingml/2006/chart" xmlns:dgm="http://schemas.openxmlformats.org/drawingml/2006/diagram" xmlns:o="urn:schemas-microsoft-com:office:office" xmlns:v="urn:schemas-microsoft-com:vml" xmlns:pvml="urn:schemas-microsoft-com:office:powerpoint" xmlns:com="http://schemas.openxmlformats.org/drawingml/2006/compatibility" xmlns:p14="http://schemas.microsoft.com/office/powerpoint/2010/main" showMasterPhAnim="0" showMasterSp="0">
+<p:notes xmlns:a="http://schemas.openxmlformats.org/drawingml/2006/main" xmlns:r="http://schemas.openxmlformats.org/officeDocument/2006/relationships" xmlns:p="http://schemas.openxmlformats.org/presentationml/2006/main" showMasterSp="0" showMasterPhAnim="0">
   <p:cSld>
     <p:spTree>
       <p:nvGrpSpPr>
-        <p:cNvPr id="107" name="Shape 107"/>
+        <p:cNvPr id="1" name="Shape 107"/>
         <p:cNvGrpSpPr/>
         <p:nvPr/>
       </p:nvGrpSpPr>
@@ -831,9 +959,11 @@
       <p:sp>
         <p:nvSpPr>
           <p:cNvPr id="108" name="Shape 108"/>
-          <p:cNvSpPr/>
+          <p:cNvSpPr>
+            <a:spLocks noGrp="1" noRot="1" noChangeAspect="1"/>
+          </p:cNvSpPr>
           <p:nvPr>
-            <p:ph idx="2" type="sldImg"/>
+            <p:ph type="sldImg" idx="2"/>
           </p:nvPr>
         </p:nvSpPr>
         <p:spPr>
@@ -842,8 +972,13 @@
             <a:ext cx="6096000" cy="3429000"/>
           </a:xfrm>
           <a:custGeom>
+            <a:avLst/>
+            <a:gdLst/>
+            <a:ahLst/>
+            <a:cxnLst/>
+            <a:rect l="0" t="0" r="0" b="0"/>
             <a:pathLst>
-              <a:path extrusionOk="0" h="120000" w="120000">
+              <a:path w="120000" h="120000" extrusionOk="0">
                 <a:moveTo>
                   <a:pt x="0" y="0"/>
                 </a:moveTo>
@@ -861,23 +996,25 @@
             </a:pathLst>
           </a:custGeom>
           <a:noFill/>
-          <a:ln cap="flat" cmpd="sng" w="9525">
+          <a:ln w="9525" cap="flat" cmpd="sng">
             <a:solidFill>
               <a:srgbClr val="000000"/>
             </a:solidFill>
             <a:prstDash val="solid"/>
             <a:round/>
-            <a:headEnd len="med" w="med" type="none"/>
-            <a:tailEnd len="med" w="med" type="none"/>
+            <a:headEnd type="none" w="med" len="med"/>
+            <a:tailEnd type="none" w="med" len="med"/>
           </a:ln>
         </p:spPr>
       </p:sp>
       <p:sp>
         <p:nvSpPr>
           <p:cNvPr id="109" name="Shape 109"/>
-          <p:cNvSpPr txBox="1"/>
+          <p:cNvSpPr txBox="1">
+            <a:spLocks noGrp="1"/>
+          </p:cNvSpPr>
           <p:nvPr>
-            <p:ph idx="1" type="body"/>
+            <p:ph type="body" idx="1"/>
           </p:nvPr>
         </p:nvSpPr>
         <p:spPr>
@@ -890,7 +1027,7 @@
           </a:prstGeom>
         </p:spPr>
         <p:txBody>
-          <a:bodyPr anchorCtr="0" anchor="t" bIns="91425" lIns="91425" rIns="91425" tIns="91425">
+          <a:bodyPr lIns="91425" tIns="91425" rIns="91425" bIns="91425" anchor="t" anchorCtr="0">
             <a:noAutofit/>
           </a:bodyPr>
           <a:lstStyle/>
@@ -901,9 +1038,6 @@
               </a:spcBef>
               <a:buNone/>
             </a:pPr>
-            <a:r>
-              <a:t/>
-            </a:r>
             <a:endParaRPr/>
           </a:p>
         </p:txBody>
@@ -917,11 +1051,11 @@
 </file>
 
 <file path=ppt/notesSlides/notesSlide6.xml><?xml version="1.0" encoding="utf-8"?>
-<p:notes xmlns:a="http://schemas.openxmlformats.org/drawingml/2006/main" xmlns:r="http://schemas.openxmlformats.org/officeDocument/2006/relationships" xmlns:mc="http://schemas.openxmlformats.org/markup-compatibility/2006" xmlns:mv="urn:schemas-microsoft-com:mac:vml" xmlns:p="http://schemas.openxmlformats.org/presentationml/2006/main" xmlns:c="http://schemas.openxmlformats.org/drawingml/2006/chart" xmlns:dgm="http://schemas.openxmlformats.org/drawingml/2006/diagram" xmlns:o="urn:schemas-microsoft-com:office:office" xmlns:v="urn:schemas-microsoft-com:vml" xmlns:pvml="urn:schemas-microsoft-com:office:powerpoint" xmlns:com="http://schemas.openxmlformats.org/drawingml/2006/compatibility" xmlns:p14="http://schemas.microsoft.com/office/powerpoint/2010/main" showMasterPhAnim="0" showMasterSp="0">
+<p:notes xmlns:a="http://schemas.openxmlformats.org/drawingml/2006/main" xmlns:r="http://schemas.openxmlformats.org/officeDocument/2006/relationships" xmlns:p="http://schemas.openxmlformats.org/presentationml/2006/main" showMasterSp="0" showMasterPhAnim="0">
   <p:cSld>
     <p:spTree>
       <p:nvGrpSpPr>
-        <p:cNvPr id="113" name="Shape 113"/>
+        <p:cNvPr id="1" name="Shape 113"/>
         <p:cNvGrpSpPr/>
         <p:nvPr/>
       </p:nvGrpSpPr>
@@ -936,19 +1070,26 @@
       <p:sp>
         <p:nvSpPr>
           <p:cNvPr id="114" name="Shape 114"/>
-          <p:cNvSpPr/>
+          <p:cNvSpPr>
+            <a:spLocks noGrp="1" noRot="1" noChangeAspect="1"/>
+          </p:cNvSpPr>
           <p:nvPr>
-            <p:ph idx="2" type="sldImg"/>
+            <p:ph type="sldImg" idx="2"/>
           </p:nvPr>
         </p:nvSpPr>
         <p:spPr>
           <a:xfrm>
-            <a:off x="381300" y="685800"/>
+            <a:off x="381000" y="685800"/>
             <a:ext cx="6096000" cy="3429000"/>
           </a:xfrm>
           <a:custGeom>
+            <a:avLst/>
+            <a:gdLst/>
+            <a:ahLst/>
+            <a:cxnLst/>
+            <a:rect l="0" t="0" r="0" b="0"/>
             <a:pathLst>
-              <a:path extrusionOk="0" h="120000" w="120000">
+              <a:path w="120000" h="120000" extrusionOk="0">
                 <a:moveTo>
                   <a:pt x="0" y="0"/>
                 </a:moveTo>
@@ -966,23 +1107,25 @@
             </a:pathLst>
           </a:custGeom>
           <a:noFill/>
-          <a:ln cap="flat" cmpd="sng" w="9525">
+          <a:ln w="9525" cap="flat" cmpd="sng">
             <a:solidFill>
               <a:srgbClr val="000000"/>
             </a:solidFill>
             <a:prstDash val="solid"/>
             <a:round/>
-            <a:headEnd len="med" w="med" type="none"/>
-            <a:tailEnd len="med" w="med" type="none"/>
+            <a:headEnd type="none" w="med" len="med"/>
+            <a:tailEnd type="none" w="med" len="med"/>
           </a:ln>
         </p:spPr>
       </p:sp>
       <p:sp>
         <p:nvSpPr>
           <p:cNvPr id="115" name="Shape 115"/>
-          <p:cNvSpPr txBox="1"/>
+          <p:cNvSpPr txBox="1">
+            <a:spLocks noGrp="1"/>
+          </p:cNvSpPr>
           <p:nvPr>
-            <p:ph idx="1" type="body"/>
+            <p:ph type="body" idx="1"/>
           </p:nvPr>
         </p:nvSpPr>
         <p:spPr>
@@ -995,7 +1138,7 @@
           </a:prstGeom>
         </p:spPr>
         <p:txBody>
-          <a:bodyPr anchorCtr="0" anchor="t" bIns="91425" lIns="91425" rIns="91425" tIns="91425">
+          <a:bodyPr lIns="91425" tIns="91425" rIns="91425" bIns="91425" anchor="t" anchorCtr="0">
             <a:noAutofit/>
           </a:bodyPr>
           <a:lstStyle/>
@@ -1006,9 +1149,6 @@
               </a:spcBef>
               <a:buNone/>
             </a:pPr>
-            <a:r>
-              <a:t/>
-            </a:r>
             <a:endParaRPr/>
           </a:p>
         </p:txBody>
@@ -1022,11 +1162,11 @@
 </file>
 
 <file path=ppt/notesSlides/notesSlide7.xml><?xml version="1.0" encoding="utf-8"?>
-<p:notes xmlns:a="http://schemas.openxmlformats.org/drawingml/2006/main" xmlns:r="http://schemas.openxmlformats.org/officeDocument/2006/relationships" xmlns:mc="http://schemas.openxmlformats.org/markup-compatibility/2006" xmlns:mv="urn:schemas-microsoft-com:mac:vml" xmlns:p="http://schemas.openxmlformats.org/presentationml/2006/main" xmlns:c="http://schemas.openxmlformats.org/drawingml/2006/chart" xmlns:dgm="http://schemas.openxmlformats.org/drawingml/2006/diagram" xmlns:o="urn:schemas-microsoft-com:office:office" xmlns:v="urn:schemas-microsoft-com:vml" xmlns:pvml="urn:schemas-microsoft-com:office:powerpoint" xmlns:com="http://schemas.openxmlformats.org/drawingml/2006/compatibility" xmlns:p14="http://schemas.microsoft.com/office/powerpoint/2010/main" showMasterPhAnim="0" showMasterSp="0">
+<p:notes xmlns:a="http://schemas.openxmlformats.org/drawingml/2006/main" xmlns:r="http://schemas.openxmlformats.org/officeDocument/2006/relationships" xmlns:p="http://schemas.openxmlformats.org/presentationml/2006/main" showMasterSp="0" showMasterPhAnim="0">
   <p:cSld>
     <p:spTree>
       <p:nvGrpSpPr>
-        <p:cNvPr id="119" name="Shape 119"/>
+        <p:cNvPr id="1" name="Shape 119"/>
         <p:cNvGrpSpPr/>
         <p:nvPr/>
       </p:nvGrpSpPr>
@@ -1041,19 +1181,26 @@
       <p:sp>
         <p:nvSpPr>
           <p:cNvPr id="120" name="Shape 120"/>
-          <p:cNvSpPr/>
+          <p:cNvSpPr>
+            <a:spLocks noGrp="1" noRot="1" noChangeAspect="1"/>
+          </p:cNvSpPr>
           <p:nvPr>
-            <p:ph idx="2" type="sldImg"/>
+            <p:ph type="sldImg" idx="2"/>
           </p:nvPr>
         </p:nvSpPr>
         <p:spPr>
           <a:xfrm>
-            <a:off x="381300" y="685800"/>
+            <a:off x="381000" y="685800"/>
             <a:ext cx="6096000" cy="3429000"/>
           </a:xfrm>
           <a:custGeom>
+            <a:avLst/>
+            <a:gdLst/>
+            <a:ahLst/>
+            <a:cxnLst/>
+            <a:rect l="0" t="0" r="0" b="0"/>
             <a:pathLst>
-              <a:path extrusionOk="0" h="120000" w="120000">
+              <a:path w="120000" h="120000" extrusionOk="0">
                 <a:moveTo>
                   <a:pt x="0" y="0"/>
                 </a:moveTo>
@@ -1071,23 +1218,25 @@
             </a:pathLst>
           </a:custGeom>
           <a:noFill/>
-          <a:ln cap="flat" cmpd="sng" w="9525">
+          <a:ln w="9525" cap="flat" cmpd="sng">
             <a:solidFill>
               <a:srgbClr val="000000"/>
             </a:solidFill>
             <a:prstDash val="solid"/>
             <a:round/>
-            <a:headEnd len="med" w="med" type="none"/>
-            <a:tailEnd len="med" w="med" type="none"/>
+            <a:headEnd type="none" w="med" len="med"/>
+            <a:tailEnd type="none" w="med" len="med"/>
           </a:ln>
         </p:spPr>
       </p:sp>
       <p:sp>
         <p:nvSpPr>
           <p:cNvPr id="121" name="Shape 121"/>
-          <p:cNvSpPr txBox="1"/>
+          <p:cNvSpPr txBox="1">
+            <a:spLocks noGrp="1"/>
+          </p:cNvSpPr>
           <p:nvPr>
-            <p:ph idx="1" type="body"/>
+            <p:ph type="body" idx="1"/>
           </p:nvPr>
         </p:nvSpPr>
         <p:spPr>
@@ -1100,7 +1249,7 @@
           </a:prstGeom>
         </p:spPr>
         <p:txBody>
-          <a:bodyPr anchorCtr="0" anchor="t" bIns="91425" lIns="91425" rIns="91425" tIns="91425">
+          <a:bodyPr lIns="91425" tIns="91425" rIns="91425" bIns="91425" anchor="t" anchorCtr="0">
             <a:noAutofit/>
           </a:bodyPr>
           <a:lstStyle/>
@@ -1111,9 +1260,6 @@
               </a:spcBef>
               <a:buNone/>
             </a:pPr>
-            <a:r>
-              <a:t/>
-            </a:r>
             <a:endParaRPr/>
           </a:p>
         </p:txBody>
@@ -1127,11 +1273,11 @@
 </file>
 
 <file path=ppt/notesSlides/notesSlide8.xml><?xml version="1.0" encoding="utf-8"?>
-<p:notes xmlns:a="http://schemas.openxmlformats.org/drawingml/2006/main" xmlns:r="http://schemas.openxmlformats.org/officeDocument/2006/relationships" xmlns:mc="http://schemas.openxmlformats.org/markup-compatibility/2006" xmlns:mv="urn:schemas-microsoft-com:mac:vml" xmlns:p="http://schemas.openxmlformats.org/presentationml/2006/main" xmlns:c="http://schemas.openxmlformats.org/drawingml/2006/chart" xmlns:dgm="http://schemas.openxmlformats.org/drawingml/2006/diagram" xmlns:o="urn:schemas-microsoft-com:office:office" xmlns:v="urn:schemas-microsoft-com:vml" xmlns:pvml="urn:schemas-microsoft-com:office:powerpoint" xmlns:com="http://schemas.openxmlformats.org/drawingml/2006/compatibility" xmlns:p14="http://schemas.microsoft.com/office/powerpoint/2010/main" showMasterPhAnim="0" showMasterSp="0">
+<p:notes xmlns:a="http://schemas.openxmlformats.org/drawingml/2006/main" xmlns:r="http://schemas.openxmlformats.org/officeDocument/2006/relationships" xmlns:p="http://schemas.openxmlformats.org/presentationml/2006/main" showMasterSp="0" showMasterPhAnim="0">
   <p:cSld>
     <p:spTree>
       <p:nvGrpSpPr>
-        <p:cNvPr id="125" name="Shape 125"/>
+        <p:cNvPr id="1" name="Shape 125"/>
         <p:cNvGrpSpPr/>
         <p:nvPr/>
       </p:nvGrpSpPr>
@@ -1146,19 +1292,26 @@
       <p:sp>
         <p:nvSpPr>
           <p:cNvPr id="126" name="Shape 126"/>
-          <p:cNvSpPr/>
+          <p:cNvSpPr>
+            <a:spLocks noGrp="1" noRot="1" noChangeAspect="1"/>
+          </p:cNvSpPr>
           <p:nvPr>
-            <p:ph idx="2" type="sldImg"/>
+            <p:ph type="sldImg" idx="2"/>
           </p:nvPr>
         </p:nvSpPr>
         <p:spPr>
           <a:xfrm>
-            <a:off x="381300" y="685800"/>
+            <a:off x="381000" y="685800"/>
             <a:ext cx="6096000" cy="3429000"/>
           </a:xfrm>
           <a:custGeom>
+            <a:avLst/>
+            <a:gdLst/>
+            <a:ahLst/>
+            <a:cxnLst/>
+            <a:rect l="0" t="0" r="0" b="0"/>
             <a:pathLst>
-              <a:path extrusionOk="0" h="120000" w="120000">
+              <a:path w="120000" h="120000" extrusionOk="0">
                 <a:moveTo>
                   <a:pt x="0" y="0"/>
                 </a:moveTo>
@@ -1176,23 +1329,25 @@
             </a:pathLst>
           </a:custGeom>
           <a:noFill/>
-          <a:ln cap="flat" cmpd="sng" w="9525">
+          <a:ln w="9525" cap="flat" cmpd="sng">
             <a:solidFill>
               <a:srgbClr val="000000"/>
             </a:solidFill>
             <a:prstDash val="solid"/>
             <a:round/>
-            <a:headEnd len="med" w="med" type="none"/>
-            <a:tailEnd len="med" w="med" type="none"/>
+            <a:headEnd type="none" w="med" len="med"/>
+            <a:tailEnd type="none" w="med" len="med"/>
           </a:ln>
         </p:spPr>
       </p:sp>
       <p:sp>
         <p:nvSpPr>
           <p:cNvPr id="127" name="Shape 127"/>
-          <p:cNvSpPr txBox="1"/>
+          <p:cNvSpPr txBox="1">
+            <a:spLocks noGrp="1"/>
+          </p:cNvSpPr>
           <p:nvPr>
-            <p:ph idx="1" type="body"/>
+            <p:ph type="body" idx="1"/>
           </p:nvPr>
         </p:nvSpPr>
         <p:spPr>
@@ -1205,7 +1360,7 @@
           </a:prstGeom>
         </p:spPr>
         <p:txBody>
-          <a:bodyPr anchorCtr="0" anchor="t" bIns="91425" lIns="91425" rIns="91425" tIns="91425">
+          <a:bodyPr lIns="91425" tIns="91425" rIns="91425" bIns="91425" anchor="t" anchorCtr="0">
             <a:noAutofit/>
           </a:bodyPr>
           <a:lstStyle/>
@@ -1216,9 +1371,6 @@
               </a:spcBef>
               <a:buNone/>
             </a:pPr>
-            <a:r>
-              <a:t/>
-            </a:r>
             <a:endParaRPr/>
           </a:p>
         </p:txBody>
@@ -1232,18 +1384,19 @@
 </file>
 
 <file path=ppt/slideLayouts/slideLayout1.xml><?xml version="1.0" encoding="utf-8"?>
-<p:sldLayout xmlns:a="http://schemas.openxmlformats.org/drawingml/2006/main" xmlns:r="http://schemas.openxmlformats.org/officeDocument/2006/relationships" xmlns:mc="http://schemas.openxmlformats.org/markup-compatibility/2006" xmlns:mv="urn:schemas-microsoft-com:mac:vml" xmlns:p="http://schemas.openxmlformats.org/presentationml/2006/main" xmlns:c="http://schemas.openxmlformats.org/drawingml/2006/chart" xmlns:dgm="http://schemas.openxmlformats.org/drawingml/2006/diagram" xmlns:o="urn:schemas-microsoft-com:office:office" xmlns:v="urn:schemas-microsoft-com:vml" xmlns:pvml="urn:schemas-microsoft-com:office:powerpoint" xmlns:com="http://schemas.openxmlformats.org/drawingml/2006/compatibility" xmlns:p14="http://schemas.microsoft.com/office/powerpoint/2010/main" type="title">
+<p:sldLayout xmlns:a="http://schemas.openxmlformats.org/drawingml/2006/main" xmlns:r="http://schemas.openxmlformats.org/officeDocument/2006/relationships" xmlns:p="http://schemas.openxmlformats.org/presentationml/2006/main" type="title">
   <p:cSld name="Title Slide">
     <p:bg>
       <p:bgPr>
         <a:solidFill>
           <a:schemeClr val="dk1"/>
         </a:solidFill>
+        <a:effectLst/>
       </p:bgPr>
     </p:bg>
     <p:spTree>
       <p:nvGrpSpPr>
-        <p:cNvPr id="8" name="Shape 8"/>
+        <p:cNvPr id="1" name="Shape 8"/>
         <p:cNvGrpSpPr/>
         <p:nvPr/>
       </p:nvGrpSpPr>
@@ -1291,7 +1444,7 @@
             </a:ln>
           </p:spPr>
           <p:txBody>
-            <a:bodyPr anchorCtr="0" anchor="ctr" bIns="91425" lIns="91425" rIns="91425" tIns="91425">
+            <a:bodyPr lIns="91425" tIns="91425" rIns="91425" bIns="91425" anchor="ctr" anchorCtr="0">
               <a:noAutofit/>
             </a:bodyPr>
             <a:lstStyle/>
@@ -1302,9 +1455,6 @@
                 </a:spcBef>
                 <a:buNone/>
               </a:pPr>
-              <a:r>
-                <a:t/>
-              </a:r>
               <a:endParaRPr/>
             </a:p>
           </p:txBody>
@@ -1331,7 +1481,7 @@
             </a:ln>
           </p:spPr>
           <p:txBody>
-            <a:bodyPr anchorCtr="0" anchor="ctr" bIns="91425" lIns="91425" rIns="91425" tIns="91425">
+            <a:bodyPr lIns="91425" tIns="91425" rIns="91425" bIns="91425" anchor="ctr" anchorCtr="0">
               <a:noAutofit/>
             </a:bodyPr>
             <a:lstStyle/>
@@ -1342,9 +1492,6 @@
                 </a:spcBef>
                 <a:buNone/>
               </a:pPr>
-              <a:r>
-                <a:t/>
-              </a:r>
               <a:endParaRPr/>
             </a:p>
           </p:txBody>
@@ -1356,7 +1503,7 @@
             <p:nvPr/>
           </p:nvSpPr>
           <p:spPr>
-            <a:xfrm flipH="1" rot="10800000">
+            <a:xfrm rot="10800000" flipH="1">
               <a:off x="7113588" y="106"/>
               <a:ext cx="1015200" cy="1015200"/>
             </a:xfrm>
@@ -1371,7 +1518,7 @@
             </a:ln>
           </p:spPr>
           <p:txBody>
-            <a:bodyPr anchorCtr="0" anchor="ctr" bIns="91425" lIns="91425" rIns="91425" tIns="91425">
+            <a:bodyPr lIns="91425" tIns="91425" rIns="91425" bIns="91425" anchor="ctr" anchorCtr="0">
               <a:noAutofit/>
             </a:bodyPr>
             <a:lstStyle/>
@@ -1382,9 +1529,6 @@
                 </a:spcBef>
                 <a:buNone/>
               </a:pPr>
-              <a:r>
-                <a:t/>
-              </a:r>
               <a:endParaRPr/>
             </a:p>
           </p:txBody>
@@ -1411,7 +1555,7 @@
             </a:ln>
           </p:spPr>
           <p:txBody>
-            <a:bodyPr anchorCtr="0" anchor="ctr" bIns="91425" lIns="91425" rIns="91425" tIns="91425">
+            <a:bodyPr lIns="91425" tIns="91425" rIns="91425" bIns="91425" anchor="ctr" anchorCtr="0">
               <a:noAutofit/>
             </a:bodyPr>
             <a:lstStyle/>
@@ -1422,9 +1566,6 @@
                 </a:spcBef>
                 <a:buNone/>
               </a:pPr>
-              <a:r>
-                <a:t/>
-              </a:r>
               <a:endParaRPr/>
             </a:p>
           </p:txBody>
@@ -1451,7 +1592,7 @@
             </a:ln>
           </p:spPr>
           <p:txBody>
-            <a:bodyPr anchorCtr="0" anchor="ctr" bIns="91425" lIns="91425" rIns="91425" tIns="91425">
+            <a:bodyPr lIns="91425" tIns="91425" rIns="91425" bIns="91425" anchor="ctr" anchorCtr="0">
               <a:noAutofit/>
             </a:bodyPr>
             <a:lstStyle/>
@@ -1462,9 +1603,6 @@
                 </a:spcBef>
                 <a:buNone/>
               </a:pPr>
-              <a:r>
-                <a:t/>
-              </a:r>
               <a:endParaRPr/>
             </a:p>
           </p:txBody>
@@ -1473,7 +1611,9 @@
       <p:sp>
         <p:nvSpPr>
           <p:cNvPr id="15" name="Shape 15"/>
-          <p:cNvSpPr txBox="1"/>
+          <p:cNvSpPr txBox="1">
+            <a:spLocks noGrp="1"/>
+          </p:cNvSpPr>
           <p:nvPr>
             <p:ph type="ctrTitle"/>
           </p:nvPr>
@@ -1488,7 +1628,7 @@
           </a:prstGeom>
         </p:spPr>
         <p:txBody>
-          <a:bodyPr anchorCtr="0" anchor="b" bIns="91425" lIns="91425" rIns="91425" tIns="91425"/>
+          <a:bodyPr lIns="91425" tIns="91425" rIns="91425" bIns="91425" anchor="b" anchorCtr="0"/>
           <a:lstStyle>
             <a:lvl1pPr>
               <a:spcBef>
@@ -1617,15 +1757,19 @@
               </a:defRPr>
             </a:lvl9pPr>
           </a:lstStyle>
-          <a:p/>
+          <a:p>
+            <a:endParaRPr/>
+          </a:p>
         </p:txBody>
       </p:sp>
       <p:sp>
         <p:nvSpPr>
           <p:cNvPr id="16" name="Shape 16"/>
-          <p:cNvSpPr txBox="1"/>
+          <p:cNvSpPr txBox="1">
+            <a:spLocks noGrp="1"/>
+          </p:cNvSpPr>
           <p:nvPr>
-            <p:ph idx="1" type="subTitle"/>
+            <p:ph type="subTitle" idx="1"/>
           </p:nvPr>
         </p:nvSpPr>
         <p:spPr>
@@ -1638,7 +1782,7 @@
           </a:prstGeom>
         </p:spPr>
         <p:txBody>
-          <a:bodyPr anchorCtr="0" anchor="t" bIns="91425" lIns="91425" rIns="91425" tIns="91425"/>
+          <a:bodyPr lIns="91425" tIns="91425" rIns="91425" bIns="91425" anchor="t" anchorCtr="0"/>
           <a:lstStyle>
             <a:lvl1pPr>
               <a:lnSpc>
@@ -1830,15 +1974,19 @@
               </a:defRPr>
             </a:lvl9pPr>
           </a:lstStyle>
-          <a:p/>
+          <a:p>
+            <a:endParaRPr/>
+          </a:p>
         </p:txBody>
       </p:sp>
       <p:sp>
         <p:nvSpPr>
           <p:cNvPr id="17" name="Shape 17"/>
-          <p:cNvSpPr txBox="1"/>
+          <p:cNvSpPr txBox="1">
+            <a:spLocks noGrp="1"/>
+          </p:cNvSpPr>
           <p:nvPr>
-            <p:ph idx="12" type="sldNum"/>
+            <p:ph type="sldNum" idx="12"/>
           </p:nvPr>
         </p:nvSpPr>
         <p:spPr>
@@ -1851,7 +1999,7 @@
           </a:prstGeom>
         </p:spPr>
         <p:txBody>
-          <a:bodyPr anchorCtr="0" anchor="ctr" bIns="91425" lIns="91425" rIns="91425" tIns="91425">
+          <a:bodyPr lIns="91425" tIns="91425" rIns="91425" bIns="91425" anchor="ctr" anchorCtr="0">
             <a:noAutofit/>
           </a:bodyPr>
           <a:lstStyle/>
@@ -1866,6 +2014,7 @@
               <a:rPr lang="en"/>
               <a:t>‹#›</a:t>
             </a:fld>
+            <a:endParaRPr lang="en"/>
           </a:p>
         </p:txBody>
       </p:sp>
@@ -1878,18 +2027,19 @@
 </file>
 
 <file path=ppt/slideLayouts/slideLayout10.xml><?xml version="1.0" encoding="utf-8"?>
-<p:sldLayout xmlns:a="http://schemas.openxmlformats.org/drawingml/2006/main" xmlns:r="http://schemas.openxmlformats.org/officeDocument/2006/relationships" xmlns:mc="http://schemas.openxmlformats.org/markup-compatibility/2006" xmlns:mv="urn:schemas-microsoft-com:mac:vml" xmlns:p="http://schemas.openxmlformats.org/presentationml/2006/main" xmlns:c="http://schemas.openxmlformats.org/drawingml/2006/chart" xmlns:dgm="http://schemas.openxmlformats.org/drawingml/2006/diagram" xmlns:o="urn:schemas-microsoft-com:office:office" xmlns:v="urn:schemas-microsoft-com:vml" xmlns:pvml="urn:schemas-microsoft-com:office:powerpoint" xmlns:com="http://schemas.openxmlformats.org/drawingml/2006/compatibility" xmlns:p14="http://schemas.microsoft.com/office/powerpoint/2010/main">
+<p:sldLayout xmlns:a="http://schemas.openxmlformats.org/drawingml/2006/main" xmlns:r="http://schemas.openxmlformats.org/officeDocument/2006/relationships" xmlns:p="http://schemas.openxmlformats.org/presentationml/2006/main">
   <p:cSld name="Big Number">
     <p:bg>
       <p:bgPr>
         <a:solidFill>
           <a:schemeClr val="dk1"/>
         </a:solidFill>
+        <a:effectLst/>
       </p:bgPr>
     </p:bg>
     <p:spTree>
       <p:nvGrpSpPr>
-        <p:cNvPr id="68" name="Shape 68"/>
+        <p:cNvPr id="1" name="Shape 68"/>
         <p:cNvGrpSpPr/>
         <p:nvPr/>
       </p:nvGrpSpPr>
@@ -1937,7 +2087,7 @@
             </a:ln>
           </p:spPr>
           <p:txBody>
-            <a:bodyPr anchorCtr="0" anchor="ctr" bIns="91425" lIns="91425" rIns="91425" tIns="91425">
+            <a:bodyPr lIns="91425" tIns="91425" rIns="91425" bIns="91425" anchor="ctr" anchorCtr="0">
               <a:noAutofit/>
             </a:bodyPr>
             <a:lstStyle/>
@@ -1948,9 +2098,6 @@
                 </a:spcBef>
                 <a:buNone/>
               </a:pPr>
-              <a:r>
-                <a:t/>
-              </a:r>
               <a:endParaRPr/>
             </a:p>
           </p:txBody>
@@ -1977,7 +2124,7 @@
             </a:ln>
           </p:spPr>
           <p:txBody>
-            <a:bodyPr anchorCtr="0" anchor="ctr" bIns="91425" lIns="91425" rIns="91425" tIns="91425">
+            <a:bodyPr lIns="91425" tIns="91425" rIns="91425" bIns="91425" anchor="ctr" anchorCtr="0">
               <a:noAutofit/>
             </a:bodyPr>
             <a:lstStyle/>
@@ -1988,9 +2135,6 @@
                 </a:spcBef>
                 <a:buNone/>
               </a:pPr>
-              <a:r>
-                <a:t/>
-              </a:r>
               <a:endParaRPr/>
             </a:p>
           </p:txBody>
@@ -2002,7 +2146,7 @@
             <p:nvPr/>
           </p:nvSpPr>
           <p:spPr>
-            <a:xfrm flipH="1" rot="10800000">
+            <a:xfrm rot="10800000" flipH="1">
               <a:off x="7113588" y="106"/>
               <a:ext cx="1015200" cy="1015200"/>
             </a:xfrm>
@@ -2017,7 +2161,7 @@
             </a:ln>
           </p:spPr>
           <p:txBody>
-            <a:bodyPr anchorCtr="0" anchor="ctr" bIns="91425" lIns="91425" rIns="91425" tIns="91425">
+            <a:bodyPr lIns="91425" tIns="91425" rIns="91425" bIns="91425" anchor="ctr" anchorCtr="0">
               <a:noAutofit/>
             </a:bodyPr>
             <a:lstStyle/>
@@ -2028,9 +2172,6 @@
                 </a:spcBef>
                 <a:buNone/>
               </a:pPr>
-              <a:r>
-                <a:t/>
-              </a:r>
               <a:endParaRPr/>
             </a:p>
           </p:txBody>
@@ -2057,7 +2198,7 @@
             </a:ln>
           </p:spPr>
           <p:txBody>
-            <a:bodyPr anchorCtr="0" anchor="ctr" bIns="91425" lIns="91425" rIns="91425" tIns="91425">
+            <a:bodyPr lIns="91425" tIns="91425" rIns="91425" bIns="91425" anchor="ctr" anchorCtr="0">
               <a:noAutofit/>
             </a:bodyPr>
             <a:lstStyle/>
@@ -2068,9 +2209,6 @@
                 </a:spcBef>
                 <a:buNone/>
               </a:pPr>
-              <a:r>
-                <a:t/>
-              </a:r>
               <a:endParaRPr/>
             </a:p>
           </p:txBody>
@@ -2097,7 +2235,7 @@
             </a:ln>
           </p:spPr>
           <p:txBody>
-            <a:bodyPr anchorCtr="0" anchor="ctr" bIns="91425" lIns="91425" rIns="91425" tIns="91425">
+            <a:bodyPr lIns="91425" tIns="91425" rIns="91425" bIns="91425" anchor="ctr" anchorCtr="0">
               <a:noAutofit/>
             </a:bodyPr>
             <a:lstStyle/>
@@ -2108,9 +2246,6 @@
                 </a:spcBef>
                 <a:buNone/>
               </a:pPr>
-              <a:r>
-                <a:t/>
-              </a:r>
               <a:endParaRPr/>
             </a:p>
           </p:txBody>
@@ -2119,7 +2254,9 @@
       <p:sp>
         <p:nvSpPr>
           <p:cNvPr id="75" name="Shape 75"/>
-          <p:cNvSpPr txBox="1"/>
+          <p:cNvSpPr txBox="1">
+            <a:spLocks noGrp="1"/>
+          </p:cNvSpPr>
           <p:nvPr>
             <p:ph type="title"/>
           </p:nvPr>
@@ -2134,7 +2271,7 @@
           </a:prstGeom>
         </p:spPr>
         <p:txBody>
-          <a:bodyPr anchorCtr="0" anchor="b" bIns="91425" lIns="91425" rIns="91425" tIns="91425"/>
+          <a:bodyPr lIns="91425" tIns="91425" rIns="91425" bIns="91425" anchor="b" anchorCtr="0"/>
           <a:lstStyle>
             <a:lvl1pPr algn="ctr">
               <a:spcBef>
@@ -2263,15 +2400,19 @@
               </a:defRPr>
             </a:lvl9pPr>
           </a:lstStyle>
-          <a:p/>
+          <a:p>
+            <a:endParaRPr/>
+          </a:p>
         </p:txBody>
       </p:sp>
       <p:sp>
         <p:nvSpPr>
           <p:cNvPr id="76" name="Shape 76"/>
-          <p:cNvSpPr txBox="1"/>
+          <p:cNvSpPr txBox="1">
+            <a:spLocks noGrp="1"/>
+          </p:cNvSpPr>
           <p:nvPr>
-            <p:ph idx="1" type="body"/>
+            <p:ph type="body" idx="1"/>
           </p:nvPr>
         </p:nvSpPr>
         <p:spPr>
@@ -2284,7 +2425,7 @@
           </a:prstGeom>
         </p:spPr>
         <p:txBody>
-          <a:bodyPr anchorCtr="0" anchor="t" bIns="91425" lIns="91425" rIns="91425" tIns="91425"/>
+          <a:bodyPr lIns="91425" tIns="91425" rIns="91425" bIns="91425" anchor="t" anchorCtr="0"/>
           <a:lstStyle>
             <a:lvl1pPr algn="ctr">
               <a:spcBef>
@@ -2404,15 +2545,19 @@
               </a:defRPr>
             </a:lvl9pPr>
           </a:lstStyle>
-          <a:p/>
+          <a:p>
+            <a:endParaRPr/>
+          </a:p>
         </p:txBody>
       </p:sp>
       <p:sp>
         <p:nvSpPr>
           <p:cNvPr id="77" name="Shape 77"/>
-          <p:cNvSpPr txBox="1"/>
+          <p:cNvSpPr txBox="1">
+            <a:spLocks noGrp="1"/>
+          </p:cNvSpPr>
           <p:nvPr>
-            <p:ph idx="12" type="sldNum"/>
+            <p:ph type="sldNum" idx="12"/>
           </p:nvPr>
         </p:nvSpPr>
         <p:spPr>
@@ -2425,7 +2570,7 @@
           </a:prstGeom>
         </p:spPr>
         <p:txBody>
-          <a:bodyPr anchorCtr="0" anchor="ctr" bIns="91425" lIns="91425" rIns="91425" tIns="91425">
+          <a:bodyPr lIns="91425" tIns="91425" rIns="91425" bIns="91425" anchor="ctr" anchorCtr="0">
             <a:noAutofit/>
           </a:bodyPr>
           <a:lstStyle/>
@@ -2440,6 +2585,7 @@
               <a:rPr lang="en"/>
               <a:t>‹#›</a:t>
             </a:fld>
+            <a:endParaRPr lang="en"/>
           </a:p>
         </p:txBody>
       </p:sp>
@@ -2452,11 +2598,11 @@
 </file>
 
 <file path=ppt/slideLayouts/slideLayout11.xml><?xml version="1.0" encoding="utf-8"?>
-<p:sldLayout xmlns:a="http://schemas.openxmlformats.org/drawingml/2006/main" xmlns:r="http://schemas.openxmlformats.org/officeDocument/2006/relationships" xmlns:mc="http://schemas.openxmlformats.org/markup-compatibility/2006" xmlns:mv="urn:schemas-microsoft-com:mac:vml" xmlns:p="http://schemas.openxmlformats.org/presentationml/2006/main" xmlns:c="http://schemas.openxmlformats.org/drawingml/2006/chart" xmlns:dgm="http://schemas.openxmlformats.org/drawingml/2006/diagram" xmlns:o="urn:schemas-microsoft-com:office:office" xmlns:v="urn:schemas-microsoft-com:vml" xmlns:pvml="urn:schemas-microsoft-com:office:powerpoint" xmlns:com="http://schemas.openxmlformats.org/drawingml/2006/compatibility" xmlns:p14="http://schemas.microsoft.com/office/powerpoint/2010/main" type="blank">
+<p:sldLayout xmlns:a="http://schemas.openxmlformats.org/drawingml/2006/main" xmlns:r="http://schemas.openxmlformats.org/officeDocument/2006/relationships" xmlns:p="http://schemas.openxmlformats.org/presentationml/2006/main" type="blank">
   <p:cSld name="Blank">
     <p:spTree>
       <p:nvGrpSpPr>
-        <p:cNvPr id="78" name="Shape 78"/>
+        <p:cNvPr id="1" name="Shape 78"/>
         <p:cNvGrpSpPr/>
         <p:nvPr/>
       </p:nvGrpSpPr>
@@ -2471,9 +2617,11 @@
       <p:sp>
         <p:nvSpPr>
           <p:cNvPr id="79" name="Shape 79"/>
-          <p:cNvSpPr txBox="1"/>
+          <p:cNvSpPr txBox="1">
+            <a:spLocks noGrp="1"/>
+          </p:cNvSpPr>
           <p:nvPr>
-            <p:ph idx="12" type="sldNum"/>
+            <p:ph type="sldNum" idx="12"/>
           </p:nvPr>
         </p:nvSpPr>
         <p:spPr>
@@ -2486,7 +2634,7 @@
           </a:prstGeom>
         </p:spPr>
         <p:txBody>
-          <a:bodyPr anchorCtr="0" anchor="ctr" bIns="91425" lIns="91425" rIns="91425" tIns="91425">
+          <a:bodyPr lIns="91425" tIns="91425" rIns="91425" bIns="91425" anchor="ctr" anchorCtr="0">
             <a:noAutofit/>
           </a:bodyPr>
           <a:lstStyle/>
@@ -2505,6 +2653,11 @@
               </a:rPr>
               <a:t>‹#›</a:t>
             </a:fld>
+            <a:endParaRPr lang="en">
+              <a:solidFill>
+                <a:schemeClr val="dk2"/>
+              </a:solidFill>
+            </a:endParaRPr>
           </a:p>
         </p:txBody>
       </p:sp>
@@ -2517,18 +2670,19 @@
 </file>
 
 <file path=ppt/slideLayouts/slideLayout2.xml><?xml version="1.0" encoding="utf-8"?>
-<p:sldLayout xmlns:a="http://schemas.openxmlformats.org/drawingml/2006/main" xmlns:r="http://schemas.openxmlformats.org/officeDocument/2006/relationships" xmlns:mc="http://schemas.openxmlformats.org/markup-compatibility/2006" xmlns:mv="urn:schemas-microsoft-com:mac:vml" xmlns:p="http://schemas.openxmlformats.org/presentationml/2006/main" xmlns:c="http://schemas.openxmlformats.org/drawingml/2006/chart" xmlns:dgm="http://schemas.openxmlformats.org/drawingml/2006/diagram" xmlns:o="urn:schemas-microsoft-com:office:office" xmlns:v="urn:schemas-microsoft-com:vml" xmlns:pvml="urn:schemas-microsoft-com:office:powerpoint" xmlns:com="http://schemas.openxmlformats.org/drawingml/2006/compatibility" xmlns:p14="http://schemas.microsoft.com/office/powerpoint/2010/main" type="secHead">
+<p:sldLayout xmlns:a="http://schemas.openxmlformats.org/drawingml/2006/main" xmlns:r="http://schemas.openxmlformats.org/officeDocument/2006/relationships" xmlns:p="http://schemas.openxmlformats.org/presentationml/2006/main" type="secHead">
   <p:cSld name="Section Title">
     <p:bg>
       <p:bgPr>
         <a:solidFill>
           <a:schemeClr val="dk1"/>
         </a:solidFill>
+        <a:effectLst/>
       </p:bgPr>
     </p:bg>
     <p:spTree>
       <p:nvGrpSpPr>
-        <p:cNvPr id="18" name="Shape 18"/>
+        <p:cNvPr id="1" name="Shape 18"/>
         <p:cNvGrpSpPr/>
         <p:nvPr/>
       </p:nvGrpSpPr>
@@ -2576,7 +2730,7 @@
             </a:ln>
           </p:spPr>
           <p:txBody>
-            <a:bodyPr anchorCtr="0" anchor="ctr" bIns="91425" lIns="91425" rIns="91425" tIns="91425">
+            <a:bodyPr lIns="91425" tIns="91425" rIns="91425" bIns="91425" anchor="ctr" anchorCtr="0">
               <a:noAutofit/>
             </a:bodyPr>
             <a:lstStyle/>
@@ -2587,9 +2741,6 @@
                 </a:spcBef>
                 <a:buNone/>
               </a:pPr>
-              <a:r>
-                <a:t/>
-              </a:r>
               <a:endParaRPr/>
             </a:p>
           </p:txBody>
@@ -2616,7 +2767,7 @@
             </a:ln>
           </p:spPr>
           <p:txBody>
-            <a:bodyPr anchorCtr="0" anchor="ctr" bIns="91425" lIns="91425" rIns="91425" tIns="91425">
+            <a:bodyPr lIns="91425" tIns="91425" rIns="91425" bIns="91425" anchor="ctr" anchorCtr="0">
               <a:noAutofit/>
             </a:bodyPr>
             <a:lstStyle/>
@@ -2627,9 +2778,6 @@
                 </a:spcBef>
                 <a:buNone/>
               </a:pPr>
-              <a:r>
-                <a:t/>
-              </a:r>
               <a:endParaRPr/>
             </a:p>
           </p:txBody>
@@ -2641,7 +2789,7 @@
             <p:nvPr/>
           </p:nvSpPr>
           <p:spPr>
-            <a:xfrm flipH="1" rot="10800000">
+            <a:xfrm rot="10800000" flipH="1">
               <a:off x="7113588" y="106"/>
               <a:ext cx="1015200" cy="1015200"/>
             </a:xfrm>
@@ -2656,7 +2804,7 @@
             </a:ln>
           </p:spPr>
           <p:txBody>
-            <a:bodyPr anchorCtr="0" anchor="ctr" bIns="91425" lIns="91425" rIns="91425" tIns="91425">
+            <a:bodyPr lIns="91425" tIns="91425" rIns="91425" bIns="91425" anchor="ctr" anchorCtr="0">
               <a:noAutofit/>
             </a:bodyPr>
             <a:lstStyle/>
@@ -2667,9 +2815,6 @@
                 </a:spcBef>
                 <a:buNone/>
               </a:pPr>
-              <a:r>
-                <a:t/>
-              </a:r>
               <a:endParaRPr/>
             </a:p>
           </p:txBody>
@@ -2696,7 +2841,7 @@
             </a:ln>
           </p:spPr>
           <p:txBody>
-            <a:bodyPr anchorCtr="0" anchor="ctr" bIns="91425" lIns="91425" rIns="91425" tIns="91425">
+            <a:bodyPr lIns="91425" tIns="91425" rIns="91425" bIns="91425" anchor="ctr" anchorCtr="0">
               <a:noAutofit/>
             </a:bodyPr>
             <a:lstStyle/>
@@ -2707,9 +2852,6 @@
                 </a:spcBef>
                 <a:buNone/>
               </a:pPr>
-              <a:r>
-                <a:t/>
-              </a:r>
               <a:endParaRPr/>
             </a:p>
           </p:txBody>
@@ -2736,7 +2878,7 @@
             </a:ln>
           </p:spPr>
           <p:txBody>
-            <a:bodyPr anchorCtr="0" anchor="ctr" bIns="91425" lIns="91425" rIns="91425" tIns="91425">
+            <a:bodyPr lIns="91425" tIns="91425" rIns="91425" bIns="91425" anchor="ctr" anchorCtr="0">
               <a:noAutofit/>
             </a:bodyPr>
             <a:lstStyle/>
@@ -2747,9 +2889,6 @@
                 </a:spcBef>
                 <a:buNone/>
               </a:pPr>
-              <a:r>
-                <a:t/>
-              </a:r>
               <a:endParaRPr/>
             </a:p>
           </p:txBody>
@@ -2758,7 +2897,9 @@
       <p:sp>
         <p:nvSpPr>
           <p:cNvPr id="25" name="Shape 25"/>
-          <p:cNvSpPr txBox="1"/>
+          <p:cNvSpPr txBox="1">
+            <a:spLocks noGrp="1"/>
+          </p:cNvSpPr>
           <p:nvPr>
             <p:ph type="title"/>
           </p:nvPr>
@@ -2773,7 +2914,7 @@
           </a:prstGeom>
         </p:spPr>
         <p:txBody>
-          <a:bodyPr anchorCtr="0" anchor="ctr" bIns="91425" lIns="91425" rIns="91425" tIns="91425"/>
+          <a:bodyPr lIns="91425" tIns="91425" rIns="91425" bIns="91425" anchor="ctr" anchorCtr="0"/>
           <a:lstStyle>
             <a:lvl1pPr>
               <a:spcBef>
@@ -2902,15 +3043,19 @@
               </a:defRPr>
             </a:lvl9pPr>
           </a:lstStyle>
-          <a:p/>
+          <a:p>
+            <a:endParaRPr/>
+          </a:p>
         </p:txBody>
       </p:sp>
       <p:sp>
         <p:nvSpPr>
           <p:cNvPr id="26" name="Shape 26"/>
-          <p:cNvSpPr txBox="1"/>
+          <p:cNvSpPr txBox="1">
+            <a:spLocks noGrp="1"/>
+          </p:cNvSpPr>
           <p:nvPr>
-            <p:ph idx="12" type="sldNum"/>
+            <p:ph type="sldNum" idx="12"/>
           </p:nvPr>
         </p:nvSpPr>
         <p:spPr>
@@ -2923,7 +3068,7 @@
           </a:prstGeom>
         </p:spPr>
         <p:txBody>
-          <a:bodyPr anchorCtr="0" anchor="ctr" bIns="91425" lIns="91425" rIns="91425" tIns="91425">
+          <a:bodyPr lIns="91425" tIns="91425" rIns="91425" bIns="91425" anchor="ctr" anchorCtr="0">
             <a:noAutofit/>
           </a:bodyPr>
           <a:lstStyle/>
@@ -2938,6 +3083,7 @@
               <a:rPr lang="en"/>
               <a:t>‹#›</a:t>
             </a:fld>
+            <a:endParaRPr lang="en"/>
           </a:p>
         </p:txBody>
       </p:sp>
@@ -2950,11 +3096,11 @@
 </file>
 
 <file path=ppt/slideLayouts/slideLayout3.xml><?xml version="1.0" encoding="utf-8"?>
-<p:sldLayout xmlns:a="http://schemas.openxmlformats.org/drawingml/2006/main" xmlns:r="http://schemas.openxmlformats.org/officeDocument/2006/relationships" xmlns:mc="http://schemas.openxmlformats.org/markup-compatibility/2006" xmlns:mv="urn:schemas-microsoft-com:mac:vml" xmlns:p="http://schemas.openxmlformats.org/presentationml/2006/main" xmlns:c="http://schemas.openxmlformats.org/drawingml/2006/chart" xmlns:dgm="http://schemas.openxmlformats.org/drawingml/2006/diagram" xmlns:o="urn:schemas-microsoft-com:office:office" xmlns:v="urn:schemas-microsoft-com:vml" xmlns:pvml="urn:schemas-microsoft-com:office:powerpoint" xmlns:com="http://schemas.openxmlformats.org/drawingml/2006/compatibility" xmlns:p14="http://schemas.microsoft.com/office/powerpoint/2010/main" type="tx">
+<p:sldLayout xmlns:a="http://schemas.openxmlformats.org/drawingml/2006/main" xmlns:r="http://schemas.openxmlformats.org/officeDocument/2006/relationships" xmlns:p="http://schemas.openxmlformats.org/presentationml/2006/main" type="tx">
   <p:cSld name="Title and Body">
     <p:spTree>
       <p:nvGrpSpPr>
-        <p:cNvPr id="27" name="Shape 27"/>
+        <p:cNvPr id="1" name="Shape 27"/>
         <p:cNvGrpSpPr/>
         <p:nvPr/>
       </p:nvGrpSpPr>
@@ -3002,7 +3148,7 @@
             </a:ln>
           </p:spPr>
           <p:txBody>
-            <a:bodyPr anchorCtr="0" anchor="ctr" bIns="91425" lIns="91425" rIns="91425" tIns="91425">
+            <a:bodyPr lIns="91425" tIns="91425" rIns="91425" bIns="91425" anchor="ctr" anchorCtr="0">
               <a:noAutofit/>
             </a:bodyPr>
             <a:lstStyle/>
@@ -3013,9 +3159,6 @@
                 </a:spcBef>
                 <a:buNone/>
               </a:pPr>
-              <a:r>
-                <a:t/>
-              </a:r>
               <a:endParaRPr/>
             </a:p>
           </p:txBody>
@@ -3042,7 +3185,7 @@
             </a:ln>
           </p:spPr>
           <p:txBody>
-            <a:bodyPr anchorCtr="0" anchor="ctr" bIns="91425" lIns="91425" rIns="91425" tIns="91425">
+            <a:bodyPr lIns="91425" tIns="91425" rIns="91425" bIns="91425" anchor="ctr" anchorCtr="0">
               <a:noAutofit/>
             </a:bodyPr>
             <a:lstStyle/>
@@ -3053,9 +3196,6 @@
                 </a:spcBef>
                 <a:buNone/>
               </a:pPr>
-              <a:r>
-                <a:t/>
-              </a:r>
               <a:endParaRPr/>
             </a:p>
           </p:txBody>
@@ -3082,7 +3222,7 @@
             </a:ln>
           </p:spPr>
           <p:txBody>
-            <a:bodyPr anchorCtr="0" anchor="ctr" bIns="91425" lIns="91425" rIns="91425" tIns="91425">
+            <a:bodyPr lIns="91425" tIns="91425" rIns="91425" bIns="91425" anchor="ctr" anchorCtr="0">
               <a:noAutofit/>
             </a:bodyPr>
             <a:lstStyle/>
@@ -3093,9 +3233,6 @@
                 </a:spcBef>
                 <a:buNone/>
               </a:pPr>
-              <a:r>
-                <a:t/>
-              </a:r>
               <a:endParaRPr/>
             </a:p>
           </p:txBody>
@@ -3122,7 +3259,7 @@
             </a:ln>
           </p:spPr>
           <p:txBody>
-            <a:bodyPr anchorCtr="0" anchor="ctr" bIns="91425" lIns="91425" rIns="91425" tIns="91425">
+            <a:bodyPr lIns="91425" tIns="91425" rIns="91425" bIns="91425" anchor="ctr" anchorCtr="0">
               <a:noAutofit/>
             </a:bodyPr>
             <a:lstStyle/>
@@ -3133,9 +3270,6 @@
                 </a:spcBef>
                 <a:buNone/>
               </a:pPr>
-              <a:r>
-                <a:t/>
-              </a:r>
               <a:endParaRPr/>
             </a:p>
           </p:txBody>
@@ -3162,7 +3296,7 @@
             </a:ln>
           </p:spPr>
           <p:txBody>
-            <a:bodyPr anchorCtr="0" anchor="ctr" bIns="91425" lIns="91425" rIns="91425" tIns="91425">
+            <a:bodyPr lIns="91425" tIns="91425" rIns="91425" bIns="91425" anchor="ctr" anchorCtr="0">
               <a:noAutofit/>
             </a:bodyPr>
             <a:lstStyle/>
@@ -3173,9 +3307,6 @@
                 </a:spcBef>
                 <a:buNone/>
               </a:pPr>
-              <a:r>
-                <a:t/>
-              </a:r>
               <a:endParaRPr/>
             </a:p>
           </p:txBody>
@@ -3184,7 +3315,9 @@
       <p:sp>
         <p:nvSpPr>
           <p:cNvPr id="34" name="Shape 34"/>
-          <p:cNvSpPr txBox="1"/>
+          <p:cNvSpPr txBox="1">
+            <a:spLocks noGrp="1"/>
+          </p:cNvSpPr>
           <p:nvPr>
             <p:ph type="title"/>
           </p:nvPr>
@@ -3199,7 +3332,7 @@
           </a:prstGeom>
         </p:spPr>
         <p:txBody>
-          <a:bodyPr anchorCtr="0" anchor="t" bIns="91425" lIns="91425" rIns="91425" tIns="91425"/>
+          <a:bodyPr lIns="91425" tIns="91425" rIns="91425" bIns="91425" anchor="t" anchorCtr="0"/>
           <a:lstStyle>
             <a:lvl1pPr>
               <a:spcBef>
@@ -3256,15 +3389,19 @@
               <a:defRPr/>
             </a:lvl9pPr>
           </a:lstStyle>
-          <a:p/>
+          <a:p>
+            <a:endParaRPr/>
+          </a:p>
         </p:txBody>
       </p:sp>
       <p:sp>
         <p:nvSpPr>
           <p:cNvPr id="35" name="Shape 35"/>
-          <p:cNvSpPr txBox="1"/>
+          <p:cNvSpPr txBox="1">
+            <a:spLocks noGrp="1"/>
+          </p:cNvSpPr>
           <p:nvPr>
-            <p:ph idx="1" type="body"/>
+            <p:ph type="body" idx="1"/>
           </p:nvPr>
         </p:nvSpPr>
         <p:spPr>
@@ -3277,7 +3414,7 @@
           </a:prstGeom>
         </p:spPr>
         <p:txBody>
-          <a:bodyPr anchorCtr="0" anchor="t" bIns="91425" lIns="91425" rIns="91425" tIns="91425"/>
+          <a:bodyPr lIns="91425" tIns="91425" rIns="91425" bIns="91425" anchor="t" anchorCtr="0"/>
           <a:lstStyle>
             <a:lvl1pPr>
               <a:spcBef>
@@ -3334,15 +3471,19 @@
               <a:defRPr/>
             </a:lvl9pPr>
           </a:lstStyle>
-          <a:p/>
+          <a:p>
+            <a:endParaRPr/>
+          </a:p>
         </p:txBody>
       </p:sp>
       <p:sp>
         <p:nvSpPr>
           <p:cNvPr id="36" name="Shape 36"/>
-          <p:cNvSpPr txBox="1"/>
+          <p:cNvSpPr txBox="1">
+            <a:spLocks noGrp="1"/>
+          </p:cNvSpPr>
           <p:nvPr>
-            <p:ph idx="12" type="sldNum"/>
+            <p:ph type="sldNum" idx="12"/>
           </p:nvPr>
         </p:nvSpPr>
         <p:spPr>
@@ -3355,7 +3496,7 @@
           </a:prstGeom>
         </p:spPr>
         <p:txBody>
-          <a:bodyPr anchorCtr="0" anchor="ctr" bIns="91425" lIns="91425" rIns="91425" tIns="91425">
+          <a:bodyPr lIns="91425" tIns="91425" rIns="91425" bIns="91425" anchor="ctr" anchorCtr="0">
             <a:noAutofit/>
           </a:bodyPr>
           <a:lstStyle/>
@@ -3370,6 +3511,7 @@
               <a:rPr lang="en"/>
               <a:t>‹#›</a:t>
             </a:fld>
+            <a:endParaRPr lang="en"/>
           </a:p>
         </p:txBody>
       </p:sp>
@@ -3382,11 +3524,11 @@
 </file>
 
 <file path=ppt/slideLayouts/slideLayout4.xml><?xml version="1.0" encoding="utf-8"?>
-<p:sldLayout xmlns:a="http://schemas.openxmlformats.org/drawingml/2006/main" xmlns:r="http://schemas.openxmlformats.org/officeDocument/2006/relationships" xmlns:mc="http://schemas.openxmlformats.org/markup-compatibility/2006" xmlns:mv="urn:schemas-microsoft-com:mac:vml" xmlns:p="http://schemas.openxmlformats.org/presentationml/2006/main" xmlns:c="http://schemas.openxmlformats.org/drawingml/2006/chart" xmlns:dgm="http://schemas.openxmlformats.org/drawingml/2006/diagram" xmlns:o="urn:schemas-microsoft-com:office:office" xmlns:v="urn:schemas-microsoft-com:vml" xmlns:pvml="urn:schemas-microsoft-com:office:powerpoint" xmlns:com="http://schemas.openxmlformats.org/drawingml/2006/compatibility" xmlns:p14="http://schemas.microsoft.com/office/powerpoint/2010/main" type="twoColTx">
+<p:sldLayout xmlns:a="http://schemas.openxmlformats.org/drawingml/2006/main" xmlns:r="http://schemas.openxmlformats.org/officeDocument/2006/relationships" xmlns:p="http://schemas.openxmlformats.org/presentationml/2006/main" type="twoColTx">
   <p:cSld name="Title and Two Columns">
     <p:spTree>
       <p:nvGrpSpPr>
-        <p:cNvPr id="37" name="Shape 37"/>
+        <p:cNvPr id="1" name="Shape 37"/>
         <p:cNvGrpSpPr/>
         <p:nvPr/>
       </p:nvGrpSpPr>
@@ -3401,7 +3543,9 @@
       <p:sp>
         <p:nvSpPr>
           <p:cNvPr id="38" name="Shape 38"/>
-          <p:cNvSpPr txBox="1"/>
+          <p:cNvSpPr txBox="1">
+            <a:spLocks noGrp="1"/>
+          </p:cNvSpPr>
           <p:nvPr>
             <p:ph type="title"/>
           </p:nvPr>
@@ -3416,7 +3560,7 @@
           </a:prstGeom>
         </p:spPr>
         <p:txBody>
-          <a:bodyPr anchorCtr="0" anchor="t" bIns="91425" lIns="91425" rIns="91425" tIns="91425"/>
+          <a:bodyPr lIns="91425" tIns="91425" rIns="91425" bIns="91425" anchor="t" anchorCtr="0"/>
           <a:lstStyle>
             <a:lvl1pPr>
               <a:spcBef>
@@ -3473,15 +3617,19 @@
               <a:defRPr/>
             </a:lvl9pPr>
           </a:lstStyle>
-          <a:p/>
+          <a:p>
+            <a:endParaRPr/>
+          </a:p>
         </p:txBody>
       </p:sp>
       <p:sp>
         <p:nvSpPr>
           <p:cNvPr id="39" name="Shape 39"/>
-          <p:cNvSpPr txBox="1"/>
+          <p:cNvSpPr txBox="1">
+            <a:spLocks noGrp="1"/>
+          </p:cNvSpPr>
           <p:nvPr>
-            <p:ph idx="1" type="body"/>
+            <p:ph type="body" idx="1"/>
           </p:nvPr>
         </p:nvSpPr>
         <p:spPr>
@@ -3494,7 +3642,7 @@
           </a:prstGeom>
         </p:spPr>
         <p:txBody>
-          <a:bodyPr anchorCtr="0" anchor="t" bIns="91425" lIns="91425" rIns="91425" tIns="91425"/>
+          <a:bodyPr lIns="91425" tIns="91425" rIns="91425" bIns="91425" anchor="t" anchorCtr="0"/>
           <a:lstStyle>
             <a:lvl1pPr>
               <a:spcBef>
@@ -3560,15 +3708,19 @@
               <a:defRPr sz="1200"/>
             </a:lvl9pPr>
           </a:lstStyle>
-          <a:p/>
+          <a:p>
+            <a:endParaRPr/>
+          </a:p>
         </p:txBody>
       </p:sp>
       <p:sp>
         <p:nvSpPr>
           <p:cNvPr id="40" name="Shape 40"/>
-          <p:cNvSpPr txBox="1"/>
+          <p:cNvSpPr txBox="1">
+            <a:spLocks noGrp="1"/>
+          </p:cNvSpPr>
           <p:nvPr>
-            <p:ph idx="2" type="body"/>
+            <p:ph type="body" idx="2"/>
           </p:nvPr>
         </p:nvSpPr>
         <p:spPr>
@@ -3581,7 +3733,7 @@
           </a:prstGeom>
         </p:spPr>
         <p:txBody>
-          <a:bodyPr anchorCtr="0" anchor="t" bIns="91425" lIns="91425" rIns="91425" tIns="91425"/>
+          <a:bodyPr lIns="91425" tIns="91425" rIns="91425" bIns="91425" anchor="t" anchorCtr="0"/>
           <a:lstStyle>
             <a:lvl1pPr>
               <a:spcBef>
@@ -3647,15 +3799,19 @@
               <a:defRPr sz="1200"/>
             </a:lvl9pPr>
           </a:lstStyle>
-          <a:p/>
+          <a:p>
+            <a:endParaRPr/>
+          </a:p>
         </p:txBody>
       </p:sp>
       <p:sp>
         <p:nvSpPr>
           <p:cNvPr id="41" name="Shape 41"/>
-          <p:cNvSpPr txBox="1"/>
+          <p:cNvSpPr txBox="1">
+            <a:spLocks noGrp="1"/>
+          </p:cNvSpPr>
           <p:nvPr>
-            <p:ph idx="12" type="sldNum"/>
+            <p:ph type="sldNum" idx="12"/>
           </p:nvPr>
         </p:nvSpPr>
         <p:spPr>
@@ -3668,7 +3824,7 @@
           </a:prstGeom>
         </p:spPr>
         <p:txBody>
-          <a:bodyPr anchorCtr="0" anchor="ctr" bIns="91425" lIns="91425" rIns="91425" tIns="91425">
+          <a:bodyPr lIns="91425" tIns="91425" rIns="91425" bIns="91425" anchor="ctr" anchorCtr="0">
             <a:noAutofit/>
           </a:bodyPr>
           <a:lstStyle/>
@@ -3687,6 +3843,11 @@
               </a:rPr>
               <a:t>‹#›</a:t>
             </a:fld>
+            <a:endParaRPr lang="en">
+              <a:solidFill>
+                <a:schemeClr val="dk2"/>
+              </a:solidFill>
+            </a:endParaRPr>
           </a:p>
         </p:txBody>
       </p:sp>
@@ -3699,11 +3860,11 @@
 </file>
 
 <file path=ppt/slideLayouts/slideLayout5.xml><?xml version="1.0" encoding="utf-8"?>
-<p:sldLayout xmlns:a="http://schemas.openxmlformats.org/drawingml/2006/main" xmlns:r="http://schemas.openxmlformats.org/officeDocument/2006/relationships" xmlns:mc="http://schemas.openxmlformats.org/markup-compatibility/2006" xmlns:mv="urn:schemas-microsoft-com:mac:vml" xmlns:p="http://schemas.openxmlformats.org/presentationml/2006/main" xmlns:c="http://schemas.openxmlformats.org/drawingml/2006/chart" xmlns:dgm="http://schemas.openxmlformats.org/drawingml/2006/diagram" xmlns:o="urn:schemas-microsoft-com:office:office" xmlns:v="urn:schemas-microsoft-com:vml" xmlns:pvml="urn:schemas-microsoft-com:office:powerpoint" xmlns:com="http://schemas.openxmlformats.org/drawingml/2006/compatibility" xmlns:p14="http://schemas.microsoft.com/office/powerpoint/2010/main" type="titleOnly">
+<p:sldLayout xmlns:a="http://schemas.openxmlformats.org/drawingml/2006/main" xmlns:r="http://schemas.openxmlformats.org/officeDocument/2006/relationships" xmlns:p="http://schemas.openxmlformats.org/presentationml/2006/main" type="titleOnly">
   <p:cSld name="Title Only">
     <p:spTree>
       <p:nvGrpSpPr>
-        <p:cNvPr id="42" name="Shape 42"/>
+        <p:cNvPr id="1" name="Shape 42"/>
         <p:cNvGrpSpPr/>
         <p:nvPr/>
       </p:nvGrpSpPr>
@@ -3718,7 +3879,9 @@
       <p:sp>
         <p:nvSpPr>
           <p:cNvPr id="43" name="Shape 43"/>
-          <p:cNvSpPr txBox="1"/>
+          <p:cNvSpPr txBox="1">
+            <a:spLocks noGrp="1"/>
+          </p:cNvSpPr>
           <p:nvPr>
             <p:ph type="title"/>
           </p:nvPr>
@@ -3733,7 +3896,7 @@
           </a:prstGeom>
         </p:spPr>
         <p:txBody>
-          <a:bodyPr anchorCtr="0" anchor="t" bIns="91425" lIns="91425" rIns="91425" tIns="91425"/>
+          <a:bodyPr lIns="91425" tIns="91425" rIns="91425" bIns="91425" anchor="t" anchorCtr="0"/>
           <a:lstStyle>
             <a:lvl1pPr>
               <a:spcBef>
@@ -3790,15 +3953,19 @@
               <a:defRPr/>
             </a:lvl9pPr>
           </a:lstStyle>
-          <a:p/>
+          <a:p>
+            <a:endParaRPr/>
+          </a:p>
         </p:txBody>
       </p:sp>
       <p:sp>
         <p:nvSpPr>
           <p:cNvPr id="44" name="Shape 44"/>
-          <p:cNvSpPr txBox="1"/>
+          <p:cNvSpPr txBox="1">
+            <a:spLocks noGrp="1"/>
+          </p:cNvSpPr>
           <p:nvPr>
-            <p:ph idx="12" type="sldNum"/>
+            <p:ph type="sldNum" idx="12"/>
           </p:nvPr>
         </p:nvSpPr>
         <p:spPr>
@@ -3811,7 +3978,7 @@
           </a:prstGeom>
         </p:spPr>
         <p:txBody>
-          <a:bodyPr anchorCtr="0" anchor="ctr" bIns="91425" lIns="91425" rIns="91425" tIns="91425">
+          <a:bodyPr lIns="91425" tIns="91425" rIns="91425" bIns="91425" anchor="ctr" anchorCtr="0">
             <a:noAutofit/>
           </a:bodyPr>
           <a:lstStyle/>
@@ -3830,6 +3997,11 @@
               </a:rPr>
               <a:t>‹#›</a:t>
             </a:fld>
+            <a:endParaRPr lang="en">
+              <a:solidFill>
+                <a:schemeClr val="dk2"/>
+              </a:solidFill>
+            </a:endParaRPr>
           </a:p>
         </p:txBody>
       </p:sp>
@@ -3842,11 +4014,11 @@
 </file>
 
 <file path=ppt/slideLayouts/slideLayout6.xml><?xml version="1.0" encoding="utf-8"?>
-<p:sldLayout xmlns:a="http://schemas.openxmlformats.org/drawingml/2006/main" xmlns:r="http://schemas.openxmlformats.org/officeDocument/2006/relationships" xmlns:mc="http://schemas.openxmlformats.org/markup-compatibility/2006" xmlns:mv="urn:schemas-microsoft-com:mac:vml" xmlns:p="http://schemas.openxmlformats.org/presentationml/2006/main" xmlns:c="http://schemas.openxmlformats.org/drawingml/2006/chart" xmlns:dgm="http://schemas.openxmlformats.org/drawingml/2006/diagram" xmlns:o="urn:schemas-microsoft-com:office:office" xmlns:v="urn:schemas-microsoft-com:vml" xmlns:pvml="urn:schemas-microsoft-com:office:powerpoint" xmlns:com="http://schemas.openxmlformats.org/drawingml/2006/compatibility" xmlns:p14="http://schemas.microsoft.com/office/powerpoint/2010/main">
+<p:sldLayout xmlns:a="http://schemas.openxmlformats.org/drawingml/2006/main" xmlns:r="http://schemas.openxmlformats.org/officeDocument/2006/relationships" xmlns:p="http://schemas.openxmlformats.org/presentationml/2006/main">
   <p:cSld name="One Column Text">
     <p:spTree>
       <p:nvGrpSpPr>
-        <p:cNvPr id="45" name="Shape 45"/>
+        <p:cNvPr id="1" name="Shape 45"/>
         <p:cNvGrpSpPr/>
         <p:nvPr/>
       </p:nvGrpSpPr>
@@ -3861,7 +4033,9 @@
       <p:sp>
         <p:nvSpPr>
           <p:cNvPr id="46" name="Shape 46"/>
-          <p:cNvSpPr txBox="1"/>
+          <p:cNvSpPr txBox="1">
+            <a:spLocks noGrp="1"/>
+          </p:cNvSpPr>
           <p:nvPr>
             <p:ph type="title"/>
           </p:nvPr>
@@ -3876,7 +4050,7 @@
           </a:prstGeom>
         </p:spPr>
         <p:txBody>
-          <a:bodyPr anchorCtr="0" anchor="b" bIns="91425" lIns="91425" rIns="91425" tIns="91425"/>
+          <a:bodyPr lIns="91425" tIns="91425" rIns="91425" bIns="91425" anchor="b" anchorCtr="0"/>
           <a:lstStyle>
             <a:lvl1pPr>
               <a:spcBef>
@@ -3942,15 +4116,19 @@
               <a:defRPr sz="2400"/>
             </a:lvl9pPr>
           </a:lstStyle>
-          <a:p/>
+          <a:p>
+            <a:endParaRPr/>
+          </a:p>
         </p:txBody>
       </p:sp>
       <p:sp>
         <p:nvSpPr>
           <p:cNvPr id="47" name="Shape 47"/>
-          <p:cNvSpPr txBox="1"/>
+          <p:cNvSpPr txBox="1">
+            <a:spLocks noGrp="1"/>
+          </p:cNvSpPr>
           <p:nvPr>
-            <p:ph idx="1" type="body"/>
+            <p:ph type="body" idx="1"/>
           </p:nvPr>
         </p:nvSpPr>
         <p:spPr>
@@ -3963,7 +4141,7 @@
           </a:prstGeom>
         </p:spPr>
         <p:txBody>
-          <a:bodyPr anchorCtr="0" anchor="t" bIns="91425" lIns="91425" rIns="91425" tIns="91425"/>
+          <a:bodyPr lIns="91425" tIns="91425" rIns="91425" bIns="91425" anchor="t" anchorCtr="0"/>
           <a:lstStyle>
             <a:lvl1pPr>
               <a:spcBef>
@@ -4029,15 +4207,19 @@
               <a:defRPr sz="1200"/>
             </a:lvl9pPr>
           </a:lstStyle>
-          <a:p/>
+          <a:p>
+            <a:endParaRPr/>
+          </a:p>
         </p:txBody>
       </p:sp>
       <p:sp>
         <p:nvSpPr>
           <p:cNvPr id="48" name="Shape 48"/>
-          <p:cNvSpPr txBox="1"/>
+          <p:cNvSpPr txBox="1">
+            <a:spLocks noGrp="1"/>
+          </p:cNvSpPr>
           <p:nvPr>
-            <p:ph idx="12" type="sldNum"/>
+            <p:ph type="sldNum" idx="12"/>
           </p:nvPr>
         </p:nvSpPr>
         <p:spPr>
@@ -4050,7 +4232,7 @@
           </a:prstGeom>
         </p:spPr>
         <p:txBody>
-          <a:bodyPr anchorCtr="0" anchor="ctr" bIns="91425" lIns="91425" rIns="91425" tIns="91425">
+          <a:bodyPr lIns="91425" tIns="91425" rIns="91425" bIns="91425" anchor="ctr" anchorCtr="0">
             <a:noAutofit/>
           </a:bodyPr>
           <a:lstStyle/>
@@ -4069,6 +4251,11 @@
               </a:rPr>
               <a:t>‹#›</a:t>
             </a:fld>
+            <a:endParaRPr lang="en">
+              <a:solidFill>
+                <a:schemeClr val="dk2"/>
+              </a:solidFill>
+            </a:endParaRPr>
           </a:p>
         </p:txBody>
       </p:sp>
@@ -4081,18 +4268,19 @@
 </file>
 
 <file path=ppt/slideLayouts/slideLayout7.xml><?xml version="1.0" encoding="utf-8"?>
-<p:sldLayout xmlns:a="http://schemas.openxmlformats.org/drawingml/2006/main" xmlns:r="http://schemas.openxmlformats.org/officeDocument/2006/relationships" xmlns:mc="http://schemas.openxmlformats.org/markup-compatibility/2006" xmlns:mv="urn:schemas-microsoft-com:mac:vml" xmlns:p="http://schemas.openxmlformats.org/presentationml/2006/main" xmlns:c="http://schemas.openxmlformats.org/drawingml/2006/chart" xmlns:dgm="http://schemas.openxmlformats.org/drawingml/2006/diagram" xmlns:o="urn:schemas-microsoft-com:office:office" xmlns:v="urn:schemas-microsoft-com:vml" xmlns:pvml="urn:schemas-microsoft-com:office:powerpoint" xmlns:com="http://schemas.openxmlformats.org/drawingml/2006/compatibility" xmlns:p14="http://schemas.microsoft.com/office/powerpoint/2010/main">
+<p:sldLayout xmlns:a="http://schemas.openxmlformats.org/drawingml/2006/main" xmlns:r="http://schemas.openxmlformats.org/officeDocument/2006/relationships" xmlns:p="http://schemas.openxmlformats.org/presentationml/2006/main">
   <p:cSld name="Main Point">
     <p:bg>
       <p:bgPr>
         <a:solidFill>
           <a:schemeClr val="accent4"/>
         </a:solidFill>
+        <a:effectLst/>
       </p:bgPr>
     </p:bg>
     <p:spTree>
       <p:nvGrpSpPr>
-        <p:cNvPr id="49" name="Shape 49"/>
+        <p:cNvPr id="1" name="Shape 49"/>
         <p:cNvGrpSpPr/>
         <p:nvPr/>
       </p:nvGrpSpPr>
@@ -4140,7 +4328,7 @@
             </a:ln>
           </p:spPr>
           <p:txBody>
-            <a:bodyPr anchorCtr="0" anchor="ctr" bIns="91425" lIns="91425" rIns="91425" tIns="91425">
+            <a:bodyPr lIns="91425" tIns="91425" rIns="91425" bIns="91425" anchor="ctr" anchorCtr="0">
               <a:noAutofit/>
             </a:bodyPr>
             <a:lstStyle/>
@@ -4151,9 +4339,6 @@
                 </a:spcBef>
                 <a:buNone/>
               </a:pPr>
-              <a:r>
-                <a:t/>
-              </a:r>
               <a:endParaRPr/>
             </a:p>
           </p:txBody>
@@ -4180,7 +4365,7 @@
             </a:ln>
           </p:spPr>
           <p:txBody>
-            <a:bodyPr anchorCtr="0" anchor="ctr" bIns="91425" lIns="91425" rIns="91425" tIns="91425">
+            <a:bodyPr lIns="91425" tIns="91425" rIns="91425" bIns="91425" anchor="ctr" anchorCtr="0">
               <a:noAutofit/>
             </a:bodyPr>
             <a:lstStyle/>
@@ -4191,9 +4376,6 @@
                 </a:spcBef>
                 <a:buNone/>
               </a:pPr>
-              <a:r>
-                <a:t/>
-              </a:r>
               <a:endParaRPr/>
             </a:p>
           </p:txBody>
@@ -4205,7 +4387,7 @@
             <p:nvPr/>
           </p:nvSpPr>
           <p:spPr>
-            <a:xfrm flipH="1" rot="10800000">
+            <a:xfrm rot="10800000" flipH="1">
               <a:off x="7113588" y="106"/>
               <a:ext cx="1015200" cy="1015200"/>
             </a:xfrm>
@@ -4220,7 +4402,7 @@
             </a:ln>
           </p:spPr>
           <p:txBody>
-            <a:bodyPr anchorCtr="0" anchor="ctr" bIns="91425" lIns="91425" rIns="91425" tIns="91425">
+            <a:bodyPr lIns="91425" tIns="91425" rIns="91425" bIns="91425" anchor="ctr" anchorCtr="0">
               <a:noAutofit/>
             </a:bodyPr>
             <a:lstStyle/>
@@ -4231,9 +4413,6 @@
                 </a:spcBef>
                 <a:buNone/>
               </a:pPr>
-              <a:r>
-                <a:t/>
-              </a:r>
               <a:endParaRPr/>
             </a:p>
           </p:txBody>
@@ -4260,7 +4439,7 @@
             </a:ln>
           </p:spPr>
           <p:txBody>
-            <a:bodyPr anchorCtr="0" anchor="ctr" bIns="91425" lIns="91425" rIns="91425" tIns="91425">
+            <a:bodyPr lIns="91425" tIns="91425" rIns="91425" bIns="91425" anchor="ctr" anchorCtr="0">
               <a:noAutofit/>
             </a:bodyPr>
             <a:lstStyle/>
@@ -4271,9 +4450,6 @@
                 </a:spcBef>
                 <a:buNone/>
               </a:pPr>
-              <a:r>
-                <a:t/>
-              </a:r>
               <a:endParaRPr/>
             </a:p>
           </p:txBody>
@@ -4300,7 +4476,7 @@
             </a:ln>
           </p:spPr>
           <p:txBody>
-            <a:bodyPr anchorCtr="0" anchor="ctr" bIns="91425" lIns="91425" rIns="91425" tIns="91425">
+            <a:bodyPr lIns="91425" tIns="91425" rIns="91425" bIns="91425" anchor="ctr" anchorCtr="0">
               <a:noAutofit/>
             </a:bodyPr>
             <a:lstStyle/>
@@ -4311,9 +4487,6 @@
                 </a:spcBef>
                 <a:buNone/>
               </a:pPr>
-              <a:r>
-                <a:t/>
-              </a:r>
               <a:endParaRPr/>
             </a:p>
           </p:txBody>
@@ -4322,7 +4495,9 @@
       <p:sp>
         <p:nvSpPr>
           <p:cNvPr id="56" name="Shape 56"/>
-          <p:cNvSpPr txBox="1"/>
+          <p:cNvSpPr txBox="1">
+            <a:spLocks noGrp="1"/>
+          </p:cNvSpPr>
           <p:nvPr>
             <p:ph type="title"/>
           </p:nvPr>
@@ -4337,7 +4512,7 @@
           </a:prstGeom>
         </p:spPr>
         <p:txBody>
-          <a:bodyPr anchorCtr="0" anchor="ctr" bIns="91425" lIns="91425" rIns="91425" tIns="91425"/>
+          <a:bodyPr lIns="91425" tIns="91425" rIns="91425" bIns="91425" anchor="ctr" anchorCtr="0"/>
           <a:lstStyle>
             <a:lvl1pPr>
               <a:spcBef>
@@ -4466,15 +4641,19 @@
               </a:defRPr>
             </a:lvl9pPr>
           </a:lstStyle>
-          <a:p/>
+          <a:p>
+            <a:endParaRPr/>
+          </a:p>
         </p:txBody>
       </p:sp>
       <p:sp>
         <p:nvSpPr>
           <p:cNvPr id="57" name="Shape 57"/>
-          <p:cNvSpPr txBox="1"/>
+          <p:cNvSpPr txBox="1">
+            <a:spLocks noGrp="1"/>
+          </p:cNvSpPr>
           <p:nvPr>
-            <p:ph idx="12" type="sldNum"/>
+            <p:ph type="sldNum" idx="12"/>
           </p:nvPr>
         </p:nvSpPr>
         <p:spPr>
@@ -4487,7 +4666,7 @@
           </a:prstGeom>
         </p:spPr>
         <p:txBody>
-          <a:bodyPr anchorCtr="0" anchor="ctr" bIns="91425" lIns="91425" rIns="91425" tIns="91425">
+          <a:bodyPr lIns="91425" tIns="91425" rIns="91425" bIns="91425" anchor="ctr" anchorCtr="0">
             <a:noAutofit/>
           </a:bodyPr>
           <a:lstStyle/>
@@ -4502,6 +4681,7 @@
               <a:rPr lang="en"/>
               <a:t>‹#›</a:t>
             </a:fld>
+            <a:endParaRPr lang="en"/>
           </a:p>
         </p:txBody>
       </p:sp>
@@ -4514,11 +4694,11 @@
 </file>
 
 <file path=ppt/slideLayouts/slideLayout8.xml><?xml version="1.0" encoding="utf-8"?>
-<p:sldLayout xmlns:a="http://schemas.openxmlformats.org/drawingml/2006/main" xmlns:r="http://schemas.openxmlformats.org/officeDocument/2006/relationships" xmlns:mc="http://schemas.openxmlformats.org/markup-compatibility/2006" xmlns:mv="urn:schemas-microsoft-com:mac:vml" xmlns:p="http://schemas.openxmlformats.org/presentationml/2006/main" xmlns:c="http://schemas.openxmlformats.org/drawingml/2006/chart" xmlns:dgm="http://schemas.openxmlformats.org/drawingml/2006/diagram" xmlns:o="urn:schemas-microsoft-com:office:office" xmlns:v="urn:schemas-microsoft-com:vml" xmlns:pvml="urn:schemas-microsoft-com:office:powerpoint" xmlns:com="http://schemas.openxmlformats.org/drawingml/2006/compatibility" xmlns:p14="http://schemas.microsoft.com/office/powerpoint/2010/main">
+<p:sldLayout xmlns:a="http://schemas.openxmlformats.org/drawingml/2006/main" xmlns:r="http://schemas.openxmlformats.org/officeDocument/2006/relationships" xmlns:p="http://schemas.openxmlformats.org/presentationml/2006/main">
   <p:cSld name="Section Title and Description">
     <p:spTree>
       <p:nvGrpSpPr>
-        <p:cNvPr id="58" name="Shape 58"/>
+        <p:cNvPr id="1" name="Shape 58"/>
         <p:cNvGrpSpPr/>
         <p:nvPr/>
       </p:nvGrpSpPr>
@@ -4552,7 +4732,7 @@
           </a:ln>
         </p:spPr>
         <p:txBody>
-          <a:bodyPr anchorCtr="0" anchor="ctr" bIns="91425" lIns="91425" rIns="91425" tIns="91425">
+          <a:bodyPr lIns="91425" tIns="91425" rIns="91425" bIns="91425" anchor="ctr" anchorCtr="0">
             <a:noAutofit/>
           </a:bodyPr>
           <a:lstStyle/>
@@ -4563,9 +4743,6 @@
               </a:spcBef>
               <a:buNone/>
             </a:pPr>
-            <a:r>
-              <a:t/>
-            </a:r>
             <a:endParaRPr/>
           </a:p>
         </p:txBody>
@@ -4585,21 +4762,23 @@
             <a:avLst/>
           </a:prstGeom>
           <a:noFill/>
-          <a:ln cap="flat" cmpd="sng" w="19050">
+          <a:ln w="19050" cap="flat" cmpd="sng">
             <a:solidFill>
               <a:schemeClr val="lt1"/>
             </a:solidFill>
             <a:prstDash val="solid"/>
             <a:round/>
-            <a:headEnd len="med" w="med" type="none"/>
-            <a:tailEnd len="med" w="med" type="none"/>
+            <a:headEnd type="none" w="med" len="med"/>
+            <a:tailEnd type="none" w="med" len="med"/>
           </a:ln>
         </p:spPr>
       </p:cxnSp>
       <p:sp>
         <p:nvSpPr>
           <p:cNvPr id="61" name="Shape 61"/>
-          <p:cNvSpPr txBox="1"/>
+          <p:cNvSpPr txBox="1">
+            <a:spLocks noGrp="1"/>
+          </p:cNvSpPr>
           <p:nvPr>
             <p:ph type="title"/>
           </p:nvPr>
@@ -4614,7 +4793,7 @@
           </a:prstGeom>
         </p:spPr>
         <p:txBody>
-          <a:bodyPr anchorCtr="0" anchor="b" bIns="91425" lIns="91425" rIns="91425" tIns="91425"/>
+          <a:bodyPr lIns="91425" tIns="91425" rIns="91425" bIns="91425" anchor="b" anchorCtr="0"/>
           <a:lstStyle>
             <a:lvl1pPr algn="ctr">
               <a:spcBef>
@@ -4680,15 +4859,19 @@
               <a:defRPr sz="4200"/>
             </a:lvl9pPr>
           </a:lstStyle>
-          <a:p/>
+          <a:p>
+            <a:endParaRPr/>
+          </a:p>
         </p:txBody>
       </p:sp>
       <p:sp>
         <p:nvSpPr>
           <p:cNvPr id="62" name="Shape 62"/>
-          <p:cNvSpPr txBox="1"/>
+          <p:cNvSpPr txBox="1">
+            <a:spLocks noGrp="1"/>
+          </p:cNvSpPr>
           <p:nvPr>
-            <p:ph idx="1" type="subTitle"/>
+            <p:ph type="subTitle" idx="1"/>
           </p:nvPr>
         </p:nvSpPr>
         <p:spPr>
@@ -4701,7 +4884,7 @@
           </a:prstGeom>
         </p:spPr>
         <p:txBody>
-          <a:bodyPr anchorCtr="0" anchor="t" bIns="91425" lIns="91425" rIns="91425" tIns="91425"/>
+          <a:bodyPr lIns="91425" tIns="91425" rIns="91425" bIns="91425" anchor="t" anchorCtr="0"/>
           <a:lstStyle>
             <a:lvl1pPr algn="ctr">
               <a:lnSpc>
@@ -4830,15 +5013,19 @@
               <a:defRPr sz="2100"/>
             </a:lvl9pPr>
           </a:lstStyle>
-          <a:p/>
+          <a:p>
+            <a:endParaRPr/>
+          </a:p>
         </p:txBody>
       </p:sp>
       <p:sp>
         <p:nvSpPr>
           <p:cNvPr id="63" name="Shape 63"/>
-          <p:cNvSpPr txBox="1"/>
+          <p:cNvSpPr txBox="1">
+            <a:spLocks noGrp="1"/>
+          </p:cNvSpPr>
           <p:nvPr>
-            <p:ph idx="2" type="body"/>
+            <p:ph type="body" idx="2"/>
           </p:nvPr>
         </p:nvSpPr>
         <p:spPr>
@@ -4851,7 +5038,7 @@
           </a:prstGeom>
         </p:spPr>
         <p:txBody>
-          <a:bodyPr anchorCtr="0" anchor="ctr" bIns="91425" lIns="91425" rIns="91425" tIns="91425"/>
+          <a:bodyPr lIns="91425" tIns="91425" rIns="91425" bIns="91425" anchor="ctr" anchorCtr="0"/>
           <a:lstStyle>
             <a:lvl1pPr>
               <a:spcBef>
@@ -4971,15 +5158,19 @@
               </a:defRPr>
             </a:lvl9pPr>
           </a:lstStyle>
-          <a:p/>
+          <a:p>
+            <a:endParaRPr/>
+          </a:p>
         </p:txBody>
       </p:sp>
       <p:sp>
         <p:nvSpPr>
           <p:cNvPr id="64" name="Shape 64"/>
-          <p:cNvSpPr txBox="1"/>
+          <p:cNvSpPr txBox="1">
+            <a:spLocks noGrp="1"/>
+          </p:cNvSpPr>
           <p:nvPr>
-            <p:ph idx="12" type="sldNum"/>
+            <p:ph type="sldNum" idx="12"/>
           </p:nvPr>
         </p:nvSpPr>
         <p:spPr>
@@ -4992,7 +5183,7 @@
           </a:prstGeom>
         </p:spPr>
         <p:txBody>
-          <a:bodyPr anchorCtr="0" anchor="ctr" bIns="91425" lIns="91425" rIns="91425" tIns="91425">
+          <a:bodyPr lIns="91425" tIns="91425" rIns="91425" bIns="91425" anchor="ctr" anchorCtr="0">
             <a:noAutofit/>
           </a:bodyPr>
           <a:lstStyle/>
@@ -5007,6 +5198,7 @@
               <a:rPr lang="en"/>
               <a:t>‹#›</a:t>
             </a:fld>
+            <a:endParaRPr lang="en"/>
           </a:p>
         </p:txBody>
       </p:sp>
@@ -5019,11 +5211,11 @@
 </file>
 
 <file path=ppt/slideLayouts/slideLayout9.xml><?xml version="1.0" encoding="utf-8"?>
-<p:sldLayout xmlns:a="http://schemas.openxmlformats.org/drawingml/2006/main" xmlns:r="http://schemas.openxmlformats.org/officeDocument/2006/relationships" xmlns:mc="http://schemas.openxmlformats.org/markup-compatibility/2006" xmlns:mv="urn:schemas-microsoft-com:mac:vml" xmlns:p="http://schemas.openxmlformats.org/presentationml/2006/main" xmlns:c="http://schemas.openxmlformats.org/drawingml/2006/chart" xmlns:dgm="http://schemas.openxmlformats.org/drawingml/2006/diagram" xmlns:o="urn:schemas-microsoft-com:office:office" xmlns:v="urn:schemas-microsoft-com:vml" xmlns:pvml="urn:schemas-microsoft-com:office:powerpoint" xmlns:com="http://schemas.openxmlformats.org/drawingml/2006/compatibility" xmlns:p14="http://schemas.microsoft.com/office/powerpoint/2010/main">
+<p:sldLayout xmlns:a="http://schemas.openxmlformats.org/drawingml/2006/main" xmlns:r="http://schemas.openxmlformats.org/officeDocument/2006/relationships" xmlns:p="http://schemas.openxmlformats.org/presentationml/2006/main">
   <p:cSld name="Caption">
     <p:spTree>
       <p:nvGrpSpPr>
-        <p:cNvPr id="65" name="Shape 65"/>
+        <p:cNvPr id="1" name="Shape 65"/>
         <p:cNvGrpSpPr/>
         <p:nvPr/>
       </p:nvGrpSpPr>
@@ -5038,9 +5230,11 @@
       <p:sp>
         <p:nvSpPr>
           <p:cNvPr id="66" name="Shape 66"/>
-          <p:cNvSpPr txBox="1"/>
+          <p:cNvSpPr txBox="1">
+            <a:spLocks noGrp="1"/>
+          </p:cNvSpPr>
           <p:nvPr>
-            <p:ph idx="1" type="body"/>
+            <p:ph type="body" idx="1"/>
           </p:nvPr>
         </p:nvSpPr>
         <p:spPr>
@@ -5053,7 +5247,7 @@
           </a:prstGeom>
         </p:spPr>
         <p:txBody>
-          <a:bodyPr anchorCtr="0" anchor="ctr" bIns="91425" lIns="91425" rIns="91425" tIns="91425"/>
+          <a:bodyPr lIns="91425" tIns="91425" rIns="91425" bIns="91425" anchor="ctr" anchorCtr="0"/>
           <a:lstStyle>
             <a:lvl1pPr>
               <a:lnSpc>
@@ -5069,15 +5263,19 @@
               <a:defRPr/>
             </a:lvl1pPr>
           </a:lstStyle>
-          <a:p/>
+          <a:p>
+            <a:endParaRPr/>
+          </a:p>
         </p:txBody>
       </p:sp>
       <p:sp>
         <p:nvSpPr>
           <p:cNvPr id="67" name="Shape 67"/>
-          <p:cNvSpPr txBox="1"/>
+          <p:cNvSpPr txBox="1">
+            <a:spLocks noGrp="1"/>
+          </p:cNvSpPr>
           <p:nvPr>
-            <p:ph idx="12" type="sldNum"/>
+            <p:ph type="sldNum" idx="12"/>
           </p:nvPr>
         </p:nvSpPr>
         <p:spPr>
@@ -5090,7 +5288,7 @@
           </a:prstGeom>
         </p:spPr>
         <p:txBody>
-          <a:bodyPr anchorCtr="0" anchor="ctr" bIns="91425" lIns="91425" rIns="91425" tIns="91425">
+          <a:bodyPr lIns="91425" tIns="91425" rIns="91425" bIns="91425" anchor="ctr" anchorCtr="0">
             <a:noAutofit/>
           </a:bodyPr>
           <a:lstStyle/>
@@ -5109,6 +5307,11 @@
               </a:rPr>
               <a:t>‹#›</a:t>
             </a:fld>
+            <a:endParaRPr lang="en">
+              <a:solidFill>
+                <a:schemeClr val="dk2"/>
+              </a:solidFill>
+            </a:endParaRPr>
           </a:p>
         </p:txBody>
       </p:sp>
@@ -5121,18 +5324,19 @@
 </file>
 
 <file path=ppt/slideMasters/slideMaster1.xml><?xml version="1.0" encoding="utf-8"?>
-<p:sldMaster xmlns:a="http://schemas.openxmlformats.org/drawingml/2006/main" xmlns:r="http://schemas.openxmlformats.org/officeDocument/2006/relationships" xmlns:mc="http://schemas.openxmlformats.org/markup-compatibility/2006" xmlns:mv="urn:schemas-microsoft-com:mac:vml" xmlns:p="http://schemas.openxmlformats.org/presentationml/2006/main" xmlns:c="http://schemas.openxmlformats.org/drawingml/2006/chart" xmlns:dgm="http://schemas.openxmlformats.org/drawingml/2006/diagram" xmlns:o="urn:schemas-microsoft-com:office:office" xmlns:v="urn:schemas-microsoft-com:vml" xmlns:pvml="urn:schemas-microsoft-com:office:powerpoint" xmlns:com="http://schemas.openxmlformats.org/drawingml/2006/compatibility" xmlns:p14="http://schemas.microsoft.com/office/powerpoint/2010/main">
+<p:sldMaster xmlns:a="http://schemas.openxmlformats.org/drawingml/2006/main" xmlns:r="http://schemas.openxmlformats.org/officeDocument/2006/relationships" xmlns:p="http://schemas.openxmlformats.org/presentationml/2006/main">
   <p:cSld>
     <p:bg>
       <p:bgPr>
         <a:solidFill>
           <a:schemeClr val="lt1"/>
         </a:solidFill>
+        <a:effectLst/>
       </p:bgPr>
     </p:bg>
     <p:spTree>
       <p:nvGrpSpPr>
-        <p:cNvPr id="4" name="Shape 4"/>
+        <p:cNvPr id="1" name="Shape 4"/>
         <p:cNvGrpSpPr/>
         <p:nvPr/>
       </p:nvGrpSpPr>
@@ -5147,7 +5351,9 @@
       <p:sp>
         <p:nvSpPr>
           <p:cNvPr id="5" name="Shape 5"/>
-          <p:cNvSpPr txBox="1"/>
+          <p:cNvSpPr txBox="1">
+            <a:spLocks noGrp="1"/>
+          </p:cNvSpPr>
           <p:nvPr>
             <p:ph type="title"/>
           </p:nvPr>
@@ -5166,7 +5372,7 @@
           </a:ln>
         </p:spPr>
         <p:txBody>
-          <a:bodyPr anchorCtr="0" anchor="t" bIns="91425" lIns="91425" rIns="91425" tIns="91425"/>
+          <a:bodyPr lIns="91425" tIns="91425" rIns="91425" bIns="91425" anchor="t" anchorCtr="0"/>
           <a:lstStyle>
             <a:lvl1pPr>
               <a:spcBef>
@@ -5349,15 +5555,19 @@
               </a:defRPr>
             </a:lvl9pPr>
           </a:lstStyle>
-          <a:p/>
+          <a:p>
+            <a:endParaRPr/>
+          </a:p>
         </p:txBody>
       </p:sp>
       <p:sp>
         <p:nvSpPr>
           <p:cNvPr id="6" name="Shape 6"/>
-          <p:cNvSpPr txBox="1"/>
+          <p:cNvSpPr txBox="1">
+            <a:spLocks noGrp="1"/>
+          </p:cNvSpPr>
           <p:nvPr>
-            <p:ph idx="1" type="body"/>
+            <p:ph type="body" idx="1"/>
           </p:nvPr>
         </p:nvSpPr>
         <p:spPr>
@@ -5374,7 +5584,7 @@
           </a:ln>
         </p:spPr>
         <p:txBody>
-          <a:bodyPr anchorCtr="0" anchor="t" bIns="91425" lIns="91425" rIns="91425" tIns="91425"/>
+          <a:bodyPr lIns="91425" tIns="91425" rIns="91425" bIns="91425" anchor="t" anchorCtr="0"/>
           <a:lstStyle>
             <a:lvl1pPr>
               <a:lnSpc>
@@ -5594,15 +5804,19 @@
               </a:defRPr>
             </a:lvl9pPr>
           </a:lstStyle>
-          <a:p/>
+          <a:p>
+            <a:endParaRPr/>
+          </a:p>
         </p:txBody>
       </p:sp>
       <p:sp>
         <p:nvSpPr>
           <p:cNvPr id="7" name="Shape 7"/>
-          <p:cNvSpPr txBox="1"/>
+          <p:cNvSpPr txBox="1">
+            <a:spLocks noGrp="1"/>
+          </p:cNvSpPr>
           <p:nvPr>
-            <p:ph idx="12" type="sldNum"/>
+            <p:ph type="sldNum" idx="12"/>
           </p:nvPr>
         </p:nvSpPr>
         <p:spPr>
@@ -5619,7 +5833,7 @@
           </a:ln>
         </p:spPr>
         <p:txBody>
-          <a:bodyPr anchorCtr="0" anchor="ctr" bIns="91425" lIns="91425" rIns="91425" tIns="91425">
+          <a:bodyPr lIns="91425" tIns="91425" rIns="91425" bIns="91425" anchor="ctr" anchorCtr="0">
             <a:noAutofit/>
           </a:bodyPr>
           <a:lstStyle/>
@@ -5642,12 +5856,21 @@
               </a:rPr>
               <a:t>‹#›</a:t>
             </a:fld>
+            <a:endParaRPr lang="en" sz="1000">
+              <a:solidFill>
+                <a:schemeClr val="lt1"/>
+              </a:solidFill>
+              <a:latin typeface="Roboto"/>
+              <a:ea typeface="Roboto"/>
+              <a:cs typeface="Roboto"/>
+              <a:sym typeface="Roboto"/>
+            </a:endParaRPr>
           </a:p>
         </p:txBody>
       </p:sp>
     </p:spTree>
   </p:cSld>
-  <p:clrMap accent1="accent1" accent2="accent2" accent3="accent3" accent4="accent4" accent5="accent5" accent6="accent6" bg1="lt1" bg2="dk2" tx1="dk1" tx2="lt2" folHlink="folHlink" hlink="hlink"/>
+  <p:clrMap bg1="lt1" tx1="dk1" bg2="dk2" tx2="lt2" accent1="accent1" accent2="accent2" accent3="accent3" accent4="accent4" accent5="accent5" accent6="accent6" hlink="hlink" folHlink="folHlink"/>
   <p:sldLayoutIdLst>
     <p:sldLayoutId id="2147483648" r:id="rId1"/>
     <p:sldLayoutId id="2147483649" r:id="rId2"/>
@@ -5661,10 +5884,10 @@
     <p:sldLayoutId id="2147483657" r:id="rId10"/>
     <p:sldLayoutId id="2147483658" r:id="rId11"/>
   </p:sldLayoutIdLst>
-  <p:hf dt="0" ftr="0" hdr="0" sldNum="0"/>
+  <p:hf sldNum="0" hdr="0" ftr="0" dt="0"/>
   <p:txStyles>
     <p:titleStyle>
-      <a:defPPr marR="0" rtl="0" algn="l">
+      <a:defPPr marR="0" algn="l" rtl="0">
         <a:lnSpc>
           <a:spcPct val="100000"/>
         </a:lnSpc>
@@ -5675,7 +5898,7 @@
           <a:spcPts val="0"/>
         </a:spcAft>
       </a:defPPr>
-      <a:lvl1pPr marR="0" rtl="0" algn="l">
+      <a:lvl1pPr marR="0" algn="l" rtl="0">
         <a:lnSpc>
           <a:spcPct val="100000"/>
         </a:lnSpc>
@@ -5686,7 +5909,7 @@
           <a:spcPts val="0"/>
         </a:spcAft>
         <a:buNone/>
-        <a:defRPr b="0" baseline="0" i="0" sz="1400" u="none" cap="none" strike="noStrike">
+        <a:defRPr sz="1400" b="0" i="0" u="none" strike="noStrike" cap="none" baseline="0">
           <a:solidFill>
             <a:srgbClr val="000000"/>
           </a:solidFill>
@@ -5699,7 +5922,7 @@
       </a:lvl1pPr>
     </p:titleStyle>
     <p:bodyStyle>
-      <a:defPPr marR="0" rtl="0" algn="l">
+      <a:defPPr marR="0" algn="l" rtl="0">
         <a:lnSpc>
           <a:spcPct val="100000"/>
         </a:lnSpc>
@@ -5710,7 +5933,7 @@
           <a:spcPts val="0"/>
         </a:spcAft>
       </a:defPPr>
-      <a:lvl1pPr marR="0" rtl="0" algn="l">
+      <a:lvl1pPr marR="0" algn="l" rtl="0">
         <a:lnSpc>
           <a:spcPct val="100000"/>
         </a:lnSpc>
@@ -5721,7 +5944,7 @@
           <a:spcPts val="0"/>
         </a:spcAft>
         <a:buNone/>
-        <a:defRPr b="0" baseline="0" i="0" sz="1400" u="none" cap="none" strike="noStrike">
+        <a:defRPr sz="1400" b="0" i="0" u="none" strike="noStrike" cap="none" baseline="0">
           <a:solidFill>
             <a:srgbClr val="000000"/>
           </a:solidFill>
@@ -5732,7 +5955,7 @@
           <a:rtl val="0"/>
         </a:defRPr>
       </a:lvl1pPr>
-      <a:lvl2pPr marR="0" rtl="0" algn="l">
+      <a:lvl2pPr marR="0" algn="l" rtl="0">
         <a:lnSpc>
           <a:spcPct val="100000"/>
         </a:lnSpc>
@@ -5743,7 +5966,7 @@
           <a:spcPts val="0"/>
         </a:spcAft>
         <a:buNone/>
-        <a:defRPr b="0" baseline="0" i="0" sz="1400" u="none" cap="none" strike="noStrike">
+        <a:defRPr sz="1400" b="0" i="0" u="none" strike="noStrike" cap="none" baseline="0">
           <a:solidFill>
             <a:srgbClr val="000000"/>
           </a:solidFill>
@@ -5754,7 +5977,7 @@
           <a:rtl val="0"/>
         </a:defRPr>
       </a:lvl2pPr>
-      <a:lvl3pPr marR="0" rtl="0" algn="l">
+      <a:lvl3pPr marR="0" algn="l" rtl="0">
         <a:lnSpc>
           <a:spcPct val="100000"/>
         </a:lnSpc>
@@ -5765,7 +5988,7 @@
           <a:spcPts val="0"/>
         </a:spcAft>
         <a:buNone/>
-        <a:defRPr b="0" baseline="0" i="0" sz="1400" u="none" cap="none" strike="noStrike">
+        <a:defRPr sz="1400" b="0" i="0" u="none" strike="noStrike" cap="none" baseline="0">
           <a:solidFill>
             <a:srgbClr val="000000"/>
           </a:solidFill>
@@ -5776,7 +5999,7 @@
           <a:rtl val="0"/>
         </a:defRPr>
       </a:lvl3pPr>
-      <a:lvl4pPr marR="0" rtl="0" algn="l">
+      <a:lvl4pPr marR="0" algn="l" rtl="0">
         <a:lnSpc>
           <a:spcPct val="100000"/>
         </a:lnSpc>
@@ -5787,7 +6010,7 @@
           <a:spcPts val="0"/>
         </a:spcAft>
         <a:buNone/>
-        <a:defRPr b="0" baseline="0" i="0" sz="1400" u="none" cap="none" strike="noStrike">
+        <a:defRPr sz="1400" b="0" i="0" u="none" strike="noStrike" cap="none" baseline="0">
           <a:solidFill>
             <a:srgbClr val="000000"/>
           </a:solidFill>
@@ -5798,7 +6021,7 @@
           <a:rtl val="0"/>
         </a:defRPr>
       </a:lvl4pPr>
-      <a:lvl5pPr marR="0" rtl="0" algn="l">
+      <a:lvl5pPr marR="0" algn="l" rtl="0">
         <a:lnSpc>
           <a:spcPct val="100000"/>
         </a:lnSpc>
@@ -5809,7 +6032,7 @@
           <a:spcPts val="0"/>
         </a:spcAft>
         <a:buNone/>
-        <a:defRPr b="0" baseline="0" i="0" sz="1400" u="none" cap="none" strike="noStrike">
+        <a:defRPr sz="1400" b="0" i="0" u="none" strike="noStrike" cap="none" baseline="0">
           <a:solidFill>
             <a:srgbClr val="000000"/>
           </a:solidFill>
@@ -5820,7 +6043,7 @@
           <a:rtl val="0"/>
         </a:defRPr>
       </a:lvl5pPr>
-      <a:lvl6pPr marR="0" rtl="0" algn="l">
+      <a:lvl6pPr marR="0" algn="l" rtl="0">
         <a:lnSpc>
           <a:spcPct val="100000"/>
         </a:lnSpc>
@@ -5831,7 +6054,7 @@
           <a:spcPts val="0"/>
         </a:spcAft>
         <a:buNone/>
-        <a:defRPr b="0" baseline="0" i="0" sz="1400" u="none" cap="none" strike="noStrike">
+        <a:defRPr sz="1400" b="0" i="0" u="none" strike="noStrike" cap="none" baseline="0">
           <a:solidFill>
             <a:srgbClr val="000000"/>
           </a:solidFill>
@@ -5842,7 +6065,7 @@
           <a:rtl val="0"/>
         </a:defRPr>
       </a:lvl6pPr>
-      <a:lvl7pPr marR="0" rtl="0" algn="l">
+      <a:lvl7pPr marR="0" algn="l" rtl="0">
         <a:lnSpc>
           <a:spcPct val="100000"/>
         </a:lnSpc>
@@ -5853,7 +6076,7 @@
           <a:spcPts val="0"/>
         </a:spcAft>
         <a:buNone/>
-        <a:defRPr b="0" baseline="0" i="0" sz="1400" u="none" cap="none" strike="noStrike">
+        <a:defRPr sz="1400" b="0" i="0" u="none" strike="noStrike" cap="none" baseline="0">
           <a:solidFill>
             <a:srgbClr val="000000"/>
           </a:solidFill>
@@ -5864,7 +6087,7 @@
           <a:rtl val="0"/>
         </a:defRPr>
       </a:lvl7pPr>
-      <a:lvl8pPr marR="0" rtl="0" algn="l">
+      <a:lvl8pPr marR="0" algn="l" rtl="0">
         <a:lnSpc>
           <a:spcPct val="100000"/>
         </a:lnSpc>
@@ -5875,7 +6098,7 @@
           <a:spcPts val="0"/>
         </a:spcAft>
         <a:buNone/>
-        <a:defRPr b="0" baseline="0" i="0" sz="1400" u="none" cap="none" strike="noStrike">
+        <a:defRPr sz="1400" b="0" i="0" u="none" strike="noStrike" cap="none" baseline="0">
           <a:solidFill>
             <a:srgbClr val="000000"/>
           </a:solidFill>
@@ -5886,7 +6109,7 @@
           <a:rtl val="0"/>
         </a:defRPr>
       </a:lvl8pPr>
-      <a:lvl9pPr marR="0" rtl="0" algn="l">
+      <a:lvl9pPr marR="0" algn="l" rtl="0">
         <a:lnSpc>
           <a:spcPct val="100000"/>
         </a:lnSpc>
@@ -5897,7 +6120,7 @@
           <a:spcPts val="0"/>
         </a:spcAft>
         <a:buNone/>
-        <a:defRPr b="0" baseline="0" i="0" sz="1400" u="none" cap="none" strike="noStrike">
+        <a:defRPr sz="1400" b="0" i="0" u="none" strike="noStrike" cap="none" baseline="0">
           <a:solidFill>
             <a:srgbClr val="000000"/>
           </a:solidFill>
@@ -5910,7 +6133,7 @@
       </a:lvl9pPr>
     </p:bodyStyle>
     <p:otherStyle>
-      <a:defPPr marR="0" rtl="0" algn="l">
+      <a:defPPr marR="0" algn="l" rtl="0">
         <a:lnSpc>
           <a:spcPct val="100000"/>
         </a:lnSpc>
@@ -5921,7 +6144,7 @@
           <a:spcPts val="0"/>
         </a:spcAft>
       </a:defPPr>
-      <a:lvl1pPr marR="0" rtl="0" algn="l">
+      <a:lvl1pPr marR="0" algn="l" rtl="0">
         <a:lnSpc>
           <a:spcPct val="100000"/>
         </a:lnSpc>
@@ -5932,7 +6155,7 @@
           <a:spcPts val="0"/>
         </a:spcAft>
         <a:buNone/>
-        <a:defRPr b="0" baseline="0" i="0" sz="1400" u="none" cap="none" strike="noStrike">
+        <a:defRPr sz="1400" b="0" i="0" u="none" strike="noStrike" cap="none" baseline="0">
           <a:solidFill>
             <a:srgbClr val="000000"/>
           </a:solidFill>
@@ -5943,7 +6166,7 @@
           <a:rtl val="0"/>
         </a:defRPr>
       </a:lvl1pPr>
-      <a:lvl2pPr marR="0" rtl="0" algn="l">
+      <a:lvl2pPr marR="0" algn="l" rtl="0">
         <a:lnSpc>
           <a:spcPct val="100000"/>
         </a:lnSpc>
@@ -5954,7 +6177,7 @@
           <a:spcPts val="0"/>
         </a:spcAft>
         <a:buNone/>
-        <a:defRPr b="0" baseline="0" i="0" sz="1400" u="none" cap="none" strike="noStrike">
+        <a:defRPr sz="1400" b="0" i="0" u="none" strike="noStrike" cap="none" baseline="0">
           <a:solidFill>
             <a:srgbClr val="000000"/>
           </a:solidFill>
@@ -5965,7 +6188,7 @@
           <a:rtl val="0"/>
         </a:defRPr>
       </a:lvl2pPr>
-      <a:lvl3pPr marR="0" rtl="0" algn="l">
+      <a:lvl3pPr marR="0" algn="l" rtl="0">
         <a:lnSpc>
           <a:spcPct val="100000"/>
         </a:lnSpc>
@@ -5976,7 +6199,7 @@
           <a:spcPts val="0"/>
         </a:spcAft>
         <a:buNone/>
-        <a:defRPr b="0" baseline="0" i="0" sz="1400" u="none" cap="none" strike="noStrike">
+        <a:defRPr sz="1400" b="0" i="0" u="none" strike="noStrike" cap="none" baseline="0">
           <a:solidFill>
             <a:srgbClr val="000000"/>
           </a:solidFill>
@@ -5987,7 +6210,7 @@
           <a:rtl val="0"/>
         </a:defRPr>
       </a:lvl3pPr>
-      <a:lvl4pPr marR="0" rtl="0" algn="l">
+      <a:lvl4pPr marR="0" algn="l" rtl="0">
         <a:lnSpc>
           <a:spcPct val="100000"/>
         </a:lnSpc>
@@ -5998,7 +6221,7 @@
           <a:spcPts val="0"/>
         </a:spcAft>
         <a:buNone/>
-        <a:defRPr b="0" baseline="0" i="0" sz="1400" u="none" cap="none" strike="noStrike">
+        <a:defRPr sz="1400" b="0" i="0" u="none" strike="noStrike" cap="none" baseline="0">
           <a:solidFill>
             <a:srgbClr val="000000"/>
           </a:solidFill>
@@ -6009,7 +6232,7 @@
           <a:rtl val="0"/>
         </a:defRPr>
       </a:lvl4pPr>
-      <a:lvl5pPr marR="0" rtl="0" algn="l">
+      <a:lvl5pPr marR="0" algn="l" rtl="0">
         <a:lnSpc>
           <a:spcPct val="100000"/>
         </a:lnSpc>
@@ -6020,7 +6243,7 @@
           <a:spcPts val="0"/>
         </a:spcAft>
         <a:buNone/>
-        <a:defRPr b="0" baseline="0" i="0" sz="1400" u="none" cap="none" strike="noStrike">
+        <a:defRPr sz="1400" b="0" i="0" u="none" strike="noStrike" cap="none" baseline="0">
           <a:solidFill>
             <a:srgbClr val="000000"/>
           </a:solidFill>
@@ -6031,7 +6254,7 @@
           <a:rtl val="0"/>
         </a:defRPr>
       </a:lvl5pPr>
-      <a:lvl6pPr marR="0" rtl="0" algn="l">
+      <a:lvl6pPr marR="0" algn="l" rtl="0">
         <a:lnSpc>
           <a:spcPct val="100000"/>
         </a:lnSpc>
@@ -6042,7 +6265,7 @@
           <a:spcPts val="0"/>
         </a:spcAft>
         <a:buNone/>
-        <a:defRPr b="0" baseline="0" i="0" sz="1400" u="none" cap="none" strike="noStrike">
+        <a:defRPr sz="1400" b="0" i="0" u="none" strike="noStrike" cap="none" baseline="0">
           <a:solidFill>
             <a:srgbClr val="000000"/>
           </a:solidFill>
@@ -6053,7 +6276,7 @@
           <a:rtl val="0"/>
         </a:defRPr>
       </a:lvl6pPr>
-      <a:lvl7pPr marR="0" rtl="0" algn="l">
+      <a:lvl7pPr marR="0" algn="l" rtl="0">
         <a:lnSpc>
           <a:spcPct val="100000"/>
         </a:lnSpc>
@@ -6064,7 +6287,7 @@
           <a:spcPts val="0"/>
         </a:spcAft>
         <a:buNone/>
-        <a:defRPr b="0" baseline="0" i="0" sz="1400" u="none" cap="none" strike="noStrike">
+        <a:defRPr sz="1400" b="0" i="0" u="none" strike="noStrike" cap="none" baseline="0">
           <a:solidFill>
             <a:srgbClr val="000000"/>
           </a:solidFill>
@@ -6075,7 +6298,7 @@
           <a:rtl val="0"/>
         </a:defRPr>
       </a:lvl7pPr>
-      <a:lvl8pPr marR="0" rtl="0" algn="l">
+      <a:lvl8pPr marR="0" algn="l" rtl="0">
         <a:lnSpc>
           <a:spcPct val="100000"/>
         </a:lnSpc>
@@ -6086,7 +6309,7 @@
           <a:spcPts val="0"/>
         </a:spcAft>
         <a:buNone/>
-        <a:defRPr b="0" baseline="0" i="0" sz="1400" u="none" cap="none" strike="noStrike">
+        <a:defRPr sz="1400" b="0" i="0" u="none" strike="noStrike" cap="none" baseline="0">
           <a:solidFill>
             <a:srgbClr val="000000"/>
           </a:solidFill>
@@ -6097,7 +6320,7 @@
           <a:rtl val="0"/>
         </a:defRPr>
       </a:lvl8pPr>
-      <a:lvl9pPr marR="0" rtl="0" algn="l">
+      <a:lvl9pPr marR="0" algn="l" rtl="0">
         <a:lnSpc>
           <a:spcPct val="100000"/>
         </a:lnSpc>
@@ -6108,7 +6331,7 @@
           <a:spcPts val="0"/>
         </a:spcAft>
         <a:buNone/>
-        <a:defRPr b="0" baseline="0" i="0" sz="1400" u="none" cap="none" strike="noStrike">
+        <a:defRPr sz="1400" b="0" i="0" u="none" strike="noStrike" cap="none" baseline="0">
           <a:solidFill>
             <a:srgbClr val="000000"/>
           </a:solidFill>
@@ -6125,11 +6348,11 @@
 </file>
 
 <file path=ppt/slides/slide1.xml><?xml version="1.0" encoding="utf-8"?>
-<p:sld xmlns:a="http://schemas.openxmlformats.org/drawingml/2006/main" xmlns:r="http://schemas.openxmlformats.org/officeDocument/2006/relationships" xmlns:mc="http://schemas.openxmlformats.org/markup-compatibility/2006" xmlns:mv="urn:schemas-microsoft-com:mac:vml" xmlns:p="http://schemas.openxmlformats.org/presentationml/2006/main" xmlns:c="http://schemas.openxmlformats.org/drawingml/2006/chart" xmlns:dgm="http://schemas.openxmlformats.org/drawingml/2006/diagram" xmlns:o="urn:schemas-microsoft-com:office:office" xmlns:v="urn:schemas-microsoft-com:vml" xmlns:pvml="urn:schemas-microsoft-com:office:powerpoint" xmlns:com="http://schemas.openxmlformats.org/drawingml/2006/compatibility" xmlns:p14="http://schemas.microsoft.com/office/powerpoint/2010/main">
+<p:sld xmlns:a="http://schemas.openxmlformats.org/drawingml/2006/main" xmlns:r="http://schemas.openxmlformats.org/officeDocument/2006/relationships" xmlns:p="http://schemas.openxmlformats.org/presentationml/2006/main">
   <p:cSld>
     <p:spTree>
       <p:nvGrpSpPr>
-        <p:cNvPr id="80" name="Shape 80"/>
+        <p:cNvPr id="1" name="Shape 80"/>
         <p:cNvGrpSpPr/>
         <p:nvPr/>
       </p:nvGrpSpPr>
@@ -6144,7 +6367,9 @@
       <p:sp>
         <p:nvSpPr>
           <p:cNvPr id="81" name="Shape 81"/>
-          <p:cNvSpPr txBox="1"/>
+          <p:cNvSpPr txBox="1">
+            <a:spLocks noGrp="1"/>
+          </p:cNvSpPr>
           <p:nvPr>
             <p:ph type="ctrTitle"/>
           </p:nvPr>
@@ -6159,7 +6384,7 @@
           </a:prstGeom>
         </p:spPr>
         <p:txBody>
-          <a:bodyPr anchorCtr="0" anchor="b" bIns="91425" lIns="91425" rIns="91425" tIns="91425">
+          <a:bodyPr lIns="91425" tIns="91425" rIns="91425" bIns="91425" anchor="b" anchorCtr="0">
             <a:noAutofit/>
           </a:bodyPr>
           <a:lstStyle/>
@@ -6180,9 +6405,11 @@
       <p:sp>
         <p:nvSpPr>
           <p:cNvPr id="82" name="Shape 82"/>
-          <p:cNvSpPr txBox="1"/>
+          <p:cNvSpPr txBox="1">
+            <a:spLocks noGrp="1"/>
+          </p:cNvSpPr>
           <p:nvPr>
-            <p:ph idx="1" type="subTitle"/>
+            <p:ph type="subTitle" idx="1"/>
           </p:nvPr>
         </p:nvSpPr>
         <p:spPr>
@@ -6195,12 +6422,12 @@
           </a:prstGeom>
         </p:spPr>
         <p:txBody>
-          <a:bodyPr anchorCtr="0" anchor="t" bIns="91425" lIns="91425" rIns="91425" tIns="91425">
+          <a:bodyPr lIns="91425" tIns="91425" rIns="91425" bIns="91425" anchor="t" anchorCtr="0">
             <a:noAutofit/>
           </a:bodyPr>
           <a:lstStyle/>
           <a:p>
-            <a:pPr rtl="0" algn="ctr">
+            <a:pPr algn="ctr" rtl="0">
               <a:spcBef>
                 <a:spcPts val="0"/>
               </a:spcBef>
@@ -6218,9 +6445,6 @@
               </a:spcBef>
               <a:buNone/>
             </a:pPr>
-            <a:r>
-              <a:t/>
-            </a:r>
             <a:endParaRPr/>
           </a:p>
           <a:p>
@@ -6242,18 +6466,18 @@
   <p:clrMapOvr>
     <a:masterClrMapping/>
   </p:clrMapOvr>
-  <p:transition spd="slow">
+  <p:transition xmlns:p14="http://schemas.microsoft.com/office/powerpoint/2010/main" spd="slow">
     <p:cut/>
   </p:transition>
 </p:sld>
 </file>
 
 <file path=ppt/slides/slide2.xml><?xml version="1.0" encoding="utf-8"?>
-<p:sld xmlns:a="http://schemas.openxmlformats.org/drawingml/2006/main" xmlns:r="http://schemas.openxmlformats.org/officeDocument/2006/relationships" xmlns:mc="http://schemas.openxmlformats.org/markup-compatibility/2006" xmlns:mv="urn:schemas-microsoft-com:mac:vml" xmlns:p="http://schemas.openxmlformats.org/presentationml/2006/main" xmlns:c="http://schemas.openxmlformats.org/drawingml/2006/chart" xmlns:dgm="http://schemas.openxmlformats.org/drawingml/2006/diagram" xmlns:o="urn:schemas-microsoft-com:office:office" xmlns:v="urn:schemas-microsoft-com:vml" xmlns:pvml="urn:schemas-microsoft-com:office:powerpoint" xmlns:com="http://schemas.openxmlformats.org/drawingml/2006/compatibility" xmlns:p14="http://schemas.microsoft.com/office/powerpoint/2010/main">
+<p:sld xmlns:a="http://schemas.openxmlformats.org/drawingml/2006/main" xmlns:r="http://schemas.openxmlformats.org/officeDocument/2006/relationships" xmlns:p="http://schemas.openxmlformats.org/presentationml/2006/main">
   <p:cSld>
     <p:spTree>
       <p:nvGrpSpPr>
-        <p:cNvPr id="86" name="Shape 86"/>
+        <p:cNvPr id="1" name="Shape 86"/>
         <p:cNvGrpSpPr/>
         <p:nvPr/>
       </p:nvGrpSpPr>
@@ -6268,7 +6492,9 @@
       <p:sp>
         <p:nvSpPr>
           <p:cNvPr id="87" name="Shape 87"/>
-          <p:cNvSpPr txBox="1"/>
+          <p:cNvSpPr txBox="1">
+            <a:spLocks noGrp="1"/>
+          </p:cNvSpPr>
           <p:nvPr>
             <p:ph type="title"/>
           </p:nvPr>
@@ -6283,7 +6509,7 @@
           </a:prstGeom>
         </p:spPr>
         <p:txBody>
-          <a:bodyPr anchorCtr="0" anchor="t" bIns="91425" lIns="91425" rIns="91425" tIns="91425">
+          <a:bodyPr lIns="91425" tIns="91425" rIns="91425" bIns="91425" anchor="t" anchorCtr="0">
             <a:noAutofit/>
           </a:bodyPr>
           <a:lstStyle/>
@@ -6304,9 +6530,11 @@
       <p:sp>
         <p:nvSpPr>
           <p:cNvPr id="88" name="Shape 88"/>
-          <p:cNvSpPr txBox="1"/>
+          <p:cNvSpPr txBox="1">
+            <a:spLocks noGrp="1"/>
+          </p:cNvSpPr>
           <p:nvPr>
-            <p:ph idx="1" type="body"/>
+            <p:ph type="body" idx="1"/>
           </p:nvPr>
         </p:nvSpPr>
         <p:spPr>
@@ -6322,102 +6550,151 @@
           </a:ln>
         </p:spPr>
         <p:txBody>
-          <a:bodyPr anchorCtr="0" anchor="t" bIns="91425" lIns="91425" rIns="91425" tIns="91425">
+          <a:bodyPr lIns="91425" tIns="91425" rIns="91425" bIns="91425" anchor="t" anchorCtr="0">
             <a:noAutofit/>
           </a:bodyPr>
           <a:lstStyle/>
           <a:p>
-            <a:pPr indent="-228600" lvl="0" marL="457200" rtl="0">
-              <a:spcBef>
-                <a:spcPts val="0"/>
-              </a:spcBef>
-              <a:buClr>
-                <a:srgbClr val="000000"/>
-              </a:buClr>
+            <a:pPr marL="285750" indent="-285750">
+              <a:buFont typeface="Arial"/>
+              <a:buChar char="•"/>
             </a:pPr>
             <a:r>
-              <a:rPr lang="en">
-                <a:solidFill>
-                  <a:srgbClr val="000000"/>
+              <a:rPr lang="en-US" dirty="0" err="1">
+                <a:solidFill>
+                  <a:schemeClr val="bg2">
+                    <a:lumMod val="50000"/>
+                  </a:schemeClr>
                 </a:solidFill>
               </a:rPr>
-              <a:t>UNTextbook Finder</a:t>
+              <a:t>UNTextbook</a:t>
+            </a:r>
+            <a:r>
+              <a:rPr lang="en-US" dirty="0">
+                <a:solidFill>
+                  <a:schemeClr val="bg2">
+                    <a:lumMod val="50000"/>
+                  </a:schemeClr>
+                </a:solidFill>
+              </a:rPr>
+              <a:t> Finder</a:t>
             </a:r>
           </a:p>
           <a:p>
-            <a:pPr indent="-228600" lvl="0" marL="457200" rtl="0">
-              <a:spcBef>
-                <a:spcPts val="0"/>
-              </a:spcBef>
-              <a:spcAft>
-                <a:spcPts val="0"/>
-              </a:spcAft>
-              <a:buClr>
-                <a:srgbClr val="000000"/>
-              </a:buClr>
+            <a:pPr marL="285750" indent="-285750">
+              <a:buFont typeface="Arial"/>
+              <a:buChar char="•"/>
             </a:pPr>
             <a:r>
-              <a:rPr lang="en">
-                <a:solidFill>
-                  <a:srgbClr val="000000"/>
+              <a:rPr lang="en-US" dirty="0" err="1">
+                <a:solidFill>
+                  <a:schemeClr val="bg2">
+                    <a:lumMod val="50000"/>
+                  </a:schemeClr>
                 </a:solidFill>
               </a:rPr>
-              <a:t>Voertman’s, UNT Bookstore, Amazon, and Chegg</a:t>
+              <a:t>Voertman’s</a:t>
             </a:r>
+            <a:r>
+              <a:rPr lang="en-US" dirty="0">
+                <a:solidFill>
+                  <a:schemeClr val="bg2">
+                    <a:lumMod val="50000"/>
+                  </a:schemeClr>
+                </a:solidFill>
+              </a:rPr>
+              <a:t>, UNT Bookstore, Amazon, and </a:t>
+            </a:r>
+            <a:r>
+              <a:rPr lang="en-US" dirty="0" err="1">
+                <a:solidFill>
+                  <a:schemeClr val="bg2">
+                    <a:lumMod val="50000"/>
+                  </a:schemeClr>
+                </a:solidFill>
+              </a:rPr>
+              <a:t>Chegg</a:t>
+            </a:r>
+            <a:endParaRPr lang="en-US" dirty="0">
+              <a:solidFill>
+                <a:schemeClr val="bg2">
+                  <a:lumMod val="50000"/>
+                </a:schemeClr>
+              </a:solidFill>
+            </a:endParaRPr>
           </a:p>
           <a:p>
-            <a:pPr indent="-228600" lvl="0" marL="457200" rtl="0">
-              <a:spcBef>
-                <a:spcPts val="0"/>
-              </a:spcBef>
-              <a:buClr>
-                <a:srgbClr val="000000"/>
-              </a:buClr>
+            <a:pPr marL="285750" indent="-285750">
+              <a:buFont typeface="Arial"/>
+              <a:buChar char="•"/>
             </a:pPr>
             <a:r>
-              <a:rPr lang="en">
-                <a:solidFill>
-                  <a:srgbClr val="000000"/>
+              <a:rPr lang="en-US" dirty="0">
+                <a:solidFill>
+                  <a:schemeClr val="bg2">
+                    <a:lumMod val="50000"/>
+                  </a:schemeClr>
                 </a:solidFill>
               </a:rPr>
               <a:t>Uses Python for web scraping</a:t>
             </a:r>
           </a:p>
           <a:p>
-            <a:pPr indent="-228600" lvl="0" marL="457200" rtl="0">
-              <a:spcBef>
-                <a:spcPts val="0"/>
-              </a:spcBef>
-              <a:buClr>
-                <a:srgbClr val="000000"/>
-              </a:buClr>
+            <a:pPr marL="285750" indent="-285750">
+              <a:buFont typeface="Arial"/>
+              <a:buChar char="•"/>
             </a:pPr>
             <a:r>
-              <a:rPr lang="en">
-                <a:solidFill>
-                  <a:srgbClr val="000000"/>
+              <a:rPr lang="en-US" dirty="0" err="1">
+                <a:solidFill>
+                  <a:schemeClr val="bg2">
+                    <a:lumMod val="50000"/>
+                  </a:schemeClr>
                 </a:solidFill>
               </a:rPr>
-              <a:t>Scrapy framework</a:t>
+              <a:t>Scrapy</a:t>
+            </a:r>
+            <a:r>
+              <a:rPr lang="en-US" dirty="0">
+                <a:solidFill>
+                  <a:schemeClr val="bg2">
+                    <a:lumMod val="50000"/>
+                  </a:schemeClr>
+                </a:solidFill>
+              </a:rPr>
+              <a:t> framework</a:t>
             </a:r>
           </a:p>
           <a:p>
-            <a:pPr indent="-228600" lvl="0" marL="457200" rtl="0">
-              <a:spcBef>
-                <a:spcPts val="0"/>
-              </a:spcBef>
-              <a:buClr>
-                <a:srgbClr val="000000"/>
-              </a:buClr>
+            <a:pPr marL="285750" indent="-285750">
+              <a:buFont typeface="Arial"/>
+              <a:buChar char="•"/>
             </a:pPr>
             <a:r>
-              <a:rPr lang="en">
-                <a:solidFill>
-                  <a:srgbClr val="000000"/>
+              <a:rPr lang="en-US" dirty="0">
+                <a:solidFill>
+                  <a:schemeClr val="bg2">
+                    <a:lumMod val="50000"/>
+                  </a:schemeClr>
                 </a:solidFill>
               </a:rPr>
               <a:t>JSON files will be used to store the scraped data</a:t>
             </a:r>
+          </a:p>
+          <a:p>
+            <a:pPr marL="457200" lvl="0" indent="-228600" rtl="0">
+              <a:spcBef>
+                <a:spcPts val="0"/>
+              </a:spcBef>
+              <a:buClr>
+                <a:srgbClr val="000000"/>
+              </a:buClr>
+            </a:pPr>
+            <a:endParaRPr lang="en" dirty="0">
+              <a:solidFill>
+                <a:srgbClr val="000000"/>
+              </a:solidFill>
+            </a:endParaRPr>
           </a:p>
         </p:txBody>
       </p:sp>
@@ -6426,18 +6703,18 @@
   <p:clrMapOvr>
     <a:masterClrMapping/>
   </p:clrMapOvr>
-  <p:transition spd="slow">
+  <p:transition xmlns:p14="http://schemas.microsoft.com/office/powerpoint/2010/main" spd="slow">
     <p:cut/>
   </p:transition>
 </p:sld>
 </file>
 
 <file path=ppt/slides/slide3.xml><?xml version="1.0" encoding="utf-8"?>
-<p:sld xmlns:a="http://schemas.openxmlformats.org/drawingml/2006/main" xmlns:r="http://schemas.openxmlformats.org/officeDocument/2006/relationships" xmlns:mc="http://schemas.openxmlformats.org/markup-compatibility/2006" xmlns:mv="urn:schemas-microsoft-com:mac:vml" xmlns:p="http://schemas.openxmlformats.org/presentationml/2006/main" xmlns:c="http://schemas.openxmlformats.org/drawingml/2006/chart" xmlns:dgm="http://schemas.openxmlformats.org/drawingml/2006/diagram" xmlns:o="urn:schemas-microsoft-com:office:office" xmlns:v="urn:schemas-microsoft-com:vml" xmlns:pvml="urn:schemas-microsoft-com:office:powerpoint" xmlns:com="http://schemas.openxmlformats.org/drawingml/2006/compatibility" xmlns:p14="http://schemas.microsoft.com/office/powerpoint/2010/main">
+<p:sld xmlns:a="http://schemas.openxmlformats.org/drawingml/2006/main" xmlns:r="http://schemas.openxmlformats.org/officeDocument/2006/relationships" xmlns:p="http://schemas.openxmlformats.org/presentationml/2006/main">
   <p:cSld>
     <p:spTree>
       <p:nvGrpSpPr>
-        <p:cNvPr id="92" name="Shape 92"/>
+        <p:cNvPr id="1" name="Shape 92"/>
         <p:cNvGrpSpPr/>
         <p:nvPr/>
       </p:nvGrpSpPr>
@@ -6452,7 +6729,9 @@
       <p:sp>
         <p:nvSpPr>
           <p:cNvPr id="93" name="Shape 93"/>
-          <p:cNvSpPr txBox="1"/>
+          <p:cNvSpPr txBox="1">
+            <a:spLocks noGrp="1"/>
+          </p:cNvSpPr>
           <p:nvPr>
             <p:ph type="title"/>
           </p:nvPr>
@@ -6467,7 +6746,7 @@
           </a:prstGeom>
         </p:spPr>
         <p:txBody>
-          <a:bodyPr anchorCtr="0" anchor="t" bIns="91425" lIns="91425" rIns="91425" tIns="91425">
+          <a:bodyPr lIns="91425" tIns="91425" rIns="91425" bIns="91425" anchor="t" anchorCtr="0">
             <a:noAutofit/>
           </a:bodyPr>
           <a:lstStyle/>
@@ -6488,9 +6767,11 @@
       <p:sp>
         <p:nvSpPr>
           <p:cNvPr id="94" name="Shape 94"/>
-          <p:cNvSpPr txBox="1"/>
+          <p:cNvSpPr txBox="1">
+            <a:spLocks noGrp="1"/>
+          </p:cNvSpPr>
           <p:nvPr>
-            <p:ph idx="1" type="body"/>
+            <p:ph type="body" idx="1"/>
           </p:nvPr>
         </p:nvSpPr>
         <p:spPr>
@@ -6503,7 +6784,7 @@
           </a:prstGeom>
         </p:spPr>
         <p:txBody>
-          <a:bodyPr anchorCtr="0" anchor="t" bIns="91425" lIns="91425" rIns="91425" tIns="91425">
+          <a:bodyPr lIns="91425" tIns="91425" rIns="91425" bIns="91425" anchor="t" anchorCtr="0">
             <a:noAutofit/>
           </a:bodyPr>
           <a:lstStyle/>
@@ -6647,18 +6928,18 @@
   <p:clrMapOvr>
     <a:masterClrMapping/>
   </p:clrMapOvr>
-  <p:transition spd="slow">
+  <p:transition xmlns:p14="http://schemas.microsoft.com/office/powerpoint/2010/main" spd="slow">
     <p:cut/>
   </p:transition>
 </p:sld>
 </file>
 
 <file path=ppt/slides/slide4.xml><?xml version="1.0" encoding="utf-8"?>
-<p:sld xmlns:a="http://schemas.openxmlformats.org/drawingml/2006/main" xmlns:r="http://schemas.openxmlformats.org/officeDocument/2006/relationships" xmlns:mc="http://schemas.openxmlformats.org/markup-compatibility/2006" xmlns:mv="urn:schemas-microsoft-com:mac:vml" xmlns:p="http://schemas.openxmlformats.org/presentationml/2006/main" xmlns:c="http://schemas.openxmlformats.org/drawingml/2006/chart" xmlns:dgm="http://schemas.openxmlformats.org/drawingml/2006/diagram" xmlns:o="urn:schemas-microsoft-com:office:office" xmlns:v="urn:schemas-microsoft-com:vml" xmlns:pvml="urn:schemas-microsoft-com:office:powerpoint" xmlns:com="http://schemas.openxmlformats.org/drawingml/2006/compatibility" xmlns:p14="http://schemas.microsoft.com/office/powerpoint/2010/main">
+<p:sld xmlns:a="http://schemas.openxmlformats.org/drawingml/2006/main" xmlns:r="http://schemas.openxmlformats.org/officeDocument/2006/relationships" xmlns:p="http://schemas.openxmlformats.org/presentationml/2006/main">
   <p:cSld>
     <p:spTree>
       <p:nvGrpSpPr>
-        <p:cNvPr id="98" name="Shape 98"/>
+        <p:cNvPr id="1" name="Shape 98"/>
         <p:cNvGrpSpPr/>
         <p:nvPr/>
       </p:nvGrpSpPr>
@@ -6701,7 +6982,9 @@
       <p:sp>
         <p:nvSpPr>
           <p:cNvPr id="100" name="Shape 100"/>
-          <p:cNvSpPr txBox="1"/>
+          <p:cNvSpPr txBox="1">
+            <a:spLocks noGrp="1"/>
+          </p:cNvSpPr>
           <p:nvPr>
             <p:ph type="title"/>
           </p:nvPr>
@@ -6720,7 +7003,7 @@
           </a:ln>
         </p:spPr>
         <p:txBody>
-          <a:bodyPr anchorCtr="0" anchor="t" bIns="91425" lIns="91425" rIns="91425" tIns="91425">
+          <a:bodyPr lIns="91425" tIns="91425" rIns="91425" bIns="91425" anchor="t" anchorCtr="0">
             <a:noAutofit/>
           </a:bodyPr>
           <a:lstStyle/>
@@ -6743,18 +7026,18 @@
   <p:clrMapOvr>
     <a:masterClrMapping/>
   </p:clrMapOvr>
-  <p:transition spd="slow">
+  <p:transition xmlns:p14="http://schemas.microsoft.com/office/powerpoint/2010/main" spd="slow">
     <p:cut/>
   </p:transition>
 </p:sld>
 </file>
 
 <file path=ppt/slides/slide5.xml><?xml version="1.0" encoding="utf-8"?>
-<p:sld xmlns:a="http://schemas.openxmlformats.org/drawingml/2006/main" xmlns:r="http://schemas.openxmlformats.org/officeDocument/2006/relationships" xmlns:mc="http://schemas.openxmlformats.org/markup-compatibility/2006" xmlns:mv="urn:schemas-microsoft-com:mac:vml" xmlns:p="http://schemas.openxmlformats.org/presentationml/2006/main" xmlns:c="http://schemas.openxmlformats.org/drawingml/2006/chart" xmlns:dgm="http://schemas.openxmlformats.org/drawingml/2006/diagram" xmlns:o="urn:schemas-microsoft-com:office:office" xmlns:v="urn:schemas-microsoft-com:vml" xmlns:pvml="urn:schemas-microsoft-com:office:powerpoint" xmlns:com="http://schemas.openxmlformats.org/drawingml/2006/compatibility" xmlns:p14="http://schemas.microsoft.com/office/powerpoint/2010/main">
+<p:sld xmlns:a="http://schemas.openxmlformats.org/drawingml/2006/main" xmlns:r="http://schemas.openxmlformats.org/officeDocument/2006/relationships" xmlns:p="http://schemas.openxmlformats.org/presentationml/2006/main">
   <p:cSld>
     <p:spTree>
       <p:nvGrpSpPr>
-        <p:cNvPr id="104" name="Shape 104"/>
+        <p:cNvPr id="1" name="Shape 104"/>
         <p:cNvGrpSpPr/>
         <p:nvPr/>
       </p:nvGrpSpPr>
@@ -6769,7 +7052,9 @@
       <p:sp>
         <p:nvSpPr>
           <p:cNvPr id="105" name="Shape 105"/>
-          <p:cNvSpPr txBox="1"/>
+          <p:cNvSpPr txBox="1">
+            <a:spLocks noGrp="1"/>
+          </p:cNvSpPr>
           <p:nvPr>
             <p:ph type="title"/>
           </p:nvPr>
@@ -6784,7 +7069,7 @@
           </a:prstGeom>
         </p:spPr>
         <p:txBody>
-          <a:bodyPr anchorCtr="0" anchor="t" bIns="91425" lIns="91425" rIns="91425" tIns="91425">
+          <a:bodyPr lIns="91425" tIns="91425" rIns="91425" bIns="91425" anchor="t" anchorCtr="0">
             <a:noAutofit/>
           </a:bodyPr>
           <a:lstStyle/>
@@ -6835,18 +7120,18 @@
   <p:clrMapOvr>
     <a:masterClrMapping/>
   </p:clrMapOvr>
-  <p:transition spd="slow">
+  <p:transition xmlns:p14="http://schemas.microsoft.com/office/powerpoint/2010/main" spd="slow">
     <p:cut/>
   </p:transition>
 </p:sld>
 </file>
 
 <file path=ppt/slides/slide6.xml><?xml version="1.0" encoding="utf-8"?>
-<p:sld xmlns:a="http://schemas.openxmlformats.org/drawingml/2006/main" xmlns:r="http://schemas.openxmlformats.org/officeDocument/2006/relationships" xmlns:mc="http://schemas.openxmlformats.org/markup-compatibility/2006" xmlns:mv="urn:schemas-microsoft-com:mac:vml" xmlns:p="http://schemas.openxmlformats.org/presentationml/2006/main" xmlns:c="http://schemas.openxmlformats.org/drawingml/2006/chart" xmlns:dgm="http://schemas.openxmlformats.org/drawingml/2006/diagram" xmlns:o="urn:schemas-microsoft-com:office:office" xmlns:v="urn:schemas-microsoft-com:vml" xmlns:pvml="urn:schemas-microsoft-com:office:powerpoint" xmlns:com="http://schemas.openxmlformats.org/drawingml/2006/compatibility" xmlns:p14="http://schemas.microsoft.com/office/powerpoint/2010/main">
+<p:sld xmlns:a="http://schemas.openxmlformats.org/drawingml/2006/main" xmlns:r="http://schemas.openxmlformats.org/officeDocument/2006/relationships" xmlns:p="http://schemas.openxmlformats.org/presentationml/2006/main">
   <p:cSld>
     <p:spTree>
       <p:nvGrpSpPr>
-        <p:cNvPr id="110" name="Shape 110"/>
+        <p:cNvPr id="1" name="Shape 110"/>
         <p:cNvGrpSpPr/>
         <p:nvPr/>
       </p:nvGrpSpPr>
@@ -6861,7 +7146,9 @@
       <p:sp>
         <p:nvSpPr>
           <p:cNvPr id="111" name="Shape 111"/>
-          <p:cNvSpPr txBox="1"/>
+          <p:cNvSpPr txBox="1">
+            <a:spLocks noGrp="1"/>
+          </p:cNvSpPr>
           <p:nvPr>
             <p:ph type="title"/>
           </p:nvPr>
@@ -6876,7 +7163,7 @@
           </a:prstGeom>
         </p:spPr>
         <p:txBody>
-          <a:bodyPr anchorCtr="0" anchor="t" bIns="91425" lIns="91425" rIns="91425" tIns="91425">
+          <a:bodyPr lIns="91425" tIns="91425" rIns="91425" bIns="91425" anchor="t" anchorCtr="0">
             <a:noAutofit/>
           </a:bodyPr>
           <a:lstStyle/>
@@ -6897,9 +7184,11 @@
       <p:sp>
         <p:nvSpPr>
           <p:cNvPr id="112" name="Shape 112"/>
-          <p:cNvSpPr txBox="1"/>
+          <p:cNvSpPr txBox="1">
+            <a:spLocks noGrp="1"/>
+          </p:cNvSpPr>
           <p:nvPr>
-            <p:ph idx="1" type="body"/>
+            <p:ph type="body" idx="1"/>
           </p:nvPr>
         </p:nvSpPr>
         <p:spPr>
@@ -6912,12 +7201,12 @@
           </a:prstGeom>
         </p:spPr>
         <p:txBody>
-          <a:bodyPr anchorCtr="0" anchor="t" bIns="91425" lIns="91425" rIns="91425" tIns="91425">
+          <a:bodyPr lIns="91425" tIns="91425" rIns="91425" bIns="91425" anchor="t" anchorCtr="0">
             <a:noAutofit/>
           </a:bodyPr>
           <a:lstStyle/>
           <a:p>
-            <a:pPr indent="-228600" lvl="0" marL="457200" rtl="0">
+            <a:pPr marL="457200" lvl="0" indent="-228600" rtl="0">
               <a:spcBef>
                 <a:spcPts val="0"/>
               </a:spcBef>
@@ -6927,7 +7216,7 @@
               <a:buAutoNum type="arabicPeriod"/>
             </a:pPr>
             <a:r>
-              <a:rPr lang="en">
+              <a:rPr lang="en" dirty="0">
                 <a:solidFill>
                   <a:srgbClr val="000000"/>
                 </a:solidFill>
@@ -6936,7 +7225,7 @@
             </a:r>
           </a:p>
           <a:p>
-            <a:pPr indent="-228600" lvl="0" marL="457200" rtl="0">
+            <a:pPr marL="457200" lvl="0" indent="-228600" rtl="0">
               <a:spcBef>
                 <a:spcPts val="0"/>
               </a:spcBef>
@@ -6946,7 +7235,7 @@
               <a:buAutoNum type="arabicPeriod"/>
             </a:pPr>
             <a:r>
-              <a:rPr lang="en">
+              <a:rPr lang="en" dirty="0">
                 <a:solidFill>
                   <a:srgbClr val="000000"/>
                 </a:solidFill>
@@ -6955,7 +7244,7 @@
             </a:r>
           </a:p>
           <a:p>
-            <a:pPr indent="-228600" lvl="0" marL="457200" rtl="0">
+            <a:pPr marL="457200" lvl="0" indent="-228600" rtl="0">
               <a:spcBef>
                 <a:spcPts val="0"/>
               </a:spcBef>
@@ -6965,7 +7254,7 @@
               <a:buAutoNum type="arabicPeriod"/>
             </a:pPr>
             <a:r>
-              <a:rPr lang="en">
+              <a:rPr lang="en" dirty="0">
                 <a:solidFill>
                   <a:srgbClr val="000000"/>
                 </a:solidFill>
@@ -6974,7 +7263,7 @@
             </a:r>
           </a:p>
           <a:p>
-            <a:pPr indent="-228600" lvl="0" marL="457200" rtl="0">
+            <a:pPr marL="457200" lvl="0" indent="-228600" rtl="0">
               <a:spcBef>
                 <a:spcPts val="0"/>
               </a:spcBef>
@@ -6984,7 +7273,7 @@
               <a:buAutoNum type="arabicPeriod"/>
             </a:pPr>
             <a:r>
-              <a:rPr lang="en">
+              <a:rPr lang="en" dirty="0">
                 <a:solidFill>
                   <a:srgbClr val="000000"/>
                 </a:solidFill>
@@ -6993,7 +7282,7 @@
             </a:r>
           </a:p>
           <a:p>
-            <a:pPr indent="-228600" lvl="0" marL="457200" rtl="0">
+            <a:pPr marL="457200" lvl="0" indent="-228600" rtl="0">
               <a:spcBef>
                 <a:spcPts val="0"/>
               </a:spcBef>
@@ -7003,7 +7292,7 @@
               <a:buAutoNum type="arabicPeriod"/>
             </a:pPr>
             <a:r>
-              <a:rPr lang="en">
+              <a:rPr lang="en" dirty="0">
                 <a:solidFill>
                   <a:srgbClr val="000000"/>
                 </a:solidFill>
@@ -7018,18 +7307,18 @@
   <p:clrMapOvr>
     <a:masterClrMapping/>
   </p:clrMapOvr>
-  <p:transition spd="slow">
+  <p:transition xmlns:p14="http://schemas.microsoft.com/office/powerpoint/2010/main" spd="slow">
     <p:cut/>
   </p:transition>
 </p:sld>
 </file>
 
 <file path=ppt/slides/slide7.xml><?xml version="1.0" encoding="utf-8"?>
-<p:sld xmlns:a="http://schemas.openxmlformats.org/drawingml/2006/main" xmlns:r="http://schemas.openxmlformats.org/officeDocument/2006/relationships" xmlns:mc="http://schemas.openxmlformats.org/markup-compatibility/2006" xmlns:mv="urn:schemas-microsoft-com:mac:vml" xmlns:p="http://schemas.openxmlformats.org/presentationml/2006/main" xmlns:c="http://schemas.openxmlformats.org/drawingml/2006/chart" xmlns:dgm="http://schemas.openxmlformats.org/drawingml/2006/diagram" xmlns:o="urn:schemas-microsoft-com:office:office" xmlns:v="urn:schemas-microsoft-com:vml" xmlns:pvml="urn:schemas-microsoft-com:office:powerpoint" xmlns:com="http://schemas.openxmlformats.org/drawingml/2006/compatibility" xmlns:p14="http://schemas.microsoft.com/office/powerpoint/2010/main">
+<p:sld xmlns:a="http://schemas.openxmlformats.org/drawingml/2006/main" xmlns:r="http://schemas.openxmlformats.org/officeDocument/2006/relationships" xmlns:p="http://schemas.openxmlformats.org/presentationml/2006/main">
   <p:cSld>
     <p:spTree>
       <p:nvGrpSpPr>
-        <p:cNvPr id="116" name="Shape 116"/>
+        <p:cNvPr id="1" name="Shape 116"/>
         <p:cNvGrpSpPr/>
         <p:nvPr/>
       </p:nvGrpSpPr>
@@ -7044,7 +7333,9 @@
       <p:sp>
         <p:nvSpPr>
           <p:cNvPr id="117" name="Shape 117"/>
-          <p:cNvSpPr txBox="1"/>
+          <p:cNvSpPr txBox="1">
+            <a:spLocks noGrp="1"/>
+          </p:cNvSpPr>
           <p:nvPr>
             <p:ph type="title"/>
           </p:nvPr>
@@ -7059,7 +7350,7 @@
           </a:prstGeom>
         </p:spPr>
         <p:txBody>
-          <a:bodyPr anchorCtr="0" anchor="t" bIns="91425" lIns="91425" rIns="91425" tIns="91425">
+          <a:bodyPr lIns="91425" tIns="91425" rIns="91425" bIns="91425" anchor="t" anchorCtr="0">
             <a:noAutofit/>
           </a:bodyPr>
           <a:lstStyle/>
@@ -7080,9 +7371,11 @@
       <p:sp>
         <p:nvSpPr>
           <p:cNvPr id="118" name="Shape 118"/>
-          <p:cNvSpPr txBox="1"/>
+          <p:cNvSpPr txBox="1">
+            <a:spLocks noGrp="1"/>
+          </p:cNvSpPr>
           <p:nvPr>
-            <p:ph idx="1" type="body"/>
+            <p:ph type="body" idx="1"/>
           </p:nvPr>
         </p:nvSpPr>
         <p:spPr>
@@ -7095,21 +7388,23 @@
           </a:prstGeom>
         </p:spPr>
         <p:txBody>
-          <a:bodyPr anchorCtr="0" anchor="t" bIns="91425" lIns="91425" rIns="91425" tIns="91425">
+          <a:bodyPr lIns="91425" tIns="91425" rIns="91425" bIns="91425" anchor="t" anchorCtr="0">
             <a:noAutofit/>
           </a:bodyPr>
           <a:lstStyle/>
           <a:p>
-            <a:pPr indent="-228600" lvl="0" marL="457200" rtl="0">
+            <a:pPr marL="514350" lvl="0" indent="-285750" rtl="0">
               <a:spcBef>
                 <a:spcPts val="0"/>
               </a:spcBef>
               <a:buClr>
                 <a:srgbClr val="000000"/>
               </a:buClr>
+              <a:buFont typeface="Arial"/>
+              <a:buChar char="•"/>
             </a:pPr>
             <a:r>
-              <a:rPr lang="en">
+              <a:rPr lang="en" dirty="0">
                 <a:solidFill>
                   <a:srgbClr val="000000"/>
                 </a:solidFill>
@@ -7118,7 +7413,7 @@
             </a:r>
           </a:p>
           <a:p>
-            <a:pPr indent="-228600" lvl="1" marL="914400" rtl="0">
+            <a:pPr marL="971550" lvl="1" indent="-285750" rtl="0">
               <a:spcBef>
                 <a:spcPts val="0"/>
               </a:spcBef>
@@ -7126,9 +7421,11 @@
                 <a:srgbClr val="000000"/>
               </a:buClr>
               <a:buSzPct val="100000"/>
+              <a:buFont typeface="Arial"/>
+              <a:buChar char="•"/>
             </a:pPr>
             <a:r>
-              <a:rPr lang="en" sz="1800">
+              <a:rPr lang="en" sz="1800" dirty="0">
                 <a:solidFill>
                   <a:srgbClr val="000000"/>
                 </a:solidFill>
@@ -7137,16 +7434,18 @@
             </a:r>
           </a:p>
           <a:p>
-            <a:pPr indent="-228600" lvl="0" marL="457200" rtl="0">
+            <a:pPr marL="514350" lvl="0" indent="-285750" rtl="0">
               <a:spcBef>
                 <a:spcPts val="0"/>
               </a:spcBef>
               <a:buClr>
                 <a:srgbClr val="000000"/>
               </a:buClr>
+              <a:buFont typeface="Arial"/>
+              <a:buChar char="•"/>
             </a:pPr>
             <a:r>
-              <a:rPr lang="en">
+              <a:rPr lang="en" dirty="0">
                 <a:solidFill>
                   <a:srgbClr val="000000"/>
                 </a:solidFill>
@@ -7155,7 +7454,7 @@
             </a:r>
           </a:p>
           <a:p>
-            <a:pPr indent="-228600" lvl="1" marL="914400" rtl="0">
+            <a:pPr marL="971550" lvl="1" indent="-285750" rtl="0">
               <a:spcBef>
                 <a:spcPts val="0"/>
               </a:spcBef>
@@ -7163,9 +7462,11 @@
                 <a:srgbClr val="000000"/>
               </a:buClr>
               <a:buSzPct val="100000"/>
+              <a:buFont typeface="Arial"/>
+              <a:buChar char="•"/>
             </a:pPr>
             <a:r>
-              <a:rPr lang="en" sz="1800">
+              <a:rPr lang="en" sz="1800" dirty="0">
                 <a:solidFill>
                   <a:srgbClr val="000000"/>
                 </a:solidFill>
@@ -7174,16 +7475,18 @@
             </a:r>
           </a:p>
           <a:p>
-            <a:pPr indent="-228600" lvl="0" marL="457200" rtl="0">
+            <a:pPr marL="514350" lvl="0" indent="-285750" rtl="0">
               <a:spcBef>
                 <a:spcPts val="0"/>
               </a:spcBef>
               <a:buClr>
                 <a:srgbClr val="000000"/>
               </a:buClr>
+              <a:buFont typeface="Arial"/>
+              <a:buChar char="•"/>
             </a:pPr>
             <a:r>
-              <a:rPr lang="en">
+              <a:rPr lang="en" dirty="0">
                 <a:solidFill>
                   <a:srgbClr val="000000"/>
                 </a:solidFill>
@@ -7192,7 +7495,7 @@
             </a:r>
           </a:p>
           <a:p>
-            <a:pPr indent="-228600" lvl="1" marL="914400" rtl="0">
+            <a:pPr marL="971550" lvl="1" indent="-285750" rtl="0">
               <a:spcBef>
                 <a:spcPts val="0"/>
               </a:spcBef>
@@ -7200,9 +7503,11 @@
                 <a:srgbClr val="000000"/>
               </a:buClr>
               <a:buSzPct val="100000"/>
+              <a:buFont typeface="Arial"/>
+              <a:buChar char="•"/>
             </a:pPr>
             <a:r>
-              <a:rPr lang="en" sz="1800">
+              <a:rPr lang="en" sz="1800" dirty="0">
                 <a:solidFill>
                   <a:srgbClr val="000000"/>
                 </a:solidFill>
@@ -7217,18 +7522,18 @@
   <p:clrMapOvr>
     <a:masterClrMapping/>
   </p:clrMapOvr>
-  <p:transition spd="slow">
+  <p:transition xmlns:p14="http://schemas.microsoft.com/office/powerpoint/2010/main" spd="slow">
     <p:cut/>
   </p:transition>
 </p:sld>
 </file>
 
 <file path=ppt/slides/slide8.xml><?xml version="1.0" encoding="utf-8"?>
-<p:sld xmlns:a="http://schemas.openxmlformats.org/drawingml/2006/main" xmlns:r="http://schemas.openxmlformats.org/officeDocument/2006/relationships" xmlns:mc="http://schemas.openxmlformats.org/markup-compatibility/2006" xmlns:mv="urn:schemas-microsoft-com:mac:vml" xmlns:p="http://schemas.openxmlformats.org/presentationml/2006/main" xmlns:c="http://schemas.openxmlformats.org/drawingml/2006/chart" xmlns:dgm="http://schemas.openxmlformats.org/drawingml/2006/diagram" xmlns:o="urn:schemas-microsoft-com:office:office" xmlns:v="urn:schemas-microsoft-com:vml" xmlns:pvml="urn:schemas-microsoft-com:office:powerpoint" xmlns:com="http://schemas.openxmlformats.org/drawingml/2006/compatibility" xmlns:p14="http://schemas.microsoft.com/office/powerpoint/2010/main">
+<p:sld xmlns:a="http://schemas.openxmlformats.org/drawingml/2006/main" xmlns:r="http://schemas.openxmlformats.org/officeDocument/2006/relationships" xmlns:p="http://schemas.openxmlformats.org/presentationml/2006/main">
   <p:cSld>
     <p:spTree>
       <p:nvGrpSpPr>
-        <p:cNvPr id="122" name="Shape 122"/>
+        <p:cNvPr id="1" name="Shape 122"/>
         <p:cNvGrpSpPr/>
         <p:nvPr/>
       </p:nvGrpSpPr>
@@ -7243,7 +7548,9 @@
       <p:sp>
         <p:nvSpPr>
           <p:cNvPr id="123" name="Shape 123"/>
-          <p:cNvSpPr txBox="1"/>
+          <p:cNvSpPr txBox="1">
+            <a:spLocks noGrp="1"/>
+          </p:cNvSpPr>
           <p:nvPr>
             <p:ph type="title"/>
           </p:nvPr>
@@ -7258,7 +7565,7 @@
           </a:prstGeom>
         </p:spPr>
         <p:txBody>
-          <a:bodyPr anchorCtr="0" anchor="t" bIns="91425" lIns="91425" rIns="91425" tIns="91425">
+          <a:bodyPr lIns="91425" tIns="91425" rIns="91425" bIns="91425" anchor="t" anchorCtr="0">
             <a:noAutofit/>
           </a:bodyPr>
           <a:lstStyle/>
@@ -7279,9 +7586,11 @@
       <p:sp>
         <p:nvSpPr>
           <p:cNvPr id="124" name="Shape 124"/>
-          <p:cNvSpPr txBox="1"/>
+          <p:cNvSpPr txBox="1">
+            <a:spLocks noGrp="1"/>
+          </p:cNvSpPr>
           <p:nvPr>
-            <p:ph idx="1" type="body"/>
+            <p:ph type="body" idx="1"/>
           </p:nvPr>
         </p:nvSpPr>
         <p:spPr>
@@ -7294,7 +7603,7 @@
           </a:prstGeom>
         </p:spPr>
         <p:txBody>
-          <a:bodyPr anchorCtr="0" anchor="t" bIns="91425" lIns="91425" rIns="91425" tIns="91425">
+          <a:bodyPr lIns="91425" tIns="91425" rIns="91425" bIns="91425" anchor="t" anchorCtr="0">
             <a:noAutofit/>
           </a:bodyPr>
           <a:lstStyle/>
@@ -7306,7 +7615,7 @@
               <a:buNone/>
             </a:pPr>
             <a:r>
-              <a:rPr lang="en">
+              <a:rPr lang="en" dirty="0">
                 <a:solidFill>
                   <a:srgbClr val="000000"/>
                 </a:solidFill>
@@ -7315,16 +7624,18 @@
             </a:r>
           </a:p>
           <a:p>
-            <a:pPr indent="-228600" lvl="0" marL="457200" rtl="0">
+            <a:pPr marL="514350" lvl="0" indent="-285750" rtl="0">
               <a:spcBef>
                 <a:spcPts val="0"/>
               </a:spcBef>
               <a:buClr>
                 <a:srgbClr val="000000"/>
               </a:buClr>
+              <a:buFont typeface="Arial"/>
+              <a:buChar char="•"/>
             </a:pPr>
             <a:r>
-              <a:rPr lang="en">
+              <a:rPr lang="en" dirty="0">
                 <a:solidFill>
                   <a:srgbClr val="000000"/>
                 </a:solidFill>
@@ -7333,16 +7644,18 @@
             </a:r>
           </a:p>
           <a:p>
-            <a:pPr indent="-228600" lvl="0" marL="457200" rtl="0">
+            <a:pPr marL="514350" lvl="0" indent="-285750" rtl="0">
               <a:spcBef>
                 <a:spcPts val="0"/>
               </a:spcBef>
               <a:buClr>
                 <a:srgbClr val="000000"/>
               </a:buClr>
+              <a:buFont typeface="Arial"/>
+              <a:buChar char="•"/>
             </a:pPr>
             <a:r>
-              <a:rPr lang="en">
+              <a:rPr lang="en" dirty="0">
                 <a:solidFill>
                   <a:srgbClr val="000000"/>
                 </a:solidFill>
@@ -7351,16 +7664,18 @@
             </a:r>
           </a:p>
           <a:p>
-            <a:pPr indent="-228600" lvl="0" marL="457200" rtl="0">
+            <a:pPr marL="514350" lvl="0" indent="-285750" rtl="0">
               <a:spcBef>
                 <a:spcPts val="0"/>
               </a:spcBef>
               <a:buClr>
                 <a:srgbClr val="000000"/>
               </a:buClr>
+              <a:buFont typeface="Arial"/>
+              <a:buChar char="•"/>
             </a:pPr>
             <a:r>
-              <a:rPr lang="en">
+              <a:rPr lang="en" dirty="0">
                 <a:solidFill>
                   <a:srgbClr val="000000"/>
                 </a:solidFill>
@@ -7369,16 +7684,18 @@
             </a:r>
           </a:p>
           <a:p>
-            <a:pPr indent="-228600" lvl="0" marL="457200">
+            <a:pPr marL="514350" lvl="0" indent="-285750">
               <a:spcBef>
                 <a:spcPts val="0"/>
               </a:spcBef>
               <a:buClr>
                 <a:srgbClr val="000000"/>
               </a:buClr>
+              <a:buFont typeface="Arial"/>
+              <a:buChar char="•"/>
             </a:pPr>
             <a:r>
-              <a:rPr lang="en">
+              <a:rPr lang="en" dirty="0">
                 <a:solidFill>
                   <a:srgbClr val="000000"/>
                 </a:solidFill>
@@ -7393,14 +7710,295 @@
   <p:clrMapOvr>
     <a:masterClrMapping/>
   </p:clrMapOvr>
-  <p:transition spd="slow">
+  <p:transition xmlns:p14="http://schemas.microsoft.com/office/powerpoint/2010/main" spd="slow">
     <p:cut/>
   </p:transition>
 </p:sld>
 </file>
 
 <file path=ppt/theme/theme1.xml><?xml version="1.0" encoding="utf-8"?>
-<a:theme xmlns:a="http://schemas.openxmlformats.org/drawingml/2006/main" xmlns:r="http://schemas.openxmlformats.org/officeDocument/2006/relationships" name="Custom Theme">
+<a:theme xmlns:a="http://schemas.openxmlformats.org/drawingml/2006/main" name="geometric">
+  <a:themeElements>
+    <a:clrScheme name="Geometric">
+      <a:dk1>
+        <a:srgbClr val="2A3990"/>
+      </a:dk1>
+      <a:lt1>
+        <a:srgbClr val="FFFFFF"/>
+      </a:lt1>
+      <a:dk2>
+        <a:srgbClr val="434343"/>
+      </a:dk2>
+      <a:lt2>
+        <a:srgbClr val="999999"/>
+      </a:lt2>
+      <a:accent1>
+        <a:srgbClr val="212D74"/>
+      </a:accent1>
+      <a:accent2>
+        <a:srgbClr val="3949AB"/>
+      </a:accent2>
+      <a:accent3>
+        <a:srgbClr val="9C254D"/>
+      </a:accent3>
+      <a:accent4>
+        <a:srgbClr val="D23369"/>
+      </a:accent4>
+      <a:accent5>
+        <a:srgbClr val="F06292"/>
+      </a:accent5>
+      <a:accent6>
+        <a:srgbClr val="7890CD"/>
+      </a:accent6>
+      <a:hlink>
+        <a:srgbClr val="F06292"/>
+      </a:hlink>
+      <a:folHlink>
+        <a:srgbClr val="F06292"/>
+      </a:folHlink>
+    </a:clrScheme>
+    <a:fontScheme name="Office">
+      <a:majorFont>
+        <a:latin typeface="Arial"/>
+        <a:ea typeface=""/>
+        <a:cs typeface=""/>
+        <a:font script="Jpan" typeface="ＭＳ Ｐゴシック"/>
+        <a:font script="Hang" typeface="맑은 고딕"/>
+        <a:font script="Hans" typeface="宋体"/>
+        <a:font script="Hant" typeface="新細明體"/>
+        <a:font script="Arab" typeface="Times New Roman"/>
+        <a:font script="Hebr" typeface="Times New Roman"/>
+        <a:font script="Thai" typeface="Angsana New"/>
+        <a:font script="Ethi" typeface="Nyala"/>
+        <a:font script="Beng" typeface="Vrinda"/>
+        <a:font script="Gujr" typeface="Shruti"/>
+        <a:font script="Khmr" typeface="MoolBoran"/>
+        <a:font script="Knda" typeface="Tunga"/>
+        <a:font script="Guru" typeface="Raavi"/>
+        <a:font script="Cans" typeface="Euphemia"/>
+        <a:font script="Cher" typeface="Plantagenet Cherokee"/>
+        <a:font script="Yiii" typeface="Microsoft Yi Baiti"/>
+        <a:font script="Tibt" typeface="Microsoft Himalaya"/>
+        <a:font script="Thaa" typeface="MV Boli"/>
+        <a:font script="Deva" typeface="Mangal"/>
+        <a:font script="Telu" typeface="Gautami"/>
+        <a:font script="Taml" typeface="Latha"/>
+        <a:font script="Syrc" typeface="Estrangelo Edessa"/>
+        <a:font script="Orya" typeface="Kalinga"/>
+        <a:font script="Mlym" typeface="Kartika"/>
+        <a:font script="Laoo" typeface="DokChampa"/>
+        <a:font script="Sinh" typeface="Iskoola Pota"/>
+        <a:font script="Mong" typeface="Mongolian Baiti"/>
+        <a:font script="Viet" typeface="Times New Roman"/>
+        <a:font script="Uigh" typeface="Microsoft Uighur"/>
+        <a:font script="Geor" typeface="Sylfaen"/>
+      </a:majorFont>
+      <a:minorFont>
+        <a:latin typeface="Arial"/>
+        <a:ea typeface=""/>
+        <a:cs typeface=""/>
+        <a:font script="Jpan" typeface="ＭＳ Ｐゴシック"/>
+        <a:font script="Hang" typeface="맑은 고딕"/>
+        <a:font script="Hans" typeface="宋体"/>
+        <a:font script="Hant" typeface="新細明體"/>
+        <a:font script="Arab" typeface="Arial"/>
+        <a:font script="Hebr" typeface="Arial"/>
+        <a:font script="Thai" typeface="Cordia New"/>
+        <a:font script="Ethi" typeface="Nyala"/>
+        <a:font script="Beng" typeface="Vrinda"/>
+        <a:font script="Gujr" typeface="Shruti"/>
+        <a:font script="Khmr" typeface="DaunPenh"/>
+        <a:font script="Knda" typeface="Tunga"/>
+        <a:font script="Guru" typeface="Raavi"/>
+        <a:font script="Cans" typeface="Euphemia"/>
+        <a:font script="Cher" typeface="Plantagenet Cherokee"/>
+        <a:font script="Yiii" typeface="Microsoft Yi Baiti"/>
+        <a:font script="Tibt" typeface="Microsoft Himalaya"/>
+        <a:font script="Thaa" typeface="MV Boli"/>
+        <a:font script="Deva" typeface="Mangal"/>
+        <a:font script="Telu" typeface="Gautami"/>
+        <a:font script="Taml" typeface="Latha"/>
+        <a:font script="Syrc" typeface="Estrangelo Edessa"/>
+        <a:font script="Orya" typeface="Kalinga"/>
+        <a:font script="Mlym" typeface="Kartika"/>
+        <a:font script="Laoo" typeface="DokChampa"/>
+        <a:font script="Sinh" typeface="Iskoola Pota"/>
+        <a:font script="Mong" typeface="Mongolian Baiti"/>
+        <a:font script="Viet" typeface="Arial"/>
+        <a:font script="Uigh" typeface="Microsoft Uighur"/>
+        <a:font script="Geor" typeface="Sylfaen"/>
+      </a:minorFont>
+    </a:fontScheme>
+    <a:fmtScheme name="Office">
+      <a:fillStyleLst>
+        <a:solidFill>
+          <a:schemeClr val="phClr"/>
+        </a:solidFill>
+        <a:gradFill rotWithShape="1">
+          <a:gsLst>
+            <a:gs pos="0">
+              <a:schemeClr val="phClr">
+                <a:tint val="50000"/>
+                <a:satMod val="300000"/>
+              </a:schemeClr>
+            </a:gs>
+            <a:gs pos="35000">
+              <a:schemeClr val="phClr">
+                <a:tint val="37000"/>
+                <a:satMod val="300000"/>
+              </a:schemeClr>
+            </a:gs>
+            <a:gs pos="100000">
+              <a:schemeClr val="phClr">
+                <a:tint val="15000"/>
+                <a:satMod val="350000"/>
+              </a:schemeClr>
+            </a:gs>
+          </a:gsLst>
+          <a:lin ang="16200000" scaled="1"/>
+        </a:gradFill>
+        <a:gradFill rotWithShape="1">
+          <a:gsLst>
+            <a:gs pos="0">
+              <a:schemeClr val="phClr">
+                <a:tint val="100000"/>
+                <a:shade val="100000"/>
+                <a:satMod val="130000"/>
+              </a:schemeClr>
+            </a:gs>
+            <a:gs pos="100000">
+              <a:schemeClr val="phClr">
+                <a:tint val="50000"/>
+                <a:shade val="100000"/>
+                <a:satMod val="350000"/>
+              </a:schemeClr>
+            </a:gs>
+          </a:gsLst>
+          <a:lin ang="16200000" scaled="0"/>
+        </a:gradFill>
+      </a:fillStyleLst>
+      <a:lnStyleLst>
+        <a:ln w="9525" cap="flat" cmpd="sng" algn="ctr">
+          <a:solidFill>
+            <a:schemeClr val="phClr">
+              <a:shade val="95000"/>
+              <a:satMod val="105000"/>
+            </a:schemeClr>
+          </a:solidFill>
+          <a:prstDash val="solid"/>
+        </a:ln>
+        <a:ln w="25400" cap="flat" cmpd="sng" algn="ctr">
+          <a:solidFill>
+            <a:schemeClr val="phClr"/>
+          </a:solidFill>
+          <a:prstDash val="solid"/>
+        </a:ln>
+        <a:ln w="38100" cap="flat" cmpd="sng" algn="ctr">
+          <a:solidFill>
+            <a:schemeClr val="phClr"/>
+          </a:solidFill>
+          <a:prstDash val="solid"/>
+        </a:ln>
+      </a:lnStyleLst>
+      <a:effectStyleLst>
+        <a:effectStyle>
+          <a:effectLst>
+            <a:outerShdw blurRad="40000" dist="20000" dir="5400000" rotWithShape="0">
+              <a:srgbClr val="000000">
+                <a:alpha val="38000"/>
+              </a:srgbClr>
+            </a:outerShdw>
+          </a:effectLst>
+        </a:effectStyle>
+        <a:effectStyle>
+          <a:effectLst>
+            <a:outerShdw blurRad="40000" dist="23000" dir="5400000" rotWithShape="0">
+              <a:srgbClr val="000000">
+                <a:alpha val="35000"/>
+              </a:srgbClr>
+            </a:outerShdw>
+          </a:effectLst>
+        </a:effectStyle>
+        <a:effectStyle>
+          <a:effectLst>
+            <a:outerShdw blurRad="40000" dist="23000" dir="5400000" rotWithShape="0">
+              <a:srgbClr val="000000">
+                <a:alpha val="35000"/>
+              </a:srgbClr>
+            </a:outerShdw>
+          </a:effectLst>
+          <a:scene3d>
+            <a:camera prst="orthographicFront">
+              <a:rot lat="0" lon="0" rev="0"/>
+            </a:camera>
+            <a:lightRig rig="threePt" dir="t">
+              <a:rot lat="0" lon="0" rev="1200000"/>
+            </a:lightRig>
+          </a:scene3d>
+          <a:sp3d>
+            <a:bevelT w="63500" h="25400"/>
+          </a:sp3d>
+        </a:effectStyle>
+      </a:effectStyleLst>
+      <a:bgFillStyleLst>
+        <a:solidFill>
+          <a:schemeClr val="phClr"/>
+        </a:solidFill>
+        <a:gradFill rotWithShape="1">
+          <a:gsLst>
+            <a:gs pos="0">
+              <a:schemeClr val="phClr">
+                <a:tint val="40000"/>
+                <a:satMod val="350000"/>
+              </a:schemeClr>
+            </a:gs>
+            <a:gs pos="40000">
+              <a:schemeClr val="phClr">
+                <a:tint val="45000"/>
+                <a:shade val="99000"/>
+                <a:satMod val="350000"/>
+              </a:schemeClr>
+            </a:gs>
+            <a:gs pos="100000">
+              <a:schemeClr val="phClr">
+                <a:shade val="20000"/>
+                <a:satMod val="255000"/>
+              </a:schemeClr>
+            </a:gs>
+          </a:gsLst>
+          <a:path path="circle">
+            <a:fillToRect l="50000" t="-80000" r="50000" b="180000"/>
+          </a:path>
+        </a:gradFill>
+        <a:gradFill rotWithShape="1">
+          <a:gsLst>
+            <a:gs pos="0">
+              <a:schemeClr val="phClr">
+                <a:tint val="80000"/>
+                <a:satMod val="300000"/>
+              </a:schemeClr>
+            </a:gs>
+            <a:gs pos="100000">
+              <a:schemeClr val="phClr">
+                <a:shade val="30000"/>
+                <a:satMod val="200000"/>
+              </a:schemeClr>
+            </a:gs>
+          </a:gsLst>
+          <a:path path="circle">
+            <a:fillToRect l="50000" t="50000" r="50000" b="50000"/>
+          </a:path>
+        </a:gradFill>
+      </a:bgFillStyleLst>
+    </a:fmtScheme>
+  </a:themeElements>
+  <a:objectDefaults/>
+  <a:extraClrSchemeLst/>
+</a:theme>
+</file>
+
+<file path=ppt/theme/theme2.xml><?xml version="1.0" encoding="utf-8"?>
+<a:theme xmlns:a="http://schemas.openxmlformats.org/drawingml/2006/main" name="Custom Theme">
   <a:themeElements>
     <a:clrScheme name="Default">
       <a:dk1>
@@ -7675,284 +8273,7 @@
       </a:bgFillStyleLst>
     </a:fmtScheme>
   </a:themeElements>
-</a:theme>
-</file>
-
-<file path=ppt/theme/theme2.xml><?xml version="1.0" encoding="utf-8"?>
-<a:theme xmlns:a="http://schemas.openxmlformats.org/drawingml/2006/main" xmlns:r="http://schemas.openxmlformats.org/officeDocument/2006/relationships" name="geometric">
-  <a:themeElements>
-    <a:clrScheme name="Geometric">
-      <a:dk1>
-        <a:srgbClr val="2A3990"/>
-      </a:dk1>
-      <a:lt1>
-        <a:srgbClr val="FFFFFF"/>
-      </a:lt1>
-      <a:dk2>
-        <a:srgbClr val="434343"/>
-      </a:dk2>
-      <a:lt2>
-        <a:srgbClr val="999999"/>
-      </a:lt2>
-      <a:accent1>
-        <a:srgbClr val="212D74"/>
-      </a:accent1>
-      <a:accent2>
-        <a:srgbClr val="3949AB"/>
-      </a:accent2>
-      <a:accent3>
-        <a:srgbClr val="9C254D"/>
-      </a:accent3>
-      <a:accent4>
-        <a:srgbClr val="D23369"/>
-      </a:accent4>
-      <a:accent5>
-        <a:srgbClr val="F06292"/>
-      </a:accent5>
-      <a:accent6>
-        <a:srgbClr val="7890CD"/>
-      </a:accent6>
-      <a:hlink>
-        <a:srgbClr val="F06292"/>
-      </a:hlink>
-      <a:folHlink>
-        <a:srgbClr val="F06292"/>
-      </a:folHlink>
-    </a:clrScheme>
-    <a:fontScheme name="Office">
-      <a:majorFont>
-        <a:latin typeface="Arial"/>
-        <a:ea typeface=""/>
-        <a:cs typeface=""/>
-        <a:font script="Jpan" typeface="ＭＳ Ｐゴシック"/>
-        <a:font script="Hang" typeface="맑은 고딕"/>
-        <a:font script="Hans" typeface="宋体"/>
-        <a:font script="Hant" typeface="新細明體"/>
-        <a:font script="Arab" typeface="Times New Roman"/>
-        <a:font script="Hebr" typeface="Times New Roman"/>
-        <a:font script="Thai" typeface="Angsana New"/>
-        <a:font script="Ethi" typeface="Nyala"/>
-        <a:font script="Beng" typeface="Vrinda"/>
-        <a:font script="Gujr" typeface="Shruti"/>
-        <a:font script="Khmr" typeface="MoolBoran"/>
-        <a:font script="Knda" typeface="Tunga"/>
-        <a:font script="Guru" typeface="Raavi"/>
-        <a:font script="Cans" typeface="Euphemia"/>
-        <a:font script="Cher" typeface="Plantagenet Cherokee"/>
-        <a:font script="Yiii" typeface="Microsoft Yi Baiti"/>
-        <a:font script="Tibt" typeface="Microsoft Himalaya"/>
-        <a:font script="Thaa" typeface="MV Boli"/>
-        <a:font script="Deva" typeface="Mangal"/>
-        <a:font script="Telu" typeface="Gautami"/>
-        <a:font script="Taml" typeface="Latha"/>
-        <a:font script="Syrc" typeface="Estrangelo Edessa"/>
-        <a:font script="Orya" typeface="Kalinga"/>
-        <a:font script="Mlym" typeface="Kartika"/>
-        <a:font script="Laoo" typeface="DokChampa"/>
-        <a:font script="Sinh" typeface="Iskoola Pota"/>
-        <a:font script="Mong" typeface="Mongolian Baiti"/>
-        <a:font script="Viet" typeface="Times New Roman"/>
-        <a:font script="Uigh" typeface="Microsoft Uighur"/>
-        <a:font script="Geor" typeface="Sylfaen"/>
-      </a:majorFont>
-      <a:minorFont>
-        <a:latin typeface="Arial"/>
-        <a:ea typeface=""/>
-        <a:cs typeface=""/>
-        <a:font script="Jpan" typeface="ＭＳ Ｐゴシック"/>
-        <a:font script="Hang" typeface="맑은 고딕"/>
-        <a:font script="Hans" typeface="宋体"/>
-        <a:font script="Hant" typeface="新細明體"/>
-        <a:font script="Arab" typeface="Arial"/>
-        <a:font script="Hebr" typeface="Arial"/>
-        <a:font script="Thai" typeface="Cordia New"/>
-        <a:font script="Ethi" typeface="Nyala"/>
-        <a:font script="Beng" typeface="Vrinda"/>
-        <a:font script="Gujr" typeface="Shruti"/>
-        <a:font script="Khmr" typeface="DaunPenh"/>
-        <a:font script="Knda" typeface="Tunga"/>
-        <a:font script="Guru" typeface="Raavi"/>
-        <a:font script="Cans" typeface="Euphemia"/>
-        <a:font script="Cher" typeface="Plantagenet Cherokee"/>
-        <a:font script="Yiii" typeface="Microsoft Yi Baiti"/>
-        <a:font script="Tibt" typeface="Microsoft Himalaya"/>
-        <a:font script="Thaa" typeface="MV Boli"/>
-        <a:font script="Deva" typeface="Mangal"/>
-        <a:font script="Telu" typeface="Gautami"/>
-        <a:font script="Taml" typeface="Latha"/>
-        <a:font script="Syrc" typeface="Estrangelo Edessa"/>
-        <a:font script="Orya" typeface="Kalinga"/>
-        <a:font script="Mlym" typeface="Kartika"/>
-        <a:font script="Laoo" typeface="DokChampa"/>
-        <a:font script="Sinh" typeface="Iskoola Pota"/>
-        <a:font script="Mong" typeface="Mongolian Baiti"/>
-        <a:font script="Viet" typeface="Arial"/>
-        <a:font script="Uigh" typeface="Microsoft Uighur"/>
-        <a:font script="Geor" typeface="Sylfaen"/>
-      </a:minorFont>
-    </a:fontScheme>
-    <a:fmtScheme name="Office">
-      <a:fillStyleLst>
-        <a:solidFill>
-          <a:schemeClr val="phClr"/>
-        </a:solidFill>
-        <a:gradFill rotWithShape="1">
-          <a:gsLst>
-            <a:gs pos="0">
-              <a:schemeClr val="phClr">
-                <a:tint val="50000"/>
-                <a:satMod val="300000"/>
-              </a:schemeClr>
-            </a:gs>
-            <a:gs pos="35000">
-              <a:schemeClr val="phClr">
-                <a:tint val="37000"/>
-                <a:satMod val="300000"/>
-              </a:schemeClr>
-            </a:gs>
-            <a:gs pos="100000">
-              <a:schemeClr val="phClr">
-                <a:tint val="15000"/>
-                <a:satMod val="350000"/>
-              </a:schemeClr>
-            </a:gs>
-          </a:gsLst>
-          <a:lin ang="16200000" scaled="1"/>
-        </a:gradFill>
-        <a:gradFill rotWithShape="1">
-          <a:gsLst>
-            <a:gs pos="0">
-              <a:schemeClr val="phClr">
-                <a:tint val="100000"/>
-                <a:shade val="100000"/>
-                <a:satMod val="130000"/>
-              </a:schemeClr>
-            </a:gs>
-            <a:gs pos="100000">
-              <a:schemeClr val="phClr">
-                <a:tint val="50000"/>
-                <a:shade val="100000"/>
-                <a:satMod val="350000"/>
-              </a:schemeClr>
-            </a:gs>
-          </a:gsLst>
-          <a:lin ang="16200000" scaled="0"/>
-        </a:gradFill>
-      </a:fillStyleLst>
-      <a:lnStyleLst>
-        <a:ln w="9525" cap="flat" cmpd="sng" algn="ctr">
-          <a:solidFill>
-            <a:schemeClr val="phClr">
-              <a:shade val="95000"/>
-              <a:satMod val="105000"/>
-            </a:schemeClr>
-          </a:solidFill>
-          <a:prstDash val="solid"/>
-        </a:ln>
-        <a:ln w="25400" cap="flat" cmpd="sng" algn="ctr">
-          <a:solidFill>
-            <a:schemeClr val="phClr"/>
-          </a:solidFill>
-          <a:prstDash val="solid"/>
-        </a:ln>
-        <a:ln w="38100" cap="flat" cmpd="sng" algn="ctr">
-          <a:solidFill>
-            <a:schemeClr val="phClr"/>
-          </a:solidFill>
-          <a:prstDash val="solid"/>
-        </a:ln>
-      </a:lnStyleLst>
-      <a:effectStyleLst>
-        <a:effectStyle>
-          <a:effectLst>
-            <a:outerShdw blurRad="40000" dist="20000" dir="5400000" rotWithShape="0">
-              <a:srgbClr val="000000">
-                <a:alpha val="38000"/>
-              </a:srgbClr>
-            </a:outerShdw>
-          </a:effectLst>
-        </a:effectStyle>
-        <a:effectStyle>
-          <a:effectLst>
-            <a:outerShdw blurRad="40000" dist="23000" dir="5400000" rotWithShape="0">
-              <a:srgbClr val="000000">
-                <a:alpha val="35000"/>
-              </a:srgbClr>
-            </a:outerShdw>
-          </a:effectLst>
-        </a:effectStyle>
-        <a:effectStyle>
-          <a:effectLst>
-            <a:outerShdw blurRad="40000" dist="23000" dir="5400000" rotWithShape="0">
-              <a:srgbClr val="000000">
-                <a:alpha val="35000"/>
-              </a:srgbClr>
-            </a:outerShdw>
-          </a:effectLst>
-          <a:scene3d>
-            <a:camera prst="orthographicFront">
-              <a:rot lat="0" lon="0" rev="0"/>
-            </a:camera>
-            <a:lightRig rig="threePt" dir="t">
-              <a:rot lat="0" lon="0" rev="1200000"/>
-            </a:lightRig>
-          </a:scene3d>
-          <a:sp3d>
-            <a:bevelT w="63500" h="25400"/>
-          </a:sp3d>
-        </a:effectStyle>
-      </a:effectStyleLst>
-      <a:bgFillStyleLst>
-        <a:solidFill>
-          <a:schemeClr val="phClr"/>
-        </a:solidFill>
-        <a:gradFill rotWithShape="1">
-          <a:gsLst>
-            <a:gs pos="0">
-              <a:schemeClr val="phClr">
-                <a:tint val="40000"/>
-                <a:satMod val="350000"/>
-              </a:schemeClr>
-            </a:gs>
-            <a:gs pos="40000">
-              <a:schemeClr val="phClr">
-                <a:tint val="45000"/>
-                <a:shade val="99000"/>
-                <a:satMod val="350000"/>
-              </a:schemeClr>
-            </a:gs>
-            <a:gs pos="100000">
-              <a:schemeClr val="phClr">
-                <a:shade val="20000"/>
-                <a:satMod val="255000"/>
-              </a:schemeClr>
-            </a:gs>
-          </a:gsLst>
-          <a:path path="circle">
-            <a:fillToRect l="50000" t="-80000" r="50000" b="180000"/>
-          </a:path>
-        </a:gradFill>
-        <a:gradFill rotWithShape="1">
-          <a:gsLst>
-            <a:gs pos="0">
-              <a:schemeClr val="phClr">
-                <a:tint val="80000"/>
-                <a:satMod val="300000"/>
-              </a:schemeClr>
-            </a:gs>
-            <a:gs pos="100000">
-              <a:schemeClr val="phClr">
-                <a:shade val="30000"/>
-                <a:satMod val="200000"/>
-              </a:schemeClr>
-            </a:gs>
-          </a:gsLst>
-          <a:path path="circle">
-            <a:fillToRect l="50000" t="50000" r="50000" b="50000"/>
-          </a:path>
-        </a:gradFill>
-      </a:bgFillStyleLst>
-    </a:fmtScheme>
-  </a:themeElements>
+  <a:objectDefaults/>
+  <a:extraClrSchemeLst/>
 </a:theme>
 </file>